--- a/Итоговая презентация (2).pptx
+++ b/Итоговая презентация (2).pptx
@@ -273,7 +273,7 @@
           <a:p>
             <a:fld id="{7DFF71F3-0000-4348-A8F3-9219E85A0C60}" type="datetimeFigureOut">
               <a:rPr lang="ru-RU" smtClean="0"/>
-              <a:t>24.04.2025</a:t>
+              <a:t>28.04.2025</a:t>
             </a:fld>
             <a:endParaRPr lang="ru-RU"/>
           </a:p>
@@ -471,7 +471,7 @@
           <a:p>
             <a:fld id="{7DFF71F3-0000-4348-A8F3-9219E85A0C60}" type="datetimeFigureOut">
               <a:rPr lang="ru-RU" smtClean="0"/>
-              <a:t>24.04.2025</a:t>
+              <a:t>28.04.2025</a:t>
             </a:fld>
             <a:endParaRPr lang="ru-RU"/>
           </a:p>
@@ -679,7 +679,7 @@
           <a:p>
             <a:fld id="{7DFF71F3-0000-4348-A8F3-9219E85A0C60}" type="datetimeFigureOut">
               <a:rPr lang="ru-RU" smtClean="0"/>
-              <a:t>24.04.2025</a:t>
+              <a:t>28.04.2025</a:t>
             </a:fld>
             <a:endParaRPr lang="ru-RU"/>
           </a:p>
@@ -877,7 +877,7 @@
           <a:p>
             <a:fld id="{7DFF71F3-0000-4348-A8F3-9219E85A0C60}" type="datetimeFigureOut">
               <a:rPr lang="ru-RU" smtClean="0"/>
-              <a:t>24.04.2025</a:t>
+              <a:t>28.04.2025</a:t>
             </a:fld>
             <a:endParaRPr lang="ru-RU"/>
           </a:p>
@@ -1152,7 +1152,7 @@
           <a:p>
             <a:fld id="{7DFF71F3-0000-4348-A8F3-9219E85A0C60}" type="datetimeFigureOut">
               <a:rPr lang="ru-RU" smtClean="0"/>
-              <a:t>24.04.2025</a:t>
+              <a:t>28.04.2025</a:t>
             </a:fld>
             <a:endParaRPr lang="ru-RU"/>
           </a:p>
@@ -1417,7 +1417,7 @@
           <a:p>
             <a:fld id="{7DFF71F3-0000-4348-A8F3-9219E85A0C60}" type="datetimeFigureOut">
               <a:rPr lang="ru-RU" smtClean="0"/>
-              <a:t>24.04.2025</a:t>
+              <a:t>28.04.2025</a:t>
             </a:fld>
             <a:endParaRPr lang="ru-RU"/>
           </a:p>
@@ -1829,7 +1829,7 @@
           <a:p>
             <a:fld id="{7DFF71F3-0000-4348-A8F3-9219E85A0C60}" type="datetimeFigureOut">
               <a:rPr lang="ru-RU" smtClean="0"/>
-              <a:t>24.04.2025</a:t>
+              <a:t>28.04.2025</a:t>
             </a:fld>
             <a:endParaRPr lang="ru-RU"/>
           </a:p>
@@ -1970,7 +1970,7 @@
           <a:p>
             <a:fld id="{7DFF71F3-0000-4348-A8F3-9219E85A0C60}" type="datetimeFigureOut">
               <a:rPr lang="ru-RU" smtClean="0"/>
-              <a:t>24.04.2025</a:t>
+              <a:t>28.04.2025</a:t>
             </a:fld>
             <a:endParaRPr lang="ru-RU"/>
           </a:p>
@@ -2083,7 +2083,7 @@
           <a:p>
             <a:fld id="{7DFF71F3-0000-4348-A8F3-9219E85A0C60}" type="datetimeFigureOut">
               <a:rPr lang="ru-RU" smtClean="0"/>
-              <a:t>24.04.2025</a:t>
+              <a:t>28.04.2025</a:t>
             </a:fld>
             <a:endParaRPr lang="ru-RU"/>
           </a:p>
@@ -2394,7 +2394,7 @@
           <a:p>
             <a:fld id="{7DFF71F3-0000-4348-A8F3-9219E85A0C60}" type="datetimeFigureOut">
               <a:rPr lang="ru-RU" smtClean="0"/>
-              <a:t>24.04.2025</a:t>
+              <a:t>28.04.2025</a:t>
             </a:fld>
             <a:endParaRPr lang="ru-RU"/>
           </a:p>
@@ -2682,7 +2682,7 @@
           <a:p>
             <a:fld id="{7DFF71F3-0000-4348-A8F3-9219E85A0C60}" type="datetimeFigureOut">
               <a:rPr lang="ru-RU" smtClean="0"/>
-              <a:t>24.04.2025</a:t>
+              <a:t>28.04.2025</a:t>
             </a:fld>
             <a:endParaRPr lang="ru-RU"/>
           </a:p>
@@ -2923,7 +2923,7 @@
           <a:p>
             <a:fld id="{7DFF71F3-0000-4348-A8F3-9219E85A0C60}" type="datetimeFigureOut">
               <a:rPr lang="ru-RU" smtClean="0"/>
-              <a:t>24.04.2025</a:t>
+              <a:t>28.04.2025</a:t>
             </a:fld>
             <a:endParaRPr lang="ru-RU"/>
           </a:p>
@@ -3392,10 +3392,10 @@
       </p:sp>
       <p:pic>
         <p:nvPicPr>
-          <p:cNvPr id="5" name="Рисунок 4">
-            <a:extLst>
-              <a:ext uri="{FF2B5EF4-FFF2-40B4-BE49-F238E27FC236}">
-                <a16:creationId xmlns:a16="http://schemas.microsoft.com/office/drawing/2014/main" id="{C3FB15A2-EF3F-492D-AAB7-24C1CBC6B53A}"/>
+          <p:cNvPr id="8" name="Рисунок 7">
+            <a:extLst>
+              <a:ext uri="{FF2B5EF4-FFF2-40B4-BE49-F238E27FC236}">
+                <a16:creationId xmlns:a16="http://schemas.microsoft.com/office/drawing/2014/main" id="{628CCDE3-6360-44F8-84DF-C9FA7C0AA4F9}"/>
               </a:ext>
             </a:extLst>
           </p:cNvPr>
@@ -3412,8 +3412,8 @@
         </p:blipFill>
         <p:spPr>
           <a:xfrm>
-            <a:off x="0" y="1"/>
-            <a:ext cx="12192000" cy="6924582"/>
+            <a:off x="0" y="5458"/>
+            <a:ext cx="12192000" cy="6847083"/>
           </a:xfrm>
           <a:prstGeom prst="rect">
             <a:avLst/>

--- a/Итоговая презентация (2).pptx
+++ b/Итоговая презентация (2).pptx
@@ -273,7 +273,7 @@
           <a:p>
             <a:fld id="{7DFF71F3-0000-4348-A8F3-9219E85A0C60}" type="datetimeFigureOut">
               <a:rPr lang="ru-RU" smtClean="0"/>
-              <a:t>28.04.2025</a:t>
+              <a:t>29.04.2025</a:t>
             </a:fld>
             <a:endParaRPr lang="ru-RU"/>
           </a:p>
@@ -471,7 +471,7 @@
           <a:p>
             <a:fld id="{7DFF71F3-0000-4348-A8F3-9219E85A0C60}" type="datetimeFigureOut">
               <a:rPr lang="ru-RU" smtClean="0"/>
-              <a:t>28.04.2025</a:t>
+              <a:t>29.04.2025</a:t>
             </a:fld>
             <a:endParaRPr lang="ru-RU"/>
           </a:p>
@@ -679,7 +679,7 @@
           <a:p>
             <a:fld id="{7DFF71F3-0000-4348-A8F3-9219E85A0C60}" type="datetimeFigureOut">
               <a:rPr lang="ru-RU" smtClean="0"/>
-              <a:t>28.04.2025</a:t>
+              <a:t>29.04.2025</a:t>
             </a:fld>
             <a:endParaRPr lang="ru-RU"/>
           </a:p>
@@ -877,7 +877,7 @@
           <a:p>
             <a:fld id="{7DFF71F3-0000-4348-A8F3-9219E85A0C60}" type="datetimeFigureOut">
               <a:rPr lang="ru-RU" smtClean="0"/>
-              <a:t>28.04.2025</a:t>
+              <a:t>29.04.2025</a:t>
             </a:fld>
             <a:endParaRPr lang="ru-RU"/>
           </a:p>
@@ -1152,7 +1152,7 @@
           <a:p>
             <a:fld id="{7DFF71F3-0000-4348-A8F3-9219E85A0C60}" type="datetimeFigureOut">
               <a:rPr lang="ru-RU" smtClean="0"/>
-              <a:t>28.04.2025</a:t>
+              <a:t>29.04.2025</a:t>
             </a:fld>
             <a:endParaRPr lang="ru-RU"/>
           </a:p>
@@ -1417,7 +1417,7 @@
           <a:p>
             <a:fld id="{7DFF71F3-0000-4348-A8F3-9219E85A0C60}" type="datetimeFigureOut">
               <a:rPr lang="ru-RU" smtClean="0"/>
-              <a:t>28.04.2025</a:t>
+              <a:t>29.04.2025</a:t>
             </a:fld>
             <a:endParaRPr lang="ru-RU"/>
           </a:p>
@@ -1829,7 +1829,7 @@
           <a:p>
             <a:fld id="{7DFF71F3-0000-4348-A8F3-9219E85A0C60}" type="datetimeFigureOut">
               <a:rPr lang="ru-RU" smtClean="0"/>
-              <a:t>28.04.2025</a:t>
+              <a:t>29.04.2025</a:t>
             </a:fld>
             <a:endParaRPr lang="ru-RU"/>
           </a:p>
@@ -1970,7 +1970,7 @@
           <a:p>
             <a:fld id="{7DFF71F3-0000-4348-A8F3-9219E85A0C60}" type="datetimeFigureOut">
               <a:rPr lang="ru-RU" smtClean="0"/>
-              <a:t>28.04.2025</a:t>
+              <a:t>29.04.2025</a:t>
             </a:fld>
             <a:endParaRPr lang="ru-RU"/>
           </a:p>
@@ -2083,7 +2083,7 @@
           <a:p>
             <a:fld id="{7DFF71F3-0000-4348-A8F3-9219E85A0C60}" type="datetimeFigureOut">
               <a:rPr lang="ru-RU" smtClean="0"/>
-              <a:t>28.04.2025</a:t>
+              <a:t>29.04.2025</a:t>
             </a:fld>
             <a:endParaRPr lang="ru-RU"/>
           </a:p>
@@ -2394,7 +2394,7 @@
           <a:p>
             <a:fld id="{7DFF71F3-0000-4348-A8F3-9219E85A0C60}" type="datetimeFigureOut">
               <a:rPr lang="ru-RU" smtClean="0"/>
-              <a:t>28.04.2025</a:t>
+              <a:t>29.04.2025</a:t>
             </a:fld>
             <a:endParaRPr lang="ru-RU"/>
           </a:p>
@@ -2682,7 +2682,7 @@
           <a:p>
             <a:fld id="{7DFF71F3-0000-4348-A8F3-9219E85A0C60}" type="datetimeFigureOut">
               <a:rPr lang="ru-RU" smtClean="0"/>
-              <a:t>28.04.2025</a:t>
+              <a:t>29.04.2025</a:t>
             </a:fld>
             <a:endParaRPr lang="ru-RU"/>
           </a:p>
@@ -2923,7 +2923,7 @@
           <a:p>
             <a:fld id="{7DFF71F3-0000-4348-A8F3-9219E85A0C60}" type="datetimeFigureOut">
               <a:rPr lang="ru-RU" smtClean="0"/>
-              <a:t>28.04.2025</a:t>
+              <a:t>29.04.2025</a:t>
             </a:fld>
             <a:endParaRPr lang="ru-RU"/>
           </a:p>
@@ -3572,10 +3572,10 @@
       </p:grpSpPr>
       <p:pic>
         <p:nvPicPr>
-          <p:cNvPr id="3" name="Рисунок 2">
-            <a:extLst>
-              <a:ext uri="{FF2B5EF4-FFF2-40B4-BE49-F238E27FC236}">
-                <a16:creationId xmlns:a16="http://schemas.microsoft.com/office/drawing/2014/main" id="{CEB9B936-6394-4E34-B49C-2EF9C88E669D}"/>
+          <p:cNvPr id="4" name="Рисунок 3">
+            <a:extLst>
+              <a:ext uri="{FF2B5EF4-FFF2-40B4-BE49-F238E27FC236}">
+                <a16:creationId xmlns:a16="http://schemas.microsoft.com/office/drawing/2014/main" id="{BFA75135-8B96-4D75-A1FC-03087DC54F2E}"/>
               </a:ext>
             </a:extLst>
           </p:cNvPr>
@@ -3592,8 +3592,8 @@
         </p:blipFill>
         <p:spPr>
           <a:xfrm>
-            <a:off x="0" y="-1"/>
-            <a:ext cx="12192000" cy="6825521"/>
+            <a:off x="0" y="6158"/>
+            <a:ext cx="12192000" cy="6845683"/>
           </a:xfrm>
           <a:prstGeom prst="rect">
             <a:avLst/>
@@ -3872,10 +3872,10 @@
       </p:grpSpPr>
       <p:pic>
         <p:nvPicPr>
-          <p:cNvPr id="4" name="Рисунок 3">
-            <a:extLst>
-              <a:ext uri="{FF2B5EF4-FFF2-40B4-BE49-F238E27FC236}">
-                <a16:creationId xmlns:a16="http://schemas.microsoft.com/office/drawing/2014/main" id="{C2FCC6E2-4BC3-4D86-BA00-FF1C0E070F9D}"/>
+          <p:cNvPr id="3" name="Рисунок 2">
+            <a:extLst>
+              <a:ext uri="{FF2B5EF4-FFF2-40B4-BE49-F238E27FC236}">
+                <a16:creationId xmlns:a16="http://schemas.microsoft.com/office/drawing/2014/main" id="{B44AC500-5D8A-4CEB-A52D-818C8C159FB3}"/>
               </a:ext>
             </a:extLst>
           </p:cNvPr>
@@ -3892,8 +3892,8 @@
         </p:blipFill>
         <p:spPr>
           <a:xfrm>
-            <a:off x="2455" y="0"/>
-            <a:ext cx="12187089" cy="6858000"/>
+            <a:off x="0" y="14031"/>
+            <a:ext cx="12192000" cy="6829938"/>
           </a:xfrm>
           <a:prstGeom prst="rect">
             <a:avLst/>

--- a/Итоговая презентация (2).pptx
+++ b/Итоговая презентация (2).pptx
@@ -273,7 +273,7 @@
           <a:p>
             <a:fld id="{7DFF71F3-0000-4348-A8F3-9219E85A0C60}" type="datetimeFigureOut">
               <a:rPr lang="ru-RU" smtClean="0"/>
-              <a:t>29.04.2025</a:t>
+              <a:t>01.05.2025</a:t>
             </a:fld>
             <a:endParaRPr lang="ru-RU"/>
           </a:p>
@@ -471,7 +471,7 @@
           <a:p>
             <a:fld id="{7DFF71F3-0000-4348-A8F3-9219E85A0C60}" type="datetimeFigureOut">
               <a:rPr lang="ru-RU" smtClean="0"/>
-              <a:t>29.04.2025</a:t>
+              <a:t>01.05.2025</a:t>
             </a:fld>
             <a:endParaRPr lang="ru-RU"/>
           </a:p>
@@ -679,7 +679,7 @@
           <a:p>
             <a:fld id="{7DFF71F3-0000-4348-A8F3-9219E85A0C60}" type="datetimeFigureOut">
               <a:rPr lang="ru-RU" smtClean="0"/>
-              <a:t>29.04.2025</a:t>
+              <a:t>01.05.2025</a:t>
             </a:fld>
             <a:endParaRPr lang="ru-RU"/>
           </a:p>
@@ -877,7 +877,7 @@
           <a:p>
             <a:fld id="{7DFF71F3-0000-4348-A8F3-9219E85A0C60}" type="datetimeFigureOut">
               <a:rPr lang="ru-RU" smtClean="0"/>
-              <a:t>29.04.2025</a:t>
+              <a:t>01.05.2025</a:t>
             </a:fld>
             <a:endParaRPr lang="ru-RU"/>
           </a:p>
@@ -1152,7 +1152,7 @@
           <a:p>
             <a:fld id="{7DFF71F3-0000-4348-A8F3-9219E85A0C60}" type="datetimeFigureOut">
               <a:rPr lang="ru-RU" smtClean="0"/>
-              <a:t>29.04.2025</a:t>
+              <a:t>01.05.2025</a:t>
             </a:fld>
             <a:endParaRPr lang="ru-RU"/>
           </a:p>
@@ -1417,7 +1417,7 @@
           <a:p>
             <a:fld id="{7DFF71F3-0000-4348-A8F3-9219E85A0C60}" type="datetimeFigureOut">
               <a:rPr lang="ru-RU" smtClean="0"/>
-              <a:t>29.04.2025</a:t>
+              <a:t>01.05.2025</a:t>
             </a:fld>
             <a:endParaRPr lang="ru-RU"/>
           </a:p>
@@ -1829,7 +1829,7 @@
           <a:p>
             <a:fld id="{7DFF71F3-0000-4348-A8F3-9219E85A0C60}" type="datetimeFigureOut">
               <a:rPr lang="ru-RU" smtClean="0"/>
-              <a:t>29.04.2025</a:t>
+              <a:t>01.05.2025</a:t>
             </a:fld>
             <a:endParaRPr lang="ru-RU"/>
           </a:p>
@@ -1970,7 +1970,7 @@
           <a:p>
             <a:fld id="{7DFF71F3-0000-4348-A8F3-9219E85A0C60}" type="datetimeFigureOut">
               <a:rPr lang="ru-RU" smtClean="0"/>
-              <a:t>29.04.2025</a:t>
+              <a:t>01.05.2025</a:t>
             </a:fld>
             <a:endParaRPr lang="ru-RU"/>
           </a:p>
@@ -2083,7 +2083,7 @@
           <a:p>
             <a:fld id="{7DFF71F3-0000-4348-A8F3-9219E85A0C60}" type="datetimeFigureOut">
               <a:rPr lang="ru-RU" smtClean="0"/>
-              <a:t>29.04.2025</a:t>
+              <a:t>01.05.2025</a:t>
             </a:fld>
             <a:endParaRPr lang="ru-RU"/>
           </a:p>
@@ -2394,7 +2394,7 @@
           <a:p>
             <a:fld id="{7DFF71F3-0000-4348-A8F3-9219E85A0C60}" type="datetimeFigureOut">
               <a:rPr lang="ru-RU" smtClean="0"/>
-              <a:t>29.04.2025</a:t>
+              <a:t>01.05.2025</a:t>
             </a:fld>
             <a:endParaRPr lang="ru-RU"/>
           </a:p>
@@ -2682,7 +2682,7 @@
           <a:p>
             <a:fld id="{7DFF71F3-0000-4348-A8F3-9219E85A0C60}" type="datetimeFigureOut">
               <a:rPr lang="ru-RU" smtClean="0"/>
-              <a:t>29.04.2025</a:t>
+              <a:t>01.05.2025</a:t>
             </a:fld>
             <a:endParaRPr lang="ru-RU"/>
           </a:p>
@@ -2923,7 +2923,7 @@
           <a:p>
             <a:fld id="{7DFF71F3-0000-4348-A8F3-9219E85A0C60}" type="datetimeFigureOut">
               <a:rPr lang="ru-RU" smtClean="0"/>
-              <a:t>29.04.2025</a:t>
+              <a:t>01.05.2025</a:t>
             </a:fld>
             <a:endParaRPr lang="ru-RU"/>
           </a:p>
@@ -3452,10 +3452,10 @@
       </p:grpSpPr>
       <p:pic>
         <p:nvPicPr>
-          <p:cNvPr id="3" name="Рисунок 2">
-            <a:extLst>
-              <a:ext uri="{FF2B5EF4-FFF2-40B4-BE49-F238E27FC236}">
-                <a16:creationId xmlns:a16="http://schemas.microsoft.com/office/drawing/2014/main" id="{84CBA2ED-8E2F-49E9-8002-86C84F645FB3}"/>
+          <p:cNvPr id="4" name="Рисунок 3">
+            <a:extLst>
+              <a:ext uri="{FF2B5EF4-FFF2-40B4-BE49-F238E27FC236}">
+                <a16:creationId xmlns:a16="http://schemas.microsoft.com/office/drawing/2014/main" id="{454FD4D8-E97B-4E7A-8BA6-C5D57DEE33B1}"/>
               </a:ext>
             </a:extLst>
           </p:cNvPr>
@@ -3472,8 +3472,8 @@
         </p:blipFill>
         <p:spPr>
           <a:xfrm>
-            <a:off x="0" y="6228"/>
-            <a:ext cx="12192000" cy="6845543"/>
+            <a:off x="0" y="9605"/>
+            <a:ext cx="12192000" cy="6838790"/>
           </a:xfrm>
           <a:prstGeom prst="rect">
             <a:avLst/>
@@ -4052,10 +4052,10 @@
       </p:grpSpPr>
       <p:pic>
         <p:nvPicPr>
-          <p:cNvPr id="3" name="Рисунок 2">
-            <a:extLst>
-              <a:ext uri="{FF2B5EF4-FFF2-40B4-BE49-F238E27FC236}">
-                <a16:creationId xmlns:a16="http://schemas.microsoft.com/office/drawing/2014/main" id="{0E308F53-7536-4A60-984F-502224E8359A}"/>
+          <p:cNvPr id="4" name="Рисунок 3">
+            <a:extLst>
+              <a:ext uri="{FF2B5EF4-FFF2-40B4-BE49-F238E27FC236}">
+                <a16:creationId xmlns:a16="http://schemas.microsoft.com/office/drawing/2014/main" id="{A5C19123-E9CB-476C-A60E-8825BA4B3660}"/>
               </a:ext>
             </a:extLst>
           </p:cNvPr>
@@ -4072,8 +4072,8 @@
         </p:blipFill>
         <p:spPr>
           <a:xfrm>
-            <a:off x="0" y="0"/>
-            <a:ext cx="12192000" cy="6858000"/>
+            <a:off x="0" y="5760"/>
+            <a:ext cx="12192000" cy="6846479"/>
           </a:xfrm>
           <a:prstGeom prst="rect">
             <a:avLst/>
@@ -4112,10 +4112,10 @@
       </p:grpSpPr>
       <p:pic>
         <p:nvPicPr>
-          <p:cNvPr id="3" name="Рисунок 2">
-            <a:extLst>
-              <a:ext uri="{FF2B5EF4-FFF2-40B4-BE49-F238E27FC236}">
-                <a16:creationId xmlns:a16="http://schemas.microsoft.com/office/drawing/2014/main" id="{134B0FC2-1081-46E0-AEA7-085D60E2C235}"/>
+          <p:cNvPr id="4" name="Рисунок 3">
+            <a:extLst>
+              <a:ext uri="{FF2B5EF4-FFF2-40B4-BE49-F238E27FC236}">
+                <a16:creationId xmlns:a16="http://schemas.microsoft.com/office/drawing/2014/main" id="{C0CFA0D7-1842-43A6-BA89-7664B2E0793A}"/>
               </a:ext>
             </a:extLst>
           </p:cNvPr>
@@ -4132,8 +4132,8 @@
         </p:blipFill>
         <p:spPr>
           <a:xfrm>
-            <a:off x="0" y="3256"/>
-            <a:ext cx="12192000" cy="6851487"/>
+            <a:off x="0" y="8223"/>
+            <a:ext cx="12192000" cy="6841554"/>
           </a:xfrm>
           <a:prstGeom prst="rect">
             <a:avLst/>
@@ -4172,10 +4172,10 @@
       </p:grpSpPr>
       <p:pic>
         <p:nvPicPr>
-          <p:cNvPr id="4" name="Рисунок 3">
-            <a:extLst>
-              <a:ext uri="{FF2B5EF4-FFF2-40B4-BE49-F238E27FC236}">
-                <a16:creationId xmlns:a16="http://schemas.microsoft.com/office/drawing/2014/main" id="{D810C33F-74C3-4BF5-A95C-1A99F77C9AED}"/>
+          <p:cNvPr id="3" name="Рисунок 2">
+            <a:extLst>
+              <a:ext uri="{FF2B5EF4-FFF2-40B4-BE49-F238E27FC236}">
+                <a16:creationId xmlns:a16="http://schemas.microsoft.com/office/drawing/2014/main" id="{7AFEB40C-4661-4753-8A68-9F42C95DF207}"/>
               </a:ext>
             </a:extLst>
           </p:cNvPr>
@@ -4192,8 +4192,8 @@
         </p:blipFill>
         <p:spPr>
           <a:xfrm>
-            <a:off x="0" y="540"/>
-            <a:ext cx="12192000" cy="6856919"/>
+            <a:off x="0" y="11214"/>
+            <a:ext cx="12192000" cy="6835572"/>
           </a:xfrm>
           <a:prstGeom prst="rect">
             <a:avLst/>
@@ -4232,10 +4232,10 @@
       </p:grpSpPr>
       <p:pic>
         <p:nvPicPr>
-          <p:cNvPr id="3" name="Рисунок 2">
-            <a:extLst>
-              <a:ext uri="{FF2B5EF4-FFF2-40B4-BE49-F238E27FC236}">
-                <a16:creationId xmlns:a16="http://schemas.microsoft.com/office/drawing/2014/main" id="{FDAC17F7-1976-42FB-A622-46B62A781B9C}"/>
+          <p:cNvPr id="4" name="Рисунок 3">
+            <a:extLst>
+              <a:ext uri="{FF2B5EF4-FFF2-40B4-BE49-F238E27FC236}">
+                <a16:creationId xmlns:a16="http://schemas.microsoft.com/office/drawing/2014/main" id="{5C4D4D05-5CF3-4B22-9A02-A0A7EC6014C6}"/>
               </a:ext>
             </a:extLst>
           </p:cNvPr>
@@ -4252,8 +4252,8 @@
         </p:blipFill>
         <p:spPr>
           <a:xfrm>
-            <a:off x="0" y="15240"/>
-            <a:ext cx="12192000" cy="6827520"/>
+            <a:off x="0" y="11480"/>
+            <a:ext cx="12192000" cy="6835039"/>
           </a:xfrm>
           <a:prstGeom prst="rect">
             <a:avLst/>

--- a/Итоговая презентация (2).pptx
+++ b/Итоговая презентация (2).pptx
@@ -273,7 +273,7 @@
           <a:p>
             <a:fld id="{7DFF71F3-0000-4348-A8F3-9219E85A0C60}" type="datetimeFigureOut">
               <a:rPr lang="ru-RU" smtClean="0"/>
-              <a:t>01.05.2025</a:t>
+              <a:t>02.05.2025</a:t>
             </a:fld>
             <a:endParaRPr lang="ru-RU"/>
           </a:p>
@@ -471,7 +471,7 @@
           <a:p>
             <a:fld id="{7DFF71F3-0000-4348-A8F3-9219E85A0C60}" type="datetimeFigureOut">
               <a:rPr lang="ru-RU" smtClean="0"/>
-              <a:t>01.05.2025</a:t>
+              <a:t>02.05.2025</a:t>
             </a:fld>
             <a:endParaRPr lang="ru-RU"/>
           </a:p>
@@ -679,7 +679,7 @@
           <a:p>
             <a:fld id="{7DFF71F3-0000-4348-A8F3-9219E85A0C60}" type="datetimeFigureOut">
               <a:rPr lang="ru-RU" smtClean="0"/>
-              <a:t>01.05.2025</a:t>
+              <a:t>02.05.2025</a:t>
             </a:fld>
             <a:endParaRPr lang="ru-RU"/>
           </a:p>
@@ -877,7 +877,7 @@
           <a:p>
             <a:fld id="{7DFF71F3-0000-4348-A8F3-9219E85A0C60}" type="datetimeFigureOut">
               <a:rPr lang="ru-RU" smtClean="0"/>
-              <a:t>01.05.2025</a:t>
+              <a:t>02.05.2025</a:t>
             </a:fld>
             <a:endParaRPr lang="ru-RU"/>
           </a:p>
@@ -1152,7 +1152,7 @@
           <a:p>
             <a:fld id="{7DFF71F3-0000-4348-A8F3-9219E85A0C60}" type="datetimeFigureOut">
               <a:rPr lang="ru-RU" smtClean="0"/>
-              <a:t>01.05.2025</a:t>
+              <a:t>02.05.2025</a:t>
             </a:fld>
             <a:endParaRPr lang="ru-RU"/>
           </a:p>
@@ -1417,7 +1417,7 @@
           <a:p>
             <a:fld id="{7DFF71F3-0000-4348-A8F3-9219E85A0C60}" type="datetimeFigureOut">
               <a:rPr lang="ru-RU" smtClean="0"/>
-              <a:t>01.05.2025</a:t>
+              <a:t>02.05.2025</a:t>
             </a:fld>
             <a:endParaRPr lang="ru-RU"/>
           </a:p>
@@ -1829,7 +1829,7 @@
           <a:p>
             <a:fld id="{7DFF71F3-0000-4348-A8F3-9219E85A0C60}" type="datetimeFigureOut">
               <a:rPr lang="ru-RU" smtClean="0"/>
-              <a:t>01.05.2025</a:t>
+              <a:t>02.05.2025</a:t>
             </a:fld>
             <a:endParaRPr lang="ru-RU"/>
           </a:p>
@@ -1970,7 +1970,7 @@
           <a:p>
             <a:fld id="{7DFF71F3-0000-4348-A8F3-9219E85A0C60}" type="datetimeFigureOut">
               <a:rPr lang="ru-RU" smtClean="0"/>
-              <a:t>01.05.2025</a:t>
+              <a:t>02.05.2025</a:t>
             </a:fld>
             <a:endParaRPr lang="ru-RU"/>
           </a:p>
@@ -2083,7 +2083,7 @@
           <a:p>
             <a:fld id="{7DFF71F3-0000-4348-A8F3-9219E85A0C60}" type="datetimeFigureOut">
               <a:rPr lang="ru-RU" smtClean="0"/>
-              <a:t>01.05.2025</a:t>
+              <a:t>02.05.2025</a:t>
             </a:fld>
             <a:endParaRPr lang="ru-RU"/>
           </a:p>
@@ -2394,7 +2394,7 @@
           <a:p>
             <a:fld id="{7DFF71F3-0000-4348-A8F3-9219E85A0C60}" type="datetimeFigureOut">
               <a:rPr lang="ru-RU" smtClean="0"/>
-              <a:t>01.05.2025</a:t>
+              <a:t>02.05.2025</a:t>
             </a:fld>
             <a:endParaRPr lang="ru-RU"/>
           </a:p>
@@ -2682,7 +2682,7 @@
           <a:p>
             <a:fld id="{7DFF71F3-0000-4348-A8F3-9219E85A0C60}" type="datetimeFigureOut">
               <a:rPr lang="ru-RU" smtClean="0"/>
-              <a:t>01.05.2025</a:t>
+              <a:t>02.05.2025</a:t>
             </a:fld>
             <a:endParaRPr lang="ru-RU"/>
           </a:p>
@@ -2923,7 +2923,7 @@
           <a:p>
             <a:fld id="{7DFF71F3-0000-4348-A8F3-9219E85A0C60}" type="datetimeFigureOut">
               <a:rPr lang="ru-RU" smtClean="0"/>
-              <a:t>01.05.2025</a:t>
+              <a:t>02.05.2025</a:t>
             </a:fld>
             <a:endParaRPr lang="ru-RU"/>
           </a:p>
@@ -3452,10 +3452,10 @@
       </p:grpSpPr>
       <p:pic>
         <p:nvPicPr>
-          <p:cNvPr id="4" name="Рисунок 3">
-            <a:extLst>
-              <a:ext uri="{FF2B5EF4-FFF2-40B4-BE49-F238E27FC236}">
-                <a16:creationId xmlns:a16="http://schemas.microsoft.com/office/drawing/2014/main" id="{454FD4D8-E97B-4E7A-8BA6-C5D57DEE33B1}"/>
+          <p:cNvPr id="3" name="Рисунок 2">
+            <a:extLst>
+              <a:ext uri="{FF2B5EF4-FFF2-40B4-BE49-F238E27FC236}">
+                <a16:creationId xmlns:a16="http://schemas.microsoft.com/office/drawing/2014/main" id="{5415D796-F8DE-4C6D-9DF0-733EC2D3AB75}"/>
               </a:ext>
             </a:extLst>
           </p:cNvPr>
@@ -3472,8 +3472,8 @@
         </p:blipFill>
         <p:spPr>
           <a:xfrm>
-            <a:off x="0" y="9605"/>
-            <a:ext cx="12192000" cy="6838790"/>
+            <a:off x="0" y="7290"/>
+            <a:ext cx="12192000" cy="6843419"/>
           </a:xfrm>
           <a:prstGeom prst="rect">
             <a:avLst/>
@@ -3692,10 +3692,10 @@
       </p:grpSpPr>
       <p:pic>
         <p:nvPicPr>
-          <p:cNvPr id="4" name="Рисунок 3">
-            <a:extLst>
-              <a:ext uri="{FF2B5EF4-FFF2-40B4-BE49-F238E27FC236}">
-                <a16:creationId xmlns:a16="http://schemas.microsoft.com/office/drawing/2014/main" id="{23DD953E-1602-462E-AF91-1AFE53259641}"/>
+          <p:cNvPr id="3" name="Рисунок 2">
+            <a:extLst>
+              <a:ext uri="{FF2B5EF4-FFF2-40B4-BE49-F238E27FC236}">
+                <a16:creationId xmlns:a16="http://schemas.microsoft.com/office/drawing/2014/main" id="{36B9B799-92F2-4E54-AF69-EC7A3DC0D747}"/>
               </a:ext>
             </a:extLst>
           </p:cNvPr>
@@ -3712,8 +3712,8 @@
         </p:blipFill>
         <p:spPr>
           <a:xfrm>
-            <a:off x="0" y="6607"/>
-            <a:ext cx="12192000" cy="6844786"/>
+            <a:off x="0" y="13479"/>
+            <a:ext cx="12192000" cy="6831042"/>
           </a:xfrm>
           <a:prstGeom prst="rect">
             <a:avLst/>

--- a/Итоговая презентация (2).pptx
+++ b/Итоговая презентация (2).pptx
@@ -273,7 +273,7 @@
           <a:p>
             <a:fld id="{7DFF71F3-0000-4348-A8F3-9219E85A0C60}" type="datetimeFigureOut">
               <a:rPr lang="ru-RU" smtClean="0"/>
-              <a:t>02.05.2025</a:t>
+              <a:t>10.05.2025</a:t>
             </a:fld>
             <a:endParaRPr lang="ru-RU"/>
           </a:p>
@@ -471,7 +471,7 @@
           <a:p>
             <a:fld id="{7DFF71F3-0000-4348-A8F3-9219E85A0C60}" type="datetimeFigureOut">
               <a:rPr lang="ru-RU" smtClean="0"/>
-              <a:t>02.05.2025</a:t>
+              <a:t>10.05.2025</a:t>
             </a:fld>
             <a:endParaRPr lang="ru-RU"/>
           </a:p>
@@ -679,7 +679,7 @@
           <a:p>
             <a:fld id="{7DFF71F3-0000-4348-A8F3-9219E85A0C60}" type="datetimeFigureOut">
               <a:rPr lang="ru-RU" smtClean="0"/>
-              <a:t>02.05.2025</a:t>
+              <a:t>10.05.2025</a:t>
             </a:fld>
             <a:endParaRPr lang="ru-RU"/>
           </a:p>
@@ -877,7 +877,7 @@
           <a:p>
             <a:fld id="{7DFF71F3-0000-4348-A8F3-9219E85A0C60}" type="datetimeFigureOut">
               <a:rPr lang="ru-RU" smtClean="0"/>
-              <a:t>02.05.2025</a:t>
+              <a:t>10.05.2025</a:t>
             </a:fld>
             <a:endParaRPr lang="ru-RU"/>
           </a:p>
@@ -1152,7 +1152,7 @@
           <a:p>
             <a:fld id="{7DFF71F3-0000-4348-A8F3-9219E85A0C60}" type="datetimeFigureOut">
               <a:rPr lang="ru-RU" smtClean="0"/>
-              <a:t>02.05.2025</a:t>
+              <a:t>10.05.2025</a:t>
             </a:fld>
             <a:endParaRPr lang="ru-RU"/>
           </a:p>
@@ -1417,7 +1417,7 @@
           <a:p>
             <a:fld id="{7DFF71F3-0000-4348-A8F3-9219E85A0C60}" type="datetimeFigureOut">
               <a:rPr lang="ru-RU" smtClean="0"/>
-              <a:t>02.05.2025</a:t>
+              <a:t>10.05.2025</a:t>
             </a:fld>
             <a:endParaRPr lang="ru-RU"/>
           </a:p>
@@ -1829,7 +1829,7 @@
           <a:p>
             <a:fld id="{7DFF71F3-0000-4348-A8F3-9219E85A0C60}" type="datetimeFigureOut">
               <a:rPr lang="ru-RU" smtClean="0"/>
-              <a:t>02.05.2025</a:t>
+              <a:t>10.05.2025</a:t>
             </a:fld>
             <a:endParaRPr lang="ru-RU"/>
           </a:p>
@@ -1970,7 +1970,7 @@
           <a:p>
             <a:fld id="{7DFF71F3-0000-4348-A8F3-9219E85A0C60}" type="datetimeFigureOut">
               <a:rPr lang="ru-RU" smtClean="0"/>
-              <a:t>02.05.2025</a:t>
+              <a:t>10.05.2025</a:t>
             </a:fld>
             <a:endParaRPr lang="ru-RU"/>
           </a:p>
@@ -2083,7 +2083,7 @@
           <a:p>
             <a:fld id="{7DFF71F3-0000-4348-A8F3-9219E85A0C60}" type="datetimeFigureOut">
               <a:rPr lang="ru-RU" smtClean="0"/>
-              <a:t>02.05.2025</a:t>
+              <a:t>10.05.2025</a:t>
             </a:fld>
             <a:endParaRPr lang="ru-RU"/>
           </a:p>
@@ -2394,7 +2394,7 @@
           <a:p>
             <a:fld id="{7DFF71F3-0000-4348-A8F3-9219E85A0C60}" type="datetimeFigureOut">
               <a:rPr lang="ru-RU" smtClean="0"/>
-              <a:t>02.05.2025</a:t>
+              <a:t>10.05.2025</a:t>
             </a:fld>
             <a:endParaRPr lang="ru-RU"/>
           </a:p>
@@ -2682,7 +2682,7 @@
           <a:p>
             <a:fld id="{7DFF71F3-0000-4348-A8F3-9219E85A0C60}" type="datetimeFigureOut">
               <a:rPr lang="ru-RU" smtClean="0"/>
-              <a:t>02.05.2025</a:t>
+              <a:t>10.05.2025</a:t>
             </a:fld>
             <a:endParaRPr lang="ru-RU"/>
           </a:p>
@@ -2923,7 +2923,7 @@
           <a:p>
             <a:fld id="{7DFF71F3-0000-4348-A8F3-9219E85A0C60}" type="datetimeFigureOut">
               <a:rPr lang="ru-RU" smtClean="0"/>
-              <a:t>02.05.2025</a:t>
+              <a:t>10.05.2025</a:t>
             </a:fld>
             <a:endParaRPr lang="ru-RU"/>
           </a:p>
@@ -3932,10 +3932,10 @@
       </p:grpSpPr>
       <p:pic>
         <p:nvPicPr>
-          <p:cNvPr id="3" name="Рисунок 2">
-            <a:extLst>
-              <a:ext uri="{FF2B5EF4-FFF2-40B4-BE49-F238E27FC236}">
-                <a16:creationId xmlns:a16="http://schemas.microsoft.com/office/drawing/2014/main" id="{08F27E30-2EB8-4273-998C-BD6AD608A7C0}"/>
+          <p:cNvPr id="4" name="Рисунок 3">
+            <a:extLst>
+              <a:ext uri="{FF2B5EF4-FFF2-40B4-BE49-F238E27FC236}">
+                <a16:creationId xmlns:a16="http://schemas.microsoft.com/office/drawing/2014/main" id="{21FA2532-3952-4B09-B379-95110046C8A4}"/>
               </a:ext>
             </a:extLst>
           </p:cNvPr>
@@ -3952,8 +3952,8 @@
         </p:blipFill>
         <p:spPr>
           <a:xfrm>
-            <a:off x="0" y="10239"/>
-            <a:ext cx="12192000" cy="6837522"/>
+            <a:off x="2399" y="0"/>
+            <a:ext cx="12187201" cy="6858000"/>
           </a:xfrm>
           <a:prstGeom prst="rect">
             <a:avLst/>

--- a/Итоговая презентация (2).pptx
+++ b/Итоговая презентация (2).pptx
@@ -7,19 +7,20 @@
   <p:sldIdLst>
     <p:sldId id="256" r:id="rId2"/>
     <p:sldId id="257" r:id="rId3"/>
-    <p:sldId id="258" r:id="rId4"/>
-    <p:sldId id="259" r:id="rId5"/>
-    <p:sldId id="260" r:id="rId6"/>
-    <p:sldId id="261" r:id="rId7"/>
-    <p:sldId id="262" r:id="rId8"/>
-    <p:sldId id="263" r:id="rId9"/>
-    <p:sldId id="264" r:id="rId10"/>
-    <p:sldId id="265" r:id="rId11"/>
-    <p:sldId id="266" r:id="rId12"/>
-    <p:sldId id="267" r:id="rId13"/>
-    <p:sldId id="268" r:id="rId14"/>
-    <p:sldId id="269" r:id="rId15"/>
-    <p:sldId id="270" r:id="rId16"/>
+    <p:sldId id="271" r:id="rId4"/>
+    <p:sldId id="272" r:id="rId5"/>
+    <p:sldId id="273" r:id="rId6"/>
+    <p:sldId id="274" r:id="rId7"/>
+    <p:sldId id="275" r:id="rId8"/>
+    <p:sldId id="276" r:id="rId9"/>
+    <p:sldId id="277" r:id="rId10"/>
+    <p:sldId id="278" r:id="rId11"/>
+    <p:sldId id="279" r:id="rId12"/>
+    <p:sldId id="280" r:id="rId13"/>
+    <p:sldId id="281" r:id="rId14"/>
+    <p:sldId id="282" r:id="rId15"/>
+    <p:sldId id="283" r:id="rId16"/>
+    <p:sldId id="284" r:id="rId17"/>
   </p:sldIdLst>
   <p:sldSz cx="12192000" cy="6858000"/>
   <p:notesSz cx="6858000" cy="9144000"/>
@@ -273,7 +274,7 @@
           <a:p>
             <a:fld id="{7DFF71F3-0000-4348-A8F3-9219E85A0C60}" type="datetimeFigureOut">
               <a:rPr lang="ru-RU" smtClean="0"/>
-              <a:t>10.05.2025</a:t>
+              <a:t>13.05.2025</a:t>
             </a:fld>
             <a:endParaRPr lang="ru-RU"/>
           </a:p>
@@ -471,7 +472,7 @@
           <a:p>
             <a:fld id="{7DFF71F3-0000-4348-A8F3-9219E85A0C60}" type="datetimeFigureOut">
               <a:rPr lang="ru-RU" smtClean="0"/>
-              <a:t>10.05.2025</a:t>
+              <a:t>13.05.2025</a:t>
             </a:fld>
             <a:endParaRPr lang="ru-RU"/>
           </a:p>
@@ -679,7 +680,7 @@
           <a:p>
             <a:fld id="{7DFF71F3-0000-4348-A8F3-9219E85A0C60}" type="datetimeFigureOut">
               <a:rPr lang="ru-RU" smtClean="0"/>
-              <a:t>10.05.2025</a:t>
+              <a:t>13.05.2025</a:t>
             </a:fld>
             <a:endParaRPr lang="ru-RU"/>
           </a:p>
@@ -877,7 +878,7 @@
           <a:p>
             <a:fld id="{7DFF71F3-0000-4348-A8F3-9219E85A0C60}" type="datetimeFigureOut">
               <a:rPr lang="ru-RU" smtClean="0"/>
-              <a:t>10.05.2025</a:t>
+              <a:t>13.05.2025</a:t>
             </a:fld>
             <a:endParaRPr lang="ru-RU"/>
           </a:p>
@@ -1152,7 +1153,7 @@
           <a:p>
             <a:fld id="{7DFF71F3-0000-4348-A8F3-9219E85A0C60}" type="datetimeFigureOut">
               <a:rPr lang="ru-RU" smtClean="0"/>
-              <a:t>10.05.2025</a:t>
+              <a:t>13.05.2025</a:t>
             </a:fld>
             <a:endParaRPr lang="ru-RU"/>
           </a:p>
@@ -1417,7 +1418,7 @@
           <a:p>
             <a:fld id="{7DFF71F3-0000-4348-A8F3-9219E85A0C60}" type="datetimeFigureOut">
               <a:rPr lang="ru-RU" smtClean="0"/>
-              <a:t>10.05.2025</a:t>
+              <a:t>13.05.2025</a:t>
             </a:fld>
             <a:endParaRPr lang="ru-RU"/>
           </a:p>
@@ -1829,7 +1830,7 @@
           <a:p>
             <a:fld id="{7DFF71F3-0000-4348-A8F3-9219E85A0C60}" type="datetimeFigureOut">
               <a:rPr lang="ru-RU" smtClean="0"/>
-              <a:t>10.05.2025</a:t>
+              <a:t>13.05.2025</a:t>
             </a:fld>
             <a:endParaRPr lang="ru-RU"/>
           </a:p>
@@ -1970,7 +1971,7 @@
           <a:p>
             <a:fld id="{7DFF71F3-0000-4348-A8F3-9219E85A0C60}" type="datetimeFigureOut">
               <a:rPr lang="ru-RU" smtClean="0"/>
-              <a:t>10.05.2025</a:t>
+              <a:t>13.05.2025</a:t>
             </a:fld>
             <a:endParaRPr lang="ru-RU"/>
           </a:p>
@@ -2083,7 +2084,7 @@
           <a:p>
             <a:fld id="{7DFF71F3-0000-4348-A8F3-9219E85A0C60}" type="datetimeFigureOut">
               <a:rPr lang="ru-RU" smtClean="0"/>
-              <a:t>10.05.2025</a:t>
+              <a:t>13.05.2025</a:t>
             </a:fld>
             <a:endParaRPr lang="ru-RU"/>
           </a:p>
@@ -2394,7 +2395,7 @@
           <a:p>
             <a:fld id="{7DFF71F3-0000-4348-A8F3-9219E85A0C60}" type="datetimeFigureOut">
               <a:rPr lang="ru-RU" smtClean="0"/>
-              <a:t>10.05.2025</a:t>
+              <a:t>13.05.2025</a:t>
             </a:fld>
             <a:endParaRPr lang="ru-RU"/>
           </a:p>
@@ -2682,7 +2683,7 @@
           <a:p>
             <a:fld id="{7DFF71F3-0000-4348-A8F3-9219E85A0C60}" type="datetimeFigureOut">
               <a:rPr lang="ru-RU" smtClean="0"/>
-              <a:t>10.05.2025</a:t>
+              <a:t>13.05.2025</a:t>
             </a:fld>
             <a:endParaRPr lang="ru-RU"/>
           </a:p>
@@ -2923,7 +2924,7 @@
           <a:p>
             <a:fld id="{7DFF71F3-0000-4348-A8F3-9219E85A0C60}" type="datetimeFigureOut">
               <a:rPr lang="ru-RU" smtClean="0"/>
-              <a:t>10.05.2025</a:t>
+              <a:t>13.05.2025</a:t>
             </a:fld>
             <a:endParaRPr lang="ru-RU"/>
           </a:p>
@@ -3340,62 +3341,12 @@
           <a:chExt cx="0" cy="0"/>
         </a:xfrm>
       </p:grpSpPr>
-      <p:sp>
-        <p:nvSpPr>
-          <p:cNvPr id="2" name="Заголовок 1">
-            <a:extLst>
-              <a:ext uri="{FF2B5EF4-FFF2-40B4-BE49-F238E27FC236}">
-                <a16:creationId xmlns:a16="http://schemas.microsoft.com/office/drawing/2014/main" id="{19806623-AF38-40A8-AC19-ABBCE97D6CB3}"/>
-              </a:ext>
-            </a:extLst>
-          </p:cNvPr>
-          <p:cNvSpPr>
-            <a:spLocks noGrp="1"/>
-          </p:cNvSpPr>
-          <p:nvPr>
-            <p:ph type="ctrTitle"/>
-          </p:nvPr>
-        </p:nvSpPr>
-        <p:spPr/>
-        <p:txBody>
-          <a:bodyPr/>
-          <a:lstStyle/>
-          <a:p>
-            <a:endParaRPr lang="ru-RU"/>
-          </a:p>
-        </p:txBody>
-      </p:sp>
-      <p:sp>
-        <p:nvSpPr>
-          <p:cNvPr id="3" name="Подзаголовок 2">
-            <a:extLst>
-              <a:ext uri="{FF2B5EF4-FFF2-40B4-BE49-F238E27FC236}">
-                <a16:creationId xmlns:a16="http://schemas.microsoft.com/office/drawing/2014/main" id="{B1065220-A21A-4223-9D69-D16D7B72026C}"/>
-              </a:ext>
-            </a:extLst>
-          </p:cNvPr>
-          <p:cNvSpPr>
-            <a:spLocks noGrp="1"/>
-          </p:cNvSpPr>
-          <p:nvPr>
-            <p:ph type="subTitle" idx="1"/>
-          </p:nvPr>
-        </p:nvSpPr>
-        <p:spPr/>
-        <p:txBody>
-          <a:bodyPr/>
-          <a:lstStyle/>
-          <a:p>
-            <a:endParaRPr lang="ru-RU"/>
-          </a:p>
-        </p:txBody>
-      </p:sp>
       <p:pic>
         <p:nvPicPr>
-          <p:cNvPr id="8" name="Рисунок 7">
-            <a:extLst>
-              <a:ext uri="{FF2B5EF4-FFF2-40B4-BE49-F238E27FC236}">
-                <a16:creationId xmlns:a16="http://schemas.microsoft.com/office/drawing/2014/main" id="{628CCDE3-6360-44F8-84DF-C9FA7C0AA4F9}"/>
+          <p:cNvPr id="7" name="Рисунок 6">
+            <a:extLst>
+              <a:ext uri="{FF2B5EF4-FFF2-40B4-BE49-F238E27FC236}">
+                <a16:creationId xmlns:a16="http://schemas.microsoft.com/office/drawing/2014/main" id="{41EC1E54-63D0-4116-AE3A-D579B427704A}"/>
               </a:ext>
             </a:extLst>
           </p:cNvPr>
@@ -3412,14 +3363,167 @@
         </p:blipFill>
         <p:spPr>
           <a:xfrm>
-            <a:off x="0" y="5458"/>
-            <a:ext cx="12192000" cy="6847083"/>
+            <a:off x="0" y="4329"/>
+            <a:ext cx="12192000" cy="6849341"/>
           </a:xfrm>
           <a:prstGeom prst="rect">
             <a:avLst/>
           </a:prstGeom>
         </p:spPr>
       </p:pic>
+      <p:pic>
+        <p:nvPicPr>
+          <p:cNvPr id="11" name="Рисунок 10">
+            <a:extLst>
+              <a:ext uri="{FF2B5EF4-FFF2-40B4-BE49-F238E27FC236}">
+                <a16:creationId xmlns:a16="http://schemas.microsoft.com/office/drawing/2014/main" id="{CEC30049-FD57-4DA2-9EF6-8A64B640F419}"/>
+              </a:ext>
+            </a:extLst>
+          </p:cNvPr>
+          <p:cNvPicPr>
+            <a:picLocks noChangeAspect="1"/>
+          </p:cNvPicPr>
+          <p:nvPr/>
+        </p:nvPicPr>
+        <p:blipFill>
+          <a:blip r:embed="rId3">
+            <a:extLst>
+              <a:ext uri="{28A0092B-C50C-407E-A947-70E740481C1C}">
+                <a14:useLocalDpi xmlns:a14="http://schemas.microsoft.com/office/drawing/2010/main" val="0"/>
+              </a:ext>
+            </a:extLst>
+          </a:blip>
+          <a:stretch>
+            <a:fillRect/>
+          </a:stretch>
+        </p:blipFill>
+        <p:spPr>
+          <a:xfrm>
+            <a:off x="-745864" y="1145989"/>
+            <a:ext cx="5957055" cy="3507708"/>
+          </a:xfrm>
+          <a:prstGeom prst="rect">
+            <a:avLst/>
+          </a:prstGeom>
+        </p:spPr>
+      </p:pic>
+      <p:sp>
+        <p:nvSpPr>
+          <p:cNvPr id="3" name="Подзаголовок 2">
+            <a:extLst>
+              <a:ext uri="{FF2B5EF4-FFF2-40B4-BE49-F238E27FC236}">
+                <a16:creationId xmlns:a16="http://schemas.microsoft.com/office/drawing/2014/main" id="{B1065220-A21A-4223-9D69-D16D7B72026C}"/>
+              </a:ext>
+            </a:extLst>
+          </p:cNvPr>
+          <p:cNvSpPr>
+            <a:spLocks noGrp="1"/>
+          </p:cNvSpPr>
+          <p:nvPr>
+            <p:ph type="subTitle" idx="1"/>
+          </p:nvPr>
+        </p:nvSpPr>
+        <p:spPr>
+          <a:xfrm>
+            <a:off x="1026849" y="3606132"/>
+            <a:ext cx="3731581" cy="437302"/>
+          </a:xfrm>
+        </p:spPr>
+        <p:txBody>
+          <a:bodyPr>
+            <a:normAutofit/>
+          </a:bodyPr>
+          <a:lstStyle/>
+          <a:p>
+            <a:r>
+              <a:rPr lang="ru-RU" dirty="0">
+                <a:effectLst/>
+                <a:cs typeface="Arial" panose="020B0604020202020204" pitchFamily="34" charset="0"/>
+              </a:rPr>
+              <a:t>Соцсеть нового поколения</a:t>
+            </a:r>
+            <a:endParaRPr lang="ru-RU" dirty="0">
+              <a:cs typeface="Arial" panose="020B0604020202020204" pitchFamily="34" charset="0"/>
+            </a:endParaRPr>
+          </a:p>
+        </p:txBody>
+      </p:sp>
+      <p:sp>
+        <p:nvSpPr>
+          <p:cNvPr id="13" name="TextBox 12">
+            <a:extLst>
+              <a:ext uri="{FF2B5EF4-FFF2-40B4-BE49-F238E27FC236}">
+                <a16:creationId xmlns:a16="http://schemas.microsoft.com/office/drawing/2014/main" id="{1FA8C0C7-97AD-4C68-98E5-E1EFFBACA2E5}"/>
+              </a:ext>
+            </a:extLst>
+          </p:cNvPr>
+          <p:cNvSpPr txBox="1"/>
+          <p:nvPr/>
+        </p:nvSpPr>
+        <p:spPr>
+          <a:xfrm>
+            <a:off x="112450" y="5431373"/>
+            <a:ext cx="6498454" cy="1200329"/>
+          </a:xfrm>
+          <a:prstGeom prst="rect">
+            <a:avLst/>
+          </a:prstGeom>
+          <a:noFill/>
+        </p:spPr>
+        <p:txBody>
+          <a:bodyPr wrap="square">
+            <a:spAutoFit/>
+          </a:bodyPr>
+          <a:lstStyle/>
+          <a:p>
+            <a:r>
+              <a:rPr lang="ru-RU" dirty="0">
+                <a:effectLst/>
+                <a:cs typeface="Arial" panose="020B0604020202020204" pitchFamily="34" charset="0"/>
+              </a:rPr>
+              <a:t>Авторы: </a:t>
+            </a:r>
+          </a:p>
+          <a:p>
+            <a:r>
+              <a:rPr lang="ru-RU" dirty="0">
+                <a:effectLst/>
+                <a:cs typeface="Arial" panose="020B0604020202020204" pitchFamily="34" charset="0"/>
+              </a:rPr>
+              <a:t>Иванова Юлия Александровна</a:t>
+            </a:r>
+            <a:br>
+              <a:rPr lang="ru-RU" dirty="0">
+                <a:effectLst/>
+                <a:cs typeface="Arial" panose="020B0604020202020204" pitchFamily="34" charset="0"/>
+              </a:rPr>
+            </a:br>
+            <a:r>
+              <a:rPr lang="ru-RU" dirty="0">
+                <a:effectLst/>
+                <a:cs typeface="Arial" panose="020B0604020202020204" pitchFamily="34" charset="0"/>
+              </a:rPr>
+              <a:t>Русанов Андрей Сергеевич</a:t>
+            </a:r>
+            <a:br>
+              <a:rPr lang="ru-RU" dirty="0">
+                <a:effectLst/>
+                <a:cs typeface="Arial" panose="020B0604020202020204" pitchFamily="34" charset="0"/>
+              </a:rPr>
+            </a:br>
+            <a:r>
+              <a:rPr lang="ru-RU" dirty="0">
+                <a:effectLst/>
+                <a:cs typeface="Arial" panose="020B0604020202020204" pitchFamily="34" charset="0"/>
+              </a:rPr>
+              <a:t>Муратов Богдан Евгеньевич</a:t>
+            </a:r>
+            <a:endParaRPr lang="ru-RU" dirty="0">
+              <a:cs typeface="Arial" panose="020B0604020202020204" pitchFamily="34" charset="0"/>
+            </a:endParaRPr>
+          </a:p>
+        </p:txBody>
+      </p:sp>
     </p:spTree>
     <p:extLst>
       <p:ext uri="{BB962C8B-B14F-4D97-AF65-F5344CB8AC3E}">
@@ -3455,7 +3559,7 @@
           <p:cNvPr id="3" name="Рисунок 2">
             <a:extLst>
               <a:ext uri="{FF2B5EF4-FFF2-40B4-BE49-F238E27FC236}">
-                <a16:creationId xmlns:a16="http://schemas.microsoft.com/office/drawing/2014/main" id="{5415D796-F8DE-4C6D-9DF0-733EC2D3AB75}"/>
+                <a16:creationId xmlns:a16="http://schemas.microsoft.com/office/drawing/2014/main" id="{EEE29C7B-6051-4412-A1BC-D50E7F3460DE}"/>
               </a:ext>
             </a:extLst>
           </p:cNvPr>
@@ -3472,8 +3576,177 @@
         </p:blipFill>
         <p:spPr>
           <a:xfrm>
-            <a:off x="0" y="7290"/>
-            <a:ext cx="12192000" cy="6843419"/>
+            <a:off x="0" y="1"/>
+            <a:ext cx="2369259" cy="923278"/>
+          </a:xfrm>
+          <a:prstGeom prst="rect">
+            <a:avLst/>
+          </a:prstGeom>
+        </p:spPr>
+      </p:pic>
+      <p:sp>
+        <p:nvSpPr>
+          <p:cNvPr id="6" name="TextBox 5">
+            <a:extLst>
+              <a:ext uri="{FF2B5EF4-FFF2-40B4-BE49-F238E27FC236}">
+                <a16:creationId xmlns:a16="http://schemas.microsoft.com/office/drawing/2014/main" id="{740CFCC9-37DB-4A93-BB90-E1C6C623AC4A}"/>
+              </a:ext>
+            </a:extLst>
+          </p:cNvPr>
+          <p:cNvSpPr txBox="1"/>
+          <p:nvPr/>
+        </p:nvSpPr>
+        <p:spPr>
+          <a:xfrm>
+            <a:off x="2966621" y="143208"/>
+            <a:ext cx="6258757" cy="646331"/>
+          </a:xfrm>
+          <a:prstGeom prst="rect">
+            <a:avLst/>
+          </a:prstGeom>
+          <a:noFill/>
+        </p:spPr>
+        <p:txBody>
+          <a:bodyPr wrap="square">
+            <a:spAutoFit/>
+          </a:bodyPr>
+          <a:lstStyle/>
+          <a:p>
+            <a:r>
+              <a:rPr lang="ru-RU" sz="3600" dirty="0">
+                <a:effectLst/>
+              </a:rPr>
+              <a:t>Лайки и пример поста с кодом</a:t>
+            </a:r>
+            <a:endParaRPr lang="ru-RU" sz="3600" dirty="0">
+              <a:latin typeface="Arial" panose="020B0604020202020204" pitchFamily="34" charset="0"/>
+              <a:cs typeface="Arial" panose="020B0604020202020204" pitchFamily="34" charset="0"/>
+            </a:endParaRPr>
+          </a:p>
+        </p:txBody>
+      </p:sp>
+      <p:sp>
+        <p:nvSpPr>
+          <p:cNvPr id="10" name="TextBox 9">
+            <a:extLst>
+              <a:ext uri="{FF2B5EF4-FFF2-40B4-BE49-F238E27FC236}">
+                <a16:creationId xmlns:a16="http://schemas.microsoft.com/office/drawing/2014/main" id="{E63D623B-C254-488A-A545-664D4B991FB8}"/>
+              </a:ext>
+            </a:extLst>
+          </p:cNvPr>
+          <p:cNvSpPr txBox="1"/>
+          <p:nvPr/>
+        </p:nvSpPr>
+        <p:spPr>
+          <a:xfrm>
+            <a:off x="11439617" y="6287155"/>
+            <a:ext cx="752383" cy="338554"/>
+          </a:xfrm>
+          <a:prstGeom prst="rect">
+            <a:avLst/>
+          </a:prstGeom>
+          <a:noFill/>
+        </p:spPr>
+        <p:txBody>
+          <a:bodyPr wrap="square">
+            <a:spAutoFit/>
+          </a:bodyPr>
+          <a:lstStyle/>
+          <a:p>
+            <a:r>
+              <a:rPr lang="en-US" sz="1600" dirty="0">
+                <a:effectLst/>
+                <a:latin typeface="Arial" panose="020B0604020202020204" pitchFamily="34" charset="0"/>
+                <a:cs typeface="Arial" panose="020B0604020202020204" pitchFamily="34" charset="0"/>
+              </a:rPr>
+              <a:t>9</a:t>
+            </a:r>
+            <a:r>
+              <a:rPr lang="ru-RU" sz="1600" dirty="0">
+                <a:effectLst/>
+                <a:latin typeface="Arial" panose="020B0604020202020204" pitchFamily="34" charset="0"/>
+                <a:cs typeface="Arial" panose="020B0604020202020204" pitchFamily="34" charset="0"/>
+              </a:rPr>
+              <a:t>/1</a:t>
+            </a:r>
+            <a:r>
+              <a:rPr lang="en-US" sz="1600" dirty="0">
+                <a:effectLst/>
+                <a:latin typeface="Arial" panose="020B0604020202020204" pitchFamily="34" charset="0"/>
+                <a:cs typeface="Arial" panose="020B0604020202020204" pitchFamily="34" charset="0"/>
+              </a:rPr>
+              <a:t>5</a:t>
+            </a:r>
+            <a:endParaRPr lang="ru-RU" sz="1600" dirty="0">
+              <a:latin typeface="Arial" panose="020B0604020202020204" pitchFamily="34" charset="0"/>
+              <a:cs typeface="Arial" panose="020B0604020202020204" pitchFamily="34" charset="0"/>
+            </a:endParaRPr>
+          </a:p>
+        </p:txBody>
+      </p:sp>
+      <p:sp>
+        <p:nvSpPr>
+          <p:cNvPr id="7" name="TextBox 6">
+            <a:extLst>
+              <a:ext uri="{FF2B5EF4-FFF2-40B4-BE49-F238E27FC236}">
+                <a16:creationId xmlns:a16="http://schemas.microsoft.com/office/drawing/2014/main" id="{7ED619D4-E02A-438E-995F-03A9D4ACFEF1}"/>
+              </a:ext>
+            </a:extLst>
+          </p:cNvPr>
+          <p:cNvSpPr txBox="1"/>
+          <p:nvPr/>
+        </p:nvSpPr>
+        <p:spPr>
+          <a:xfrm>
+            <a:off x="175703" y="752823"/>
+            <a:ext cx="5581835" cy="954107"/>
+          </a:xfrm>
+          <a:prstGeom prst="rect">
+            <a:avLst/>
+          </a:prstGeom>
+          <a:noFill/>
+        </p:spPr>
+        <p:txBody>
+          <a:bodyPr wrap="square">
+            <a:spAutoFit/>
+          </a:bodyPr>
+          <a:lstStyle/>
+          <a:p>
+            <a:pPr algn="ctr"/>
+            <a:r>
+              <a:rPr lang="ru-RU" sz="2800" dirty="0">
+                <a:effectLst/>
+              </a:rPr>
+              <a:t>Список постов, которым пользователь поставил «лайк»</a:t>
+            </a:r>
+            <a:endParaRPr lang="ru-RU" sz="2800" dirty="0"/>
+          </a:p>
+        </p:txBody>
+      </p:sp>
+      <p:pic>
+        <p:nvPicPr>
+          <p:cNvPr id="5" name="Рисунок 4">
+            <a:extLst>
+              <a:ext uri="{FF2B5EF4-FFF2-40B4-BE49-F238E27FC236}">
+                <a16:creationId xmlns:a16="http://schemas.microsoft.com/office/drawing/2014/main" id="{F74B992F-B24E-4909-A062-048B508635D9}"/>
+              </a:ext>
+            </a:extLst>
+          </p:cNvPr>
+          <p:cNvPicPr>
+            <a:picLocks noChangeAspect="1"/>
+          </p:cNvPicPr>
+          <p:nvPr/>
+        </p:nvPicPr>
+        <p:blipFill>
+          <a:blip r:embed="rId3"/>
+          <a:stretch>
+            <a:fillRect/>
+          </a:stretch>
+        </p:blipFill>
+        <p:spPr>
+          <a:xfrm>
+            <a:off x="547455" y="1670214"/>
+            <a:ext cx="11097088" cy="4373922"/>
           </a:xfrm>
           <a:prstGeom prst="rect">
             <a:avLst/>
@@ -3483,7 +3756,7 @@
     </p:spTree>
     <p:extLst>
       <p:ext uri="{BB962C8B-B14F-4D97-AF65-F5344CB8AC3E}">
-        <p14:creationId xmlns:p14="http://schemas.microsoft.com/office/powerpoint/2010/main" val="3027880251"/>
+        <p14:creationId xmlns:p14="http://schemas.microsoft.com/office/powerpoint/2010/main" val="3098361341"/>
       </p:ext>
     </p:extLst>
   </p:cSld>
@@ -3515,7 +3788,7 @@
           <p:cNvPr id="3" name="Рисунок 2">
             <a:extLst>
               <a:ext uri="{FF2B5EF4-FFF2-40B4-BE49-F238E27FC236}">
-                <a16:creationId xmlns:a16="http://schemas.microsoft.com/office/drawing/2014/main" id="{09365790-E8E6-4B29-8D86-49B29B597982}"/>
+                <a16:creationId xmlns:a16="http://schemas.microsoft.com/office/drawing/2014/main" id="{EEE29C7B-6051-4412-A1BC-D50E7F3460DE}"/>
               </a:ext>
             </a:extLst>
           </p:cNvPr>
@@ -3532,8 +3805,138 @@
         </p:blipFill>
         <p:spPr>
           <a:xfrm>
-            <a:off x="10064" y="0"/>
-            <a:ext cx="12171872" cy="6858000"/>
+            <a:off x="0" y="1"/>
+            <a:ext cx="2369259" cy="923278"/>
+          </a:xfrm>
+          <a:prstGeom prst="rect">
+            <a:avLst/>
+          </a:prstGeom>
+        </p:spPr>
+      </p:pic>
+      <p:sp>
+        <p:nvSpPr>
+          <p:cNvPr id="6" name="TextBox 5">
+            <a:extLst>
+              <a:ext uri="{FF2B5EF4-FFF2-40B4-BE49-F238E27FC236}">
+                <a16:creationId xmlns:a16="http://schemas.microsoft.com/office/drawing/2014/main" id="{740CFCC9-37DB-4A93-BB90-E1C6C623AC4A}"/>
+              </a:ext>
+            </a:extLst>
+          </p:cNvPr>
+          <p:cNvSpPr txBox="1"/>
+          <p:nvPr/>
+        </p:nvSpPr>
+        <p:spPr>
+          <a:xfrm>
+            <a:off x="5715000" y="107697"/>
+            <a:ext cx="1493668" cy="646331"/>
+          </a:xfrm>
+          <a:prstGeom prst="rect">
+            <a:avLst/>
+          </a:prstGeom>
+          <a:noFill/>
+        </p:spPr>
+        <p:txBody>
+          <a:bodyPr wrap="square">
+            <a:spAutoFit/>
+          </a:bodyPr>
+          <a:lstStyle/>
+          <a:p>
+            <a:r>
+              <a:rPr lang="ru-RU" sz="3600" dirty="0">
+                <a:effectLst/>
+              </a:rPr>
+              <a:t>Чаты</a:t>
+            </a:r>
+            <a:endParaRPr lang="ru-RU" sz="3600" dirty="0">
+              <a:latin typeface="Arial" panose="020B0604020202020204" pitchFamily="34" charset="0"/>
+              <a:cs typeface="Arial" panose="020B0604020202020204" pitchFamily="34" charset="0"/>
+            </a:endParaRPr>
+          </a:p>
+        </p:txBody>
+      </p:sp>
+      <p:sp>
+        <p:nvSpPr>
+          <p:cNvPr id="10" name="TextBox 9">
+            <a:extLst>
+              <a:ext uri="{FF2B5EF4-FFF2-40B4-BE49-F238E27FC236}">
+                <a16:creationId xmlns:a16="http://schemas.microsoft.com/office/drawing/2014/main" id="{E63D623B-C254-488A-A545-664D4B991FB8}"/>
+              </a:ext>
+            </a:extLst>
+          </p:cNvPr>
+          <p:cNvSpPr txBox="1"/>
+          <p:nvPr/>
+        </p:nvSpPr>
+        <p:spPr>
+          <a:xfrm>
+            <a:off x="11439617" y="6287155"/>
+            <a:ext cx="752383" cy="338554"/>
+          </a:xfrm>
+          <a:prstGeom prst="rect">
+            <a:avLst/>
+          </a:prstGeom>
+          <a:noFill/>
+        </p:spPr>
+        <p:txBody>
+          <a:bodyPr wrap="square">
+            <a:spAutoFit/>
+          </a:bodyPr>
+          <a:lstStyle/>
+          <a:p>
+            <a:r>
+              <a:rPr lang="en-US" sz="1600" dirty="0">
+                <a:effectLst/>
+                <a:latin typeface="Arial" panose="020B0604020202020204" pitchFamily="34" charset="0"/>
+                <a:cs typeface="Arial" panose="020B0604020202020204" pitchFamily="34" charset="0"/>
+              </a:rPr>
+              <a:t>10</a:t>
+            </a:r>
+            <a:r>
+              <a:rPr lang="ru-RU" sz="1600" dirty="0">
+                <a:effectLst/>
+                <a:latin typeface="Arial" panose="020B0604020202020204" pitchFamily="34" charset="0"/>
+                <a:cs typeface="Arial" panose="020B0604020202020204" pitchFamily="34" charset="0"/>
+              </a:rPr>
+              <a:t>/1</a:t>
+            </a:r>
+            <a:r>
+              <a:rPr lang="en-US" sz="1600" dirty="0">
+                <a:effectLst/>
+                <a:latin typeface="Arial" panose="020B0604020202020204" pitchFamily="34" charset="0"/>
+                <a:cs typeface="Arial" panose="020B0604020202020204" pitchFamily="34" charset="0"/>
+              </a:rPr>
+              <a:t>5</a:t>
+            </a:r>
+            <a:endParaRPr lang="ru-RU" sz="1600" dirty="0">
+              <a:latin typeface="Arial" panose="020B0604020202020204" pitchFamily="34" charset="0"/>
+              <a:cs typeface="Arial" panose="020B0604020202020204" pitchFamily="34" charset="0"/>
+            </a:endParaRPr>
+          </a:p>
+        </p:txBody>
+      </p:sp>
+      <p:pic>
+        <p:nvPicPr>
+          <p:cNvPr id="4" name="Рисунок 3">
+            <a:extLst>
+              <a:ext uri="{FF2B5EF4-FFF2-40B4-BE49-F238E27FC236}">
+                <a16:creationId xmlns:a16="http://schemas.microsoft.com/office/drawing/2014/main" id="{D41E6FE9-37E7-4D51-AB69-8089D72D2B4A}"/>
+              </a:ext>
+            </a:extLst>
+          </p:cNvPr>
+          <p:cNvPicPr>
+            <a:picLocks noChangeAspect="1"/>
+          </p:cNvPicPr>
+          <p:nvPr/>
+        </p:nvPicPr>
+        <p:blipFill>
+          <a:blip r:embed="rId3"/>
+          <a:stretch>
+            <a:fillRect/>
+          </a:stretch>
+        </p:blipFill>
+        <p:spPr>
+          <a:xfrm>
+            <a:off x="726894" y="882670"/>
+            <a:ext cx="11088914" cy="5404485"/>
           </a:xfrm>
           <a:prstGeom prst="rect">
             <a:avLst/>
@@ -3543,7 +3946,7 @@
     </p:spTree>
     <p:extLst>
       <p:ext uri="{BB962C8B-B14F-4D97-AF65-F5344CB8AC3E}">
-        <p14:creationId xmlns:p14="http://schemas.microsoft.com/office/powerpoint/2010/main" val="4005801016"/>
+        <p14:creationId xmlns:p14="http://schemas.microsoft.com/office/powerpoint/2010/main" val="3362813578"/>
       </p:ext>
     </p:extLst>
   </p:cSld>
@@ -3572,10 +3975,10 @@
       </p:grpSpPr>
       <p:pic>
         <p:nvPicPr>
-          <p:cNvPr id="4" name="Рисунок 3">
-            <a:extLst>
-              <a:ext uri="{FF2B5EF4-FFF2-40B4-BE49-F238E27FC236}">
-                <a16:creationId xmlns:a16="http://schemas.microsoft.com/office/drawing/2014/main" id="{BFA75135-8B96-4D75-A1FC-03087DC54F2E}"/>
+          <p:cNvPr id="3" name="Рисунок 2">
+            <a:extLst>
+              <a:ext uri="{FF2B5EF4-FFF2-40B4-BE49-F238E27FC236}">
+                <a16:creationId xmlns:a16="http://schemas.microsoft.com/office/drawing/2014/main" id="{EEE29C7B-6051-4412-A1BC-D50E7F3460DE}"/>
               </a:ext>
             </a:extLst>
           </p:cNvPr>
@@ -3592,8 +3995,137 @@
         </p:blipFill>
         <p:spPr>
           <a:xfrm>
-            <a:off x="0" y="6158"/>
-            <a:ext cx="12192000" cy="6845683"/>
+            <a:off x="0" y="1"/>
+            <a:ext cx="2369259" cy="923278"/>
+          </a:xfrm>
+          <a:prstGeom prst="rect">
+            <a:avLst/>
+          </a:prstGeom>
+        </p:spPr>
+      </p:pic>
+      <p:sp>
+        <p:nvSpPr>
+          <p:cNvPr id="6" name="TextBox 5">
+            <a:extLst>
+              <a:ext uri="{FF2B5EF4-FFF2-40B4-BE49-F238E27FC236}">
+                <a16:creationId xmlns:a16="http://schemas.microsoft.com/office/drawing/2014/main" id="{740CFCC9-37DB-4A93-BB90-E1C6C623AC4A}"/>
+              </a:ext>
+            </a:extLst>
+          </p:cNvPr>
+          <p:cNvSpPr txBox="1"/>
+          <p:nvPr/>
+        </p:nvSpPr>
+        <p:spPr>
+          <a:xfrm>
+            <a:off x="4971495" y="107697"/>
+            <a:ext cx="3112763" cy="646331"/>
+          </a:xfrm>
+          <a:prstGeom prst="rect">
+            <a:avLst/>
+          </a:prstGeom>
+          <a:noFill/>
+        </p:spPr>
+        <p:txBody>
+          <a:bodyPr wrap="square">
+            <a:spAutoFit/>
+          </a:bodyPr>
+          <a:lstStyle/>
+          <a:p>
+            <a:r>
+              <a:rPr lang="ru-RU" sz="3600" dirty="0">
+                <a:effectLst/>
+              </a:rPr>
+              <a:t>База данных</a:t>
+            </a:r>
+            <a:endParaRPr lang="ru-RU" sz="3600" dirty="0">
+              <a:latin typeface="Arial" panose="020B0604020202020204" pitchFamily="34" charset="0"/>
+              <a:cs typeface="Arial" panose="020B0604020202020204" pitchFamily="34" charset="0"/>
+            </a:endParaRPr>
+          </a:p>
+        </p:txBody>
+      </p:sp>
+      <p:sp>
+        <p:nvSpPr>
+          <p:cNvPr id="10" name="TextBox 9">
+            <a:extLst>
+              <a:ext uri="{FF2B5EF4-FFF2-40B4-BE49-F238E27FC236}">
+                <a16:creationId xmlns:a16="http://schemas.microsoft.com/office/drawing/2014/main" id="{E63D623B-C254-488A-A545-664D4B991FB8}"/>
+              </a:ext>
+            </a:extLst>
+          </p:cNvPr>
+          <p:cNvSpPr txBox="1"/>
+          <p:nvPr/>
+        </p:nvSpPr>
+        <p:spPr>
+          <a:xfrm>
+            <a:off x="11439617" y="6287155"/>
+            <a:ext cx="752383" cy="338554"/>
+          </a:xfrm>
+          <a:prstGeom prst="rect">
+            <a:avLst/>
+          </a:prstGeom>
+          <a:noFill/>
+        </p:spPr>
+        <p:txBody>
+          <a:bodyPr wrap="square">
+            <a:spAutoFit/>
+          </a:bodyPr>
+          <a:lstStyle/>
+          <a:p>
+            <a:r>
+              <a:rPr lang="en-US" sz="1600" dirty="0">
+                <a:latin typeface="Arial" panose="020B0604020202020204" pitchFamily="34" charset="0"/>
+                <a:cs typeface="Arial" panose="020B0604020202020204" pitchFamily="34" charset="0"/>
+              </a:rPr>
+              <a:t>11</a:t>
+            </a:r>
+            <a:r>
+              <a:rPr lang="ru-RU" sz="1600" dirty="0">
+                <a:effectLst/>
+                <a:latin typeface="Arial" panose="020B0604020202020204" pitchFamily="34" charset="0"/>
+                <a:cs typeface="Arial" panose="020B0604020202020204" pitchFamily="34" charset="0"/>
+              </a:rPr>
+              <a:t>/1</a:t>
+            </a:r>
+            <a:r>
+              <a:rPr lang="en-US" sz="1600" dirty="0">
+                <a:effectLst/>
+                <a:latin typeface="Arial" panose="020B0604020202020204" pitchFamily="34" charset="0"/>
+                <a:cs typeface="Arial" panose="020B0604020202020204" pitchFamily="34" charset="0"/>
+              </a:rPr>
+              <a:t>5</a:t>
+            </a:r>
+            <a:endParaRPr lang="ru-RU" sz="1600" dirty="0">
+              <a:latin typeface="Arial" panose="020B0604020202020204" pitchFamily="34" charset="0"/>
+              <a:cs typeface="Arial" panose="020B0604020202020204" pitchFamily="34" charset="0"/>
+            </a:endParaRPr>
+          </a:p>
+        </p:txBody>
+      </p:sp>
+      <p:pic>
+        <p:nvPicPr>
+          <p:cNvPr id="4" name="Рисунок 3">
+            <a:extLst>
+              <a:ext uri="{FF2B5EF4-FFF2-40B4-BE49-F238E27FC236}">
+                <a16:creationId xmlns:a16="http://schemas.microsoft.com/office/drawing/2014/main" id="{7D5DF5D9-951C-4777-9ED9-B3ED329C0B8E}"/>
+              </a:ext>
+            </a:extLst>
+          </p:cNvPr>
+          <p:cNvPicPr>
+            <a:picLocks noChangeAspect="1"/>
+          </p:cNvPicPr>
+          <p:nvPr/>
+        </p:nvPicPr>
+        <p:blipFill>
+          <a:blip r:embed="rId3"/>
+          <a:stretch>
+            <a:fillRect/>
+          </a:stretch>
+        </p:blipFill>
+        <p:spPr>
+          <a:xfrm>
+            <a:off x="8878" y="1077090"/>
+            <a:ext cx="11974596" cy="4934639"/>
           </a:xfrm>
           <a:prstGeom prst="rect">
             <a:avLst/>
@@ -3603,7 +4135,7 @@
     </p:spTree>
     <p:extLst>
       <p:ext uri="{BB962C8B-B14F-4D97-AF65-F5344CB8AC3E}">
-        <p14:creationId xmlns:p14="http://schemas.microsoft.com/office/powerpoint/2010/main" val="254541553"/>
+        <p14:creationId xmlns:p14="http://schemas.microsoft.com/office/powerpoint/2010/main" val="2638153838"/>
       </p:ext>
     </p:extLst>
   </p:cSld>
@@ -3632,10 +4164,10 @@
       </p:grpSpPr>
       <p:pic>
         <p:nvPicPr>
-          <p:cNvPr id="6" name="Рисунок 5">
-            <a:extLst>
-              <a:ext uri="{FF2B5EF4-FFF2-40B4-BE49-F238E27FC236}">
-                <a16:creationId xmlns:a16="http://schemas.microsoft.com/office/drawing/2014/main" id="{BA44AA7B-C93D-40CF-A16A-4B791A5FB3D3}"/>
+          <p:cNvPr id="3" name="Рисунок 2">
+            <a:extLst>
+              <a:ext uri="{FF2B5EF4-FFF2-40B4-BE49-F238E27FC236}">
+                <a16:creationId xmlns:a16="http://schemas.microsoft.com/office/drawing/2014/main" id="{EEE29C7B-6051-4412-A1BC-D50E7F3460DE}"/>
               </a:ext>
             </a:extLst>
           </p:cNvPr>
@@ -3652,8 +4184,137 @@
         </p:blipFill>
         <p:spPr>
           <a:xfrm>
-            <a:off x="0" y="1091"/>
-            <a:ext cx="12192000" cy="6855817"/>
+            <a:off x="0" y="1"/>
+            <a:ext cx="2369259" cy="923278"/>
+          </a:xfrm>
+          <a:prstGeom prst="rect">
+            <a:avLst/>
+          </a:prstGeom>
+        </p:spPr>
+      </p:pic>
+      <p:sp>
+        <p:nvSpPr>
+          <p:cNvPr id="6" name="TextBox 5">
+            <a:extLst>
+              <a:ext uri="{FF2B5EF4-FFF2-40B4-BE49-F238E27FC236}">
+                <a16:creationId xmlns:a16="http://schemas.microsoft.com/office/drawing/2014/main" id="{740CFCC9-37DB-4A93-BB90-E1C6C623AC4A}"/>
+              </a:ext>
+            </a:extLst>
+          </p:cNvPr>
+          <p:cNvSpPr txBox="1"/>
+          <p:nvPr/>
+        </p:nvSpPr>
+        <p:spPr>
+          <a:xfrm>
+            <a:off x="4616387" y="107697"/>
+            <a:ext cx="3266983" cy="646331"/>
+          </a:xfrm>
+          <a:prstGeom prst="rect">
+            <a:avLst/>
+          </a:prstGeom>
+          <a:noFill/>
+        </p:spPr>
+        <p:txBody>
+          <a:bodyPr wrap="square">
+            <a:spAutoFit/>
+          </a:bodyPr>
+          <a:lstStyle/>
+          <a:p>
+            <a:r>
+              <a:rPr lang="ru-RU" sz="3600" dirty="0">
+                <a:effectLst/>
+              </a:rPr>
+              <a:t>Рекомендации</a:t>
+            </a:r>
+            <a:endParaRPr lang="ru-RU" sz="3600" dirty="0">
+              <a:latin typeface="Arial" panose="020B0604020202020204" pitchFamily="34" charset="0"/>
+              <a:cs typeface="Arial" panose="020B0604020202020204" pitchFamily="34" charset="0"/>
+            </a:endParaRPr>
+          </a:p>
+        </p:txBody>
+      </p:sp>
+      <p:sp>
+        <p:nvSpPr>
+          <p:cNvPr id="10" name="TextBox 9">
+            <a:extLst>
+              <a:ext uri="{FF2B5EF4-FFF2-40B4-BE49-F238E27FC236}">
+                <a16:creationId xmlns:a16="http://schemas.microsoft.com/office/drawing/2014/main" id="{E63D623B-C254-488A-A545-664D4B991FB8}"/>
+              </a:ext>
+            </a:extLst>
+          </p:cNvPr>
+          <p:cNvSpPr txBox="1"/>
+          <p:nvPr/>
+        </p:nvSpPr>
+        <p:spPr>
+          <a:xfrm>
+            <a:off x="11439617" y="6287155"/>
+            <a:ext cx="752383" cy="338554"/>
+          </a:xfrm>
+          <a:prstGeom prst="rect">
+            <a:avLst/>
+          </a:prstGeom>
+          <a:noFill/>
+        </p:spPr>
+        <p:txBody>
+          <a:bodyPr wrap="square">
+            <a:spAutoFit/>
+          </a:bodyPr>
+          <a:lstStyle/>
+          <a:p>
+            <a:r>
+              <a:rPr lang="en-US" sz="1600" dirty="0">
+                <a:effectLst/>
+                <a:latin typeface="Arial" panose="020B0604020202020204" pitchFamily="34" charset="0"/>
+                <a:cs typeface="Arial" panose="020B0604020202020204" pitchFamily="34" charset="0"/>
+              </a:rPr>
+              <a:t>12</a:t>
+            </a:r>
+            <a:r>
+              <a:rPr lang="ru-RU" sz="1600" dirty="0">
+                <a:effectLst/>
+                <a:latin typeface="Arial" panose="020B0604020202020204" pitchFamily="34" charset="0"/>
+                <a:cs typeface="Arial" panose="020B0604020202020204" pitchFamily="34" charset="0"/>
+              </a:rPr>
+              <a:t>/1</a:t>
+            </a:r>
+            <a:r>
+              <a:rPr lang="en-US" sz="1600" dirty="0">
+                <a:effectLst/>
+                <a:latin typeface="Arial" panose="020B0604020202020204" pitchFamily="34" charset="0"/>
+                <a:cs typeface="Arial" panose="020B0604020202020204" pitchFamily="34" charset="0"/>
+              </a:rPr>
+              <a:t>5</a:t>
+            </a:r>
+            <a:endParaRPr lang="ru-RU" sz="1600" dirty="0">
+              <a:latin typeface="Arial" panose="020B0604020202020204" pitchFamily="34" charset="0"/>
+              <a:cs typeface="Arial" panose="020B0604020202020204" pitchFamily="34" charset="0"/>
+            </a:endParaRPr>
+          </a:p>
+        </p:txBody>
+      </p:sp>
+      <p:pic>
+        <p:nvPicPr>
+          <p:cNvPr id="5" name="Рисунок 4">
+            <a:extLst>
+              <a:ext uri="{FF2B5EF4-FFF2-40B4-BE49-F238E27FC236}">
+                <a16:creationId xmlns:a16="http://schemas.microsoft.com/office/drawing/2014/main" id="{D2097967-07F5-4EDF-9EA0-70DC510B4946}"/>
+              </a:ext>
+            </a:extLst>
+          </p:cNvPr>
+          <p:cNvPicPr>
+            <a:picLocks noChangeAspect="1"/>
+          </p:cNvPicPr>
+          <p:nvPr/>
+        </p:nvPicPr>
+        <p:blipFill rotWithShape="1">
+          <a:blip r:embed="rId3"/>
+          <a:srcRect l="8737" t="18501" r="9708" b="17918"/>
+          <a:stretch/>
+        </p:blipFill>
+        <p:spPr>
+          <a:xfrm>
+            <a:off x="958788" y="1249531"/>
+            <a:ext cx="9942991" cy="4358937"/>
           </a:xfrm>
           <a:prstGeom prst="rect">
             <a:avLst/>
@@ -3663,7 +4324,7 @@
     </p:spTree>
     <p:extLst>
       <p:ext uri="{BB962C8B-B14F-4D97-AF65-F5344CB8AC3E}">
-        <p14:creationId xmlns:p14="http://schemas.microsoft.com/office/powerpoint/2010/main" val="978179325"/>
+        <p14:creationId xmlns:p14="http://schemas.microsoft.com/office/powerpoint/2010/main" val="520865967"/>
       </p:ext>
     </p:extLst>
   </p:cSld>
@@ -3695,7 +4356,7 @@
           <p:cNvPr id="3" name="Рисунок 2">
             <a:extLst>
               <a:ext uri="{FF2B5EF4-FFF2-40B4-BE49-F238E27FC236}">
-                <a16:creationId xmlns:a16="http://schemas.microsoft.com/office/drawing/2014/main" id="{36B9B799-92F2-4E54-AF69-EC7A3DC0D747}"/>
+                <a16:creationId xmlns:a16="http://schemas.microsoft.com/office/drawing/2014/main" id="{EEE29C7B-6051-4412-A1BC-D50E7F3460DE}"/>
               </a:ext>
             </a:extLst>
           </p:cNvPr>
@@ -3712,8 +4373,246 @@
         </p:blipFill>
         <p:spPr>
           <a:xfrm>
-            <a:off x="0" y="13479"/>
-            <a:ext cx="12192000" cy="6831042"/>
+            <a:off x="0" y="1"/>
+            <a:ext cx="2369259" cy="923278"/>
+          </a:xfrm>
+          <a:prstGeom prst="rect">
+            <a:avLst/>
+          </a:prstGeom>
+        </p:spPr>
+      </p:pic>
+      <p:sp>
+        <p:nvSpPr>
+          <p:cNvPr id="6" name="TextBox 5">
+            <a:extLst>
+              <a:ext uri="{FF2B5EF4-FFF2-40B4-BE49-F238E27FC236}">
+                <a16:creationId xmlns:a16="http://schemas.microsoft.com/office/drawing/2014/main" id="{740CFCC9-37DB-4A93-BB90-E1C6C623AC4A}"/>
+              </a:ext>
+            </a:extLst>
+          </p:cNvPr>
+          <p:cNvSpPr txBox="1"/>
+          <p:nvPr/>
+        </p:nvSpPr>
+        <p:spPr>
+          <a:xfrm>
+            <a:off x="3264024" y="81064"/>
+            <a:ext cx="5663952" cy="1200329"/>
+          </a:xfrm>
+          <a:prstGeom prst="rect">
+            <a:avLst/>
+          </a:prstGeom>
+          <a:noFill/>
+        </p:spPr>
+        <p:txBody>
+          <a:bodyPr wrap="square">
+            <a:spAutoFit/>
+          </a:bodyPr>
+          <a:lstStyle/>
+          <a:p>
+            <a:pPr algn="ctr"/>
+            <a:r>
+              <a:rPr lang="ru-RU" sz="3600" dirty="0">
+                <a:effectLst/>
+              </a:rPr>
+              <a:t>Перспективы для развития проекта в будущем</a:t>
+            </a:r>
+            <a:endParaRPr lang="ru-RU" sz="3600" dirty="0">
+              <a:latin typeface="Arial" panose="020B0604020202020204" pitchFamily="34" charset="0"/>
+              <a:cs typeface="Arial" panose="020B0604020202020204" pitchFamily="34" charset="0"/>
+            </a:endParaRPr>
+          </a:p>
+        </p:txBody>
+      </p:sp>
+      <p:sp>
+        <p:nvSpPr>
+          <p:cNvPr id="10" name="TextBox 9">
+            <a:extLst>
+              <a:ext uri="{FF2B5EF4-FFF2-40B4-BE49-F238E27FC236}">
+                <a16:creationId xmlns:a16="http://schemas.microsoft.com/office/drawing/2014/main" id="{E63D623B-C254-488A-A545-664D4B991FB8}"/>
+              </a:ext>
+            </a:extLst>
+          </p:cNvPr>
+          <p:cNvSpPr txBox="1"/>
+          <p:nvPr/>
+        </p:nvSpPr>
+        <p:spPr>
+          <a:xfrm>
+            <a:off x="11439617" y="6287155"/>
+            <a:ext cx="752383" cy="338554"/>
+          </a:xfrm>
+          <a:prstGeom prst="rect">
+            <a:avLst/>
+          </a:prstGeom>
+          <a:noFill/>
+        </p:spPr>
+        <p:txBody>
+          <a:bodyPr wrap="square">
+            <a:spAutoFit/>
+          </a:bodyPr>
+          <a:lstStyle/>
+          <a:p>
+            <a:r>
+              <a:rPr lang="en-US" sz="1600" dirty="0">
+                <a:effectLst/>
+                <a:latin typeface="Arial" panose="020B0604020202020204" pitchFamily="34" charset="0"/>
+                <a:cs typeface="Arial" panose="020B0604020202020204" pitchFamily="34" charset="0"/>
+              </a:rPr>
+              <a:t>13</a:t>
+            </a:r>
+            <a:r>
+              <a:rPr lang="ru-RU" sz="1600" dirty="0">
+                <a:effectLst/>
+                <a:latin typeface="Arial" panose="020B0604020202020204" pitchFamily="34" charset="0"/>
+                <a:cs typeface="Arial" panose="020B0604020202020204" pitchFamily="34" charset="0"/>
+              </a:rPr>
+              <a:t>/1</a:t>
+            </a:r>
+            <a:r>
+              <a:rPr lang="en-US" sz="1600" dirty="0">
+                <a:effectLst/>
+                <a:latin typeface="Arial" panose="020B0604020202020204" pitchFamily="34" charset="0"/>
+                <a:cs typeface="Arial" panose="020B0604020202020204" pitchFamily="34" charset="0"/>
+              </a:rPr>
+              <a:t>5</a:t>
+            </a:r>
+            <a:endParaRPr lang="ru-RU" sz="1600" dirty="0">
+              <a:latin typeface="Arial" panose="020B0604020202020204" pitchFamily="34" charset="0"/>
+              <a:cs typeface="Arial" panose="020B0604020202020204" pitchFamily="34" charset="0"/>
+            </a:endParaRPr>
+          </a:p>
+        </p:txBody>
+      </p:sp>
+      <p:sp>
+        <p:nvSpPr>
+          <p:cNvPr id="7" name="TextBox 6">
+            <a:extLst>
+              <a:ext uri="{FF2B5EF4-FFF2-40B4-BE49-F238E27FC236}">
+                <a16:creationId xmlns:a16="http://schemas.microsoft.com/office/drawing/2014/main" id="{572F34D4-E6BF-42A8-9379-C44141C2E8C2}"/>
+              </a:ext>
+            </a:extLst>
+          </p:cNvPr>
+          <p:cNvSpPr txBox="1"/>
+          <p:nvPr/>
+        </p:nvSpPr>
+        <p:spPr>
+          <a:xfrm>
+            <a:off x="1184629" y="1865142"/>
+            <a:ext cx="6094520" cy="3693319"/>
+          </a:xfrm>
+          <a:prstGeom prst="rect">
+            <a:avLst/>
+          </a:prstGeom>
+          <a:noFill/>
+        </p:spPr>
+        <p:txBody>
+          <a:bodyPr wrap="square">
+            <a:spAutoFit/>
+          </a:bodyPr>
+          <a:lstStyle/>
+          <a:p>
+            <a:pPr marL="342900" indent="-342900">
+              <a:buFont typeface="+mj-lt"/>
+              <a:buAutoNum type="arabicPeriod"/>
+            </a:pPr>
+            <a:r>
+              <a:rPr lang="ru-RU" sz="2400" dirty="0">
+                <a:effectLst/>
+              </a:rPr>
+              <a:t>Улучшить алгоритм рекомендаций.</a:t>
+            </a:r>
+            <a:endParaRPr lang="en-US" sz="2400" dirty="0">
+              <a:effectLst/>
+            </a:endParaRPr>
+          </a:p>
+          <a:p>
+            <a:pPr marL="342900" indent="-342900">
+              <a:buFont typeface="+mj-lt"/>
+              <a:buAutoNum type="arabicPeriod"/>
+            </a:pPr>
+            <a:r>
+              <a:rPr lang="ru-RU" sz="2400" dirty="0">
+                <a:effectLst/>
+              </a:rPr>
+              <a:t>Встроить в посты возможность запуска не только питон-кода но и кода на других языках.</a:t>
+            </a:r>
+            <a:endParaRPr lang="en-US" sz="2400" dirty="0">
+              <a:effectLst/>
+            </a:endParaRPr>
+          </a:p>
+          <a:p>
+            <a:pPr marL="342900" indent="-342900">
+              <a:buFont typeface="+mj-lt"/>
+              <a:buAutoNum type="arabicPeriod"/>
+            </a:pPr>
+            <a:r>
+              <a:rPr lang="ru-RU" sz="2400" dirty="0">
+                <a:effectLst/>
+              </a:rPr>
+              <a:t>Создать мобильную версию приложения.</a:t>
+            </a:r>
+            <a:endParaRPr lang="en-US" sz="2400" dirty="0">
+              <a:effectLst/>
+            </a:endParaRPr>
+          </a:p>
+          <a:p>
+            <a:pPr marL="342900" indent="-342900">
+              <a:buFont typeface="+mj-lt"/>
+              <a:buAutoNum type="arabicPeriod"/>
+            </a:pPr>
+            <a:r>
+              <a:rPr lang="ru-RU" sz="2400" dirty="0">
+                <a:effectLst/>
+              </a:rPr>
+              <a:t>Развить соцсеть, добавив различные сервисы.</a:t>
+            </a:r>
+            <a:endParaRPr lang="en-US" sz="2400" dirty="0">
+              <a:effectLst/>
+            </a:endParaRPr>
+          </a:p>
+          <a:p>
+            <a:pPr marL="342900" indent="-342900">
+              <a:buFont typeface="+mj-lt"/>
+              <a:buAutoNum type="arabicPeriod"/>
+            </a:pPr>
+            <a:r>
+              <a:rPr lang="ru-RU" sz="2400" dirty="0">
+                <a:effectLst/>
+              </a:rPr>
+              <a:t>Усилить безопасность аккаунта, добавив привязку к почте или номеру телефона.</a:t>
+            </a:r>
+            <a:br>
+              <a:rPr lang="ru-RU" dirty="0">
+                <a:effectLst/>
+              </a:rPr>
+            </a:br>
+            <a:endParaRPr lang="ru-RU" dirty="0"/>
+          </a:p>
+        </p:txBody>
+      </p:sp>
+      <p:pic>
+        <p:nvPicPr>
+          <p:cNvPr id="8" name="Рисунок 7">
+            <a:extLst>
+              <a:ext uri="{FF2B5EF4-FFF2-40B4-BE49-F238E27FC236}">
+                <a16:creationId xmlns:a16="http://schemas.microsoft.com/office/drawing/2014/main" id="{C0216756-5D5D-4980-8F11-EF055310A4B5}"/>
+              </a:ext>
+            </a:extLst>
+          </p:cNvPr>
+          <p:cNvPicPr>
+            <a:picLocks noChangeAspect="1"/>
+          </p:cNvPicPr>
+          <p:nvPr/>
+        </p:nvPicPr>
+        <p:blipFill>
+          <a:blip r:embed="rId3"/>
+          <a:stretch>
+            <a:fillRect/>
+          </a:stretch>
+        </p:blipFill>
+        <p:spPr>
+          <a:xfrm>
+            <a:off x="8397157" y="2411457"/>
+            <a:ext cx="2610214" cy="2600688"/>
           </a:xfrm>
           <a:prstGeom prst="rect">
             <a:avLst/>
@@ -3723,7 +4622,7 @@
     </p:spTree>
     <p:extLst>
       <p:ext uri="{BB962C8B-B14F-4D97-AF65-F5344CB8AC3E}">
-        <p14:creationId xmlns:p14="http://schemas.microsoft.com/office/powerpoint/2010/main" val="103469811"/>
+        <p14:creationId xmlns:p14="http://schemas.microsoft.com/office/powerpoint/2010/main" val="692656057"/>
       </p:ext>
     </p:extLst>
   </p:cSld>
@@ -3755,7 +4654,7 @@
           <p:cNvPr id="3" name="Рисунок 2">
             <a:extLst>
               <a:ext uri="{FF2B5EF4-FFF2-40B4-BE49-F238E27FC236}">
-                <a16:creationId xmlns:a16="http://schemas.microsoft.com/office/drawing/2014/main" id="{10B30EA1-E5B1-4A1E-9D59-9E87A47823C3}"/>
+                <a16:creationId xmlns:a16="http://schemas.microsoft.com/office/drawing/2014/main" id="{EEE29C7B-6051-4412-A1BC-D50E7F3460DE}"/>
               </a:ext>
             </a:extLst>
           </p:cNvPr>
@@ -3772,8 +4671,910 @@
         </p:blipFill>
         <p:spPr>
           <a:xfrm>
-            <a:off x="0" y="15240"/>
-            <a:ext cx="12192000" cy="6827520"/>
+            <a:off x="0" y="1"/>
+            <a:ext cx="2369259" cy="923278"/>
+          </a:xfrm>
+          <a:prstGeom prst="rect">
+            <a:avLst/>
+          </a:prstGeom>
+        </p:spPr>
+      </p:pic>
+      <p:sp>
+        <p:nvSpPr>
+          <p:cNvPr id="6" name="TextBox 5">
+            <a:extLst>
+              <a:ext uri="{FF2B5EF4-FFF2-40B4-BE49-F238E27FC236}">
+                <a16:creationId xmlns:a16="http://schemas.microsoft.com/office/drawing/2014/main" id="{740CFCC9-37DB-4A93-BB90-E1C6C623AC4A}"/>
+              </a:ext>
+            </a:extLst>
+          </p:cNvPr>
+          <p:cNvSpPr txBox="1"/>
+          <p:nvPr/>
+        </p:nvSpPr>
+        <p:spPr>
+          <a:xfrm>
+            <a:off x="4023064" y="134330"/>
+            <a:ext cx="4145872" cy="646331"/>
+          </a:xfrm>
+          <a:prstGeom prst="rect">
+            <a:avLst/>
+          </a:prstGeom>
+          <a:noFill/>
+        </p:spPr>
+        <p:txBody>
+          <a:bodyPr wrap="square">
+            <a:spAutoFit/>
+          </a:bodyPr>
+          <a:lstStyle/>
+          <a:p>
+            <a:r>
+              <a:rPr lang="ru-RU" sz="3600" dirty="0">
+                <a:latin typeface="Arial" panose="020B0604020202020204" pitchFamily="34" charset="0"/>
+                <a:cs typeface="Arial" panose="020B0604020202020204" pitchFamily="34" charset="0"/>
+              </a:rPr>
+              <a:t>Собственное </a:t>
+            </a:r>
+            <a:r>
+              <a:rPr lang="en-US" sz="3600" dirty="0">
+                <a:latin typeface="Arial" panose="020B0604020202020204" pitchFamily="34" charset="0"/>
+                <a:cs typeface="Arial" panose="020B0604020202020204" pitchFamily="34" charset="0"/>
+              </a:rPr>
+              <a:t>API</a:t>
+            </a:r>
+            <a:endParaRPr lang="ru-RU" sz="3600" dirty="0">
+              <a:latin typeface="Arial" panose="020B0604020202020204" pitchFamily="34" charset="0"/>
+              <a:cs typeface="Arial" panose="020B0604020202020204" pitchFamily="34" charset="0"/>
+            </a:endParaRPr>
+          </a:p>
+        </p:txBody>
+      </p:sp>
+      <p:sp>
+        <p:nvSpPr>
+          <p:cNvPr id="10" name="TextBox 9">
+            <a:extLst>
+              <a:ext uri="{FF2B5EF4-FFF2-40B4-BE49-F238E27FC236}">
+                <a16:creationId xmlns:a16="http://schemas.microsoft.com/office/drawing/2014/main" id="{E63D623B-C254-488A-A545-664D4B991FB8}"/>
+              </a:ext>
+            </a:extLst>
+          </p:cNvPr>
+          <p:cNvSpPr txBox="1"/>
+          <p:nvPr/>
+        </p:nvSpPr>
+        <p:spPr>
+          <a:xfrm>
+            <a:off x="11439617" y="6287155"/>
+            <a:ext cx="752383" cy="338554"/>
+          </a:xfrm>
+          <a:prstGeom prst="rect">
+            <a:avLst/>
+          </a:prstGeom>
+          <a:noFill/>
+        </p:spPr>
+        <p:txBody>
+          <a:bodyPr wrap="square">
+            <a:spAutoFit/>
+          </a:bodyPr>
+          <a:lstStyle/>
+          <a:p>
+            <a:r>
+              <a:rPr lang="en-US" sz="1600" dirty="0">
+                <a:effectLst/>
+                <a:latin typeface="Arial" panose="020B0604020202020204" pitchFamily="34" charset="0"/>
+                <a:cs typeface="Arial" panose="020B0604020202020204" pitchFamily="34" charset="0"/>
+              </a:rPr>
+              <a:t>14</a:t>
+            </a:r>
+            <a:r>
+              <a:rPr lang="ru-RU" sz="1600" dirty="0">
+                <a:effectLst/>
+                <a:latin typeface="Arial" panose="020B0604020202020204" pitchFamily="34" charset="0"/>
+                <a:cs typeface="Arial" panose="020B0604020202020204" pitchFamily="34" charset="0"/>
+              </a:rPr>
+              <a:t>/1</a:t>
+            </a:r>
+            <a:r>
+              <a:rPr lang="en-US" sz="1600" dirty="0">
+                <a:effectLst/>
+                <a:latin typeface="Arial" panose="020B0604020202020204" pitchFamily="34" charset="0"/>
+                <a:cs typeface="Arial" panose="020B0604020202020204" pitchFamily="34" charset="0"/>
+              </a:rPr>
+              <a:t>5</a:t>
+            </a:r>
+            <a:endParaRPr lang="ru-RU" sz="1600" dirty="0">
+              <a:latin typeface="Arial" panose="020B0604020202020204" pitchFamily="34" charset="0"/>
+              <a:cs typeface="Arial" panose="020B0604020202020204" pitchFamily="34" charset="0"/>
+            </a:endParaRPr>
+          </a:p>
+        </p:txBody>
+      </p:sp>
+      <p:pic>
+        <p:nvPicPr>
+          <p:cNvPr id="4" name="Рисунок 3">
+            <a:extLst>
+              <a:ext uri="{FF2B5EF4-FFF2-40B4-BE49-F238E27FC236}">
+                <a16:creationId xmlns:a16="http://schemas.microsoft.com/office/drawing/2014/main" id="{E0A7E43E-2196-4672-B7F1-9362BD83A7D0}"/>
+              </a:ext>
+            </a:extLst>
+          </p:cNvPr>
+          <p:cNvPicPr>
+            <a:picLocks noChangeAspect="1"/>
+          </p:cNvPicPr>
+          <p:nvPr/>
+        </p:nvPicPr>
+        <p:blipFill>
+          <a:blip r:embed="rId3"/>
+          <a:stretch>
+            <a:fillRect/>
+          </a:stretch>
+        </p:blipFill>
+        <p:spPr>
+          <a:xfrm>
+            <a:off x="682681" y="1708271"/>
+            <a:ext cx="2286319" cy="476316"/>
+          </a:xfrm>
+          <a:prstGeom prst="rect">
+            <a:avLst/>
+          </a:prstGeom>
+        </p:spPr>
+      </p:pic>
+      <p:pic>
+        <p:nvPicPr>
+          <p:cNvPr id="8" name="Рисунок 7">
+            <a:extLst>
+              <a:ext uri="{FF2B5EF4-FFF2-40B4-BE49-F238E27FC236}">
+                <a16:creationId xmlns:a16="http://schemas.microsoft.com/office/drawing/2014/main" id="{05E541C1-9582-4DB0-8B38-3DACC3536B47}"/>
+              </a:ext>
+            </a:extLst>
+          </p:cNvPr>
+          <p:cNvPicPr>
+            <a:picLocks noChangeAspect="1"/>
+          </p:cNvPicPr>
+          <p:nvPr/>
+        </p:nvPicPr>
+        <p:blipFill>
+          <a:blip r:embed="rId4"/>
+          <a:stretch>
+            <a:fillRect/>
+          </a:stretch>
+        </p:blipFill>
+        <p:spPr>
+          <a:xfrm>
+            <a:off x="682681" y="2693315"/>
+            <a:ext cx="2314898" cy="276264"/>
+          </a:xfrm>
+          <a:prstGeom prst="rect">
+            <a:avLst/>
+          </a:prstGeom>
+        </p:spPr>
+      </p:pic>
+      <p:pic>
+        <p:nvPicPr>
+          <p:cNvPr id="11" name="Рисунок 10">
+            <a:extLst>
+              <a:ext uri="{FF2B5EF4-FFF2-40B4-BE49-F238E27FC236}">
+                <a16:creationId xmlns:a16="http://schemas.microsoft.com/office/drawing/2014/main" id="{F133D58A-5F1E-40BC-8C5A-7732F9C1262C}"/>
+              </a:ext>
+            </a:extLst>
+          </p:cNvPr>
+          <p:cNvPicPr>
+            <a:picLocks noChangeAspect="1"/>
+          </p:cNvPicPr>
+          <p:nvPr/>
+        </p:nvPicPr>
+        <p:blipFill>
+          <a:blip r:embed="rId5"/>
+          <a:stretch>
+            <a:fillRect/>
+          </a:stretch>
+        </p:blipFill>
+        <p:spPr>
+          <a:xfrm>
+            <a:off x="682681" y="2969579"/>
+            <a:ext cx="1267002" cy="238158"/>
+          </a:xfrm>
+          <a:prstGeom prst="rect">
+            <a:avLst/>
+          </a:prstGeom>
+        </p:spPr>
+      </p:pic>
+      <p:pic>
+        <p:nvPicPr>
+          <p:cNvPr id="13" name="Рисунок 12">
+            <a:extLst>
+              <a:ext uri="{FF2B5EF4-FFF2-40B4-BE49-F238E27FC236}">
+                <a16:creationId xmlns:a16="http://schemas.microsoft.com/office/drawing/2014/main" id="{C671E933-9A7C-4C16-A14E-52483E2BB031}"/>
+              </a:ext>
+            </a:extLst>
+          </p:cNvPr>
+          <p:cNvPicPr>
+            <a:picLocks noChangeAspect="1"/>
+          </p:cNvPicPr>
+          <p:nvPr/>
+        </p:nvPicPr>
+        <p:blipFill>
+          <a:blip r:embed="rId6"/>
+          <a:stretch>
+            <a:fillRect/>
+          </a:stretch>
+        </p:blipFill>
+        <p:spPr>
+          <a:xfrm>
+            <a:off x="682681" y="3207737"/>
+            <a:ext cx="1876687" cy="247685"/>
+          </a:xfrm>
+          <a:prstGeom prst="rect">
+            <a:avLst/>
+          </a:prstGeom>
+        </p:spPr>
+      </p:pic>
+      <p:pic>
+        <p:nvPicPr>
+          <p:cNvPr id="15" name="Рисунок 14">
+            <a:extLst>
+              <a:ext uri="{FF2B5EF4-FFF2-40B4-BE49-F238E27FC236}">
+                <a16:creationId xmlns:a16="http://schemas.microsoft.com/office/drawing/2014/main" id="{A9889294-9006-40F7-91DF-6D5699CE497E}"/>
+              </a:ext>
+            </a:extLst>
+          </p:cNvPr>
+          <p:cNvPicPr>
+            <a:picLocks noChangeAspect="1"/>
+          </p:cNvPicPr>
+          <p:nvPr/>
+        </p:nvPicPr>
+        <p:blipFill>
+          <a:blip r:embed="rId7"/>
+          <a:stretch>
+            <a:fillRect/>
+          </a:stretch>
+        </p:blipFill>
+        <p:spPr>
+          <a:xfrm>
+            <a:off x="682681" y="3445895"/>
+            <a:ext cx="2057687" cy="238158"/>
+          </a:xfrm>
+          <a:prstGeom prst="rect">
+            <a:avLst/>
+          </a:prstGeom>
+        </p:spPr>
+      </p:pic>
+      <p:sp>
+        <p:nvSpPr>
+          <p:cNvPr id="16" name="TextBox 15">
+            <a:extLst>
+              <a:ext uri="{FF2B5EF4-FFF2-40B4-BE49-F238E27FC236}">
+                <a16:creationId xmlns:a16="http://schemas.microsoft.com/office/drawing/2014/main" id="{8D09FF5E-3A25-48E0-B457-F63ED920FDBF}"/>
+              </a:ext>
+            </a:extLst>
+          </p:cNvPr>
+          <p:cNvSpPr txBox="1"/>
+          <p:nvPr/>
+        </p:nvSpPr>
+        <p:spPr>
+          <a:xfrm>
+            <a:off x="3258104" y="1623263"/>
+            <a:ext cx="4065973" cy="646331"/>
+          </a:xfrm>
+          <a:prstGeom prst="rect">
+            <a:avLst/>
+          </a:prstGeom>
+          <a:noFill/>
+        </p:spPr>
+        <p:txBody>
+          <a:bodyPr wrap="square" rtlCol="0">
+            <a:spAutoFit/>
+          </a:bodyPr>
+          <a:lstStyle/>
+          <a:p>
+            <a:r>
+              <a:rPr lang="ru-RU" dirty="0"/>
+              <a:t>Класс,</a:t>
+            </a:r>
+            <a:r>
+              <a:rPr lang="en-US" dirty="0"/>
+              <a:t> </a:t>
+            </a:r>
+            <a:r>
+              <a:rPr lang="ru-RU" dirty="0"/>
+              <a:t>который сохраняет лайки, поставленные пользователем, в БД</a:t>
+            </a:r>
+          </a:p>
+        </p:txBody>
+      </p:sp>
+      <p:sp>
+        <p:nvSpPr>
+          <p:cNvPr id="17" name="TextBox 16">
+            <a:extLst>
+              <a:ext uri="{FF2B5EF4-FFF2-40B4-BE49-F238E27FC236}">
+                <a16:creationId xmlns:a16="http://schemas.microsoft.com/office/drawing/2014/main" id="{9348FBFF-934C-4A10-876B-C31D75E60C61}"/>
+              </a:ext>
+            </a:extLst>
+          </p:cNvPr>
+          <p:cNvSpPr txBox="1"/>
+          <p:nvPr/>
+        </p:nvSpPr>
+        <p:spPr>
+          <a:xfrm>
+            <a:off x="3258104" y="2607572"/>
+            <a:ext cx="3861787" cy="1200329"/>
+          </a:xfrm>
+          <a:prstGeom prst="rect">
+            <a:avLst/>
+          </a:prstGeom>
+          <a:noFill/>
+        </p:spPr>
+        <p:txBody>
+          <a:bodyPr wrap="square" rtlCol="0">
+            <a:spAutoFit/>
+          </a:bodyPr>
+          <a:lstStyle/>
+          <a:p>
+            <a:r>
+              <a:rPr lang="ru-RU" dirty="0"/>
+              <a:t>Класс,</a:t>
+            </a:r>
+            <a:r>
+              <a:rPr lang="en-US" dirty="0"/>
+              <a:t> </a:t>
+            </a:r>
+            <a:r>
+              <a:rPr lang="ru-RU" dirty="0"/>
+              <a:t>который управляет чатами:</a:t>
+            </a:r>
+            <a:br>
+              <a:rPr lang="ru-RU" dirty="0"/>
+            </a:br>
+            <a:r>
+              <a:rPr lang="ru-RU" dirty="0"/>
+              <a:t>1. Создание чата</a:t>
+            </a:r>
+          </a:p>
+          <a:p>
+            <a:r>
+              <a:rPr lang="ru-RU" dirty="0"/>
+              <a:t>2. Редактирование чата</a:t>
+            </a:r>
+            <a:br>
+              <a:rPr lang="ru-RU" dirty="0"/>
+            </a:br>
+            <a:r>
+              <a:rPr lang="ru-RU" dirty="0"/>
+              <a:t>3. Удаление чата</a:t>
+            </a:r>
+          </a:p>
+        </p:txBody>
+      </p:sp>
+      <p:pic>
+        <p:nvPicPr>
+          <p:cNvPr id="19" name="Рисунок 18">
+            <a:extLst>
+              <a:ext uri="{FF2B5EF4-FFF2-40B4-BE49-F238E27FC236}">
+                <a16:creationId xmlns:a16="http://schemas.microsoft.com/office/drawing/2014/main" id="{D1BC0135-40D4-43B3-BDB2-20FA1DE81C07}"/>
+              </a:ext>
+            </a:extLst>
+          </p:cNvPr>
+          <p:cNvPicPr>
+            <a:picLocks noChangeAspect="1"/>
+          </p:cNvPicPr>
+          <p:nvPr/>
+        </p:nvPicPr>
+        <p:blipFill>
+          <a:blip r:embed="rId8"/>
+          <a:stretch>
+            <a:fillRect/>
+          </a:stretch>
+        </p:blipFill>
+        <p:spPr>
+          <a:xfrm>
+            <a:off x="682681" y="4127311"/>
+            <a:ext cx="2553056" cy="428685"/>
+          </a:xfrm>
+          <a:prstGeom prst="rect">
+            <a:avLst/>
+          </a:prstGeom>
+        </p:spPr>
+      </p:pic>
+      <p:sp>
+        <p:nvSpPr>
+          <p:cNvPr id="20" name="TextBox 19">
+            <a:extLst>
+              <a:ext uri="{FF2B5EF4-FFF2-40B4-BE49-F238E27FC236}">
+                <a16:creationId xmlns:a16="http://schemas.microsoft.com/office/drawing/2014/main" id="{32A76F9B-DEEA-4541-9E93-D7C3290CED6D}"/>
+              </a:ext>
+            </a:extLst>
+          </p:cNvPr>
+          <p:cNvSpPr txBox="1"/>
+          <p:nvPr/>
+        </p:nvSpPr>
+        <p:spPr>
+          <a:xfrm>
+            <a:off x="3258104" y="4018487"/>
+            <a:ext cx="4065973" cy="646331"/>
+          </a:xfrm>
+          <a:prstGeom prst="rect">
+            <a:avLst/>
+          </a:prstGeom>
+          <a:noFill/>
+        </p:spPr>
+        <p:txBody>
+          <a:bodyPr wrap="square" rtlCol="0">
+            <a:spAutoFit/>
+          </a:bodyPr>
+          <a:lstStyle/>
+          <a:p>
+            <a:r>
+              <a:rPr lang="ru-RU" dirty="0"/>
+              <a:t>Класс, который сохраняет сообщения, отправленные пользователем, в БД</a:t>
+            </a:r>
+          </a:p>
+        </p:txBody>
+      </p:sp>
+      <p:pic>
+        <p:nvPicPr>
+          <p:cNvPr id="22" name="Рисунок 21">
+            <a:extLst>
+              <a:ext uri="{FF2B5EF4-FFF2-40B4-BE49-F238E27FC236}">
+                <a16:creationId xmlns:a16="http://schemas.microsoft.com/office/drawing/2014/main" id="{B5126B65-778F-478E-BDE3-937E7DFDE405}"/>
+              </a:ext>
+            </a:extLst>
+          </p:cNvPr>
+          <p:cNvPicPr>
+            <a:picLocks noChangeAspect="1"/>
+          </p:cNvPicPr>
+          <p:nvPr/>
+        </p:nvPicPr>
+        <p:blipFill>
+          <a:blip r:embed="rId9"/>
+          <a:stretch>
+            <a:fillRect/>
+          </a:stretch>
+        </p:blipFill>
+        <p:spPr>
+          <a:xfrm>
+            <a:off x="7307801" y="1681578"/>
+            <a:ext cx="2667372" cy="419158"/>
+          </a:xfrm>
+          <a:prstGeom prst="rect">
+            <a:avLst/>
+          </a:prstGeom>
+        </p:spPr>
+      </p:pic>
+      <p:pic>
+        <p:nvPicPr>
+          <p:cNvPr id="24" name="Рисунок 23">
+            <a:extLst>
+              <a:ext uri="{FF2B5EF4-FFF2-40B4-BE49-F238E27FC236}">
+                <a16:creationId xmlns:a16="http://schemas.microsoft.com/office/drawing/2014/main" id="{7246C34E-745E-412A-9F04-AB1BE31FE67B}"/>
+              </a:ext>
+            </a:extLst>
+          </p:cNvPr>
+          <p:cNvPicPr>
+            <a:picLocks noChangeAspect="1"/>
+          </p:cNvPicPr>
+          <p:nvPr/>
+        </p:nvPicPr>
+        <p:blipFill>
+          <a:blip r:embed="rId10"/>
+          <a:stretch>
+            <a:fillRect/>
+          </a:stretch>
+        </p:blipFill>
+        <p:spPr>
+          <a:xfrm>
+            <a:off x="6624384" y="4751290"/>
+            <a:ext cx="3372321" cy="428685"/>
+          </a:xfrm>
+          <a:prstGeom prst="rect">
+            <a:avLst/>
+          </a:prstGeom>
+        </p:spPr>
+      </p:pic>
+      <p:pic>
+        <p:nvPicPr>
+          <p:cNvPr id="26" name="Рисунок 25">
+            <a:extLst>
+              <a:ext uri="{FF2B5EF4-FFF2-40B4-BE49-F238E27FC236}">
+                <a16:creationId xmlns:a16="http://schemas.microsoft.com/office/drawing/2014/main" id="{2E9C6004-BB56-4269-AF99-48933B912DFD}"/>
+              </a:ext>
+            </a:extLst>
+          </p:cNvPr>
+          <p:cNvPicPr>
+            <a:picLocks noChangeAspect="1"/>
+          </p:cNvPicPr>
+          <p:nvPr/>
+        </p:nvPicPr>
+        <p:blipFill>
+          <a:blip r:embed="rId11"/>
+          <a:stretch>
+            <a:fillRect/>
+          </a:stretch>
+        </p:blipFill>
+        <p:spPr>
+          <a:xfrm>
+            <a:off x="6643437" y="3043398"/>
+            <a:ext cx="3353268" cy="419158"/>
+          </a:xfrm>
+          <a:prstGeom prst="rect">
+            <a:avLst/>
+          </a:prstGeom>
+        </p:spPr>
+      </p:pic>
+      <p:pic>
+        <p:nvPicPr>
+          <p:cNvPr id="28" name="Рисунок 27">
+            <a:extLst>
+              <a:ext uri="{FF2B5EF4-FFF2-40B4-BE49-F238E27FC236}">
+                <a16:creationId xmlns:a16="http://schemas.microsoft.com/office/drawing/2014/main" id="{610F6F0C-C8F0-41CF-BEC1-733DBF6CD67D}"/>
+              </a:ext>
+            </a:extLst>
+          </p:cNvPr>
+          <p:cNvPicPr>
+            <a:picLocks noChangeAspect="1"/>
+          </p:cNvPicPr>
+          <p:nvPr/>
+        </p:nvPicPr>
+        <p:blipFill>
+          <a:blip r:embed="rId12"/>
+          <a:stretch>
+            <a:fillRect/>
+          </a:stretch>
+        </p:blipFill>
+        <p:spPr>
+          <a:xfrm>
+            <a:off x="601707" y="5763469"/>
+            <a:ext cx="2953162" cy="447737"/>
+          </a:xfrm>
+          <a:prstGeom prst="rect">
+            <a:avLst/>
+          </a:prstGeom>
+        </p:spPr>
+      </p:pic>
+      <p:pic>
+        <p:nvPicPr>
+          <p:cNvPr id="30" name="Рисунок 29">
+            <a:extLst>
+              <a:ext uri="{FF2B5EF4-FFF2-40B4-BE49-F238E27FC236}">
+                <a16:creationId xmlns:a16="http://schemas.microsoft.com/office/drawing/2014/main" id="{E01FC161-60B2-465D-8E5E-7A8296D7C6CA}"/>
+              </a:ext>
+            </a:extLst>
+          </p:cNvPr>
+          <p:cNvPicPr>
+            <a:picLocks noChangeAspect="1"/>
+          </p:cNvPicPr>
+          <p:nvPr/>
+        </p:nvPicPr>
+        <p:blipFill>
+          <a:blip r:embed="rId13"/>
+          <a:stretch>
+            <a:fillRect/>
+          </a:stretch>
+        </p:blipFill>
+        <p:spPr>
+          <a:xfrm>
+            <a:off x="601707" y="4965633"/>
+            <a:ext cx="2715004" cy="409632"/>
+          </a:xfrm>
+          <a:prstGeom prst="rect">
+            <a:avLst/>
+          </a:prstGeom>
+        </p:spPr>
+      </p:pic>
+      <p:sp>
+        <p:nvSpPr>
+          <p:cNvPr id="31" name="TextBox 30">
+            <a:extLst>
+              <a:ext uri="{FF2B5EF4-FFF2-40B4-BE49-F238E27FC236}">
+                <a16:creationId xmlns:a16="http://schemas.microsoft.com/office/drawing/2014/main" id="{A0E89B58-7DDB-4011-BAE2-428E3283652A}"/>
+              </a:ext>
+            </a:extLst>
+          </p:cNvPr>
+          <p:cNvSpPr txBox="1"/>
+          <p:nvPr/>
+        </p:nvSpPr>
+        <p:spPr>
+          <a:xfrm>
+            <a:off x="3316711" y="4875404"/>
+            <a:ext cx="3098306" cy="646331"/>
+          </a:xfrm>
+          <a:prstGeom prst="rect">
+            <a:avLst/>
+          </a:prstGeom>
+          <a:noFill/>
+        </p:spPr>
+        <p:txBody>
+          <a:bodyPr wrap="square" rtlCol="0">
+            <a:spAutoFit/>
+          </a:bodyPr>
+          <a:lstStyle/>
+          <a:p>
+            <a:r>
+              <a:rPr lang="ru-RU" dirty="0"/>
+              <a:t>Класс, который отвечает за удаление постов</a:t>
+            </a:r>
+          </a:p>
+        </p:txBody>
+      </p:sp>
+      <p:sp>
+        <p:nvSpPr>
+          <p:cNvPr id="33" name="TextBox 32">
+            <a:extLst>
+              <a:ext uri="{FF2B5EF4-FFF2-40B4-BE49-F238E27FC236}">
+                <a16:creationId xmlns:a16="http://schemas.microsoft.com/office/drawing/2014/main" id="{271D33FF-EC25-4EC8-91BF-37C0D90A79B5}"/>
+              </a:ext>
+            </a:extLst>
+          </p:cNvPr>
+          <p:cNvSpPr txBox="1"/>
+          <p:nvPr/>
+        </p:nvSpPr>
+        <p:spPr>
+          <a:xfrm>
+            <a:off x="3554869" y="5640824"/>
+            <a:ext cx="2953162" cy="646331"/>
+          </a:xfrm>
+          <a:prstGeom prst="rect">
+            <a:avLst/>
+          </a:prstGeom>
+          <a:noFill/>
+        </p:spPr>
+        <p:txBody>
+          <a:bodyPr wrap="square">
+            <a:spAutoFit/>
+          </a:bodyPr>
+          <a:lstStyle/>
+          <a:p>
+            <a:r>
+              <a:rPr lang="ru-RU" dirty="0"/>
+              <a:t>Класс, который отвечает за удаление друзей</a:t>
+            </a:r>
+          </a:p>
+        </p:txBody>
+      </p:sp>
+      <p:sp>
+        <p:nvSpPr>
+          <p:cNvPr id="34" name="TextBox 33">
+            <a:extLst>
+              <a:ext uri="{FF2B5EF4-FFF2-40B4-BE49-F238E27FC236}">
+                <a16:creationId xmlns:a16="http://schemas.microsoft.com/office/drawing/2014/main" id="{2C8D766B-7D4B-4AF0-ADFD-2BD797F31004}"/>
+              </a:ext>
+            </a:extLst>
+          </p:cNvPr>
+          <p:cNvSpPr txBox="1"/>
+          <p:nvPr/>
+        </p:nvSpPr>
+        <p:spPr>
+          <a:xfrm>
+            <a:off x="10146806" y="1237585"/>
+            <a:ext cx="1811415" cy="1200329"/>
+          </a:xfrm>
+          <a:prstGeom prst="rect">
+            <a:avLst/>
+          </a:prstGeom>
+          <a:noFill/>
+        </p:spPr>
+        <p:txBody>
+          <a:bodyPr wrap="square" rtlCol="0">
+            <a:spAutoFit/>
+          </a:bodyPr>
+          <a:lstStyle/>
+          <a:p>
+            <a:r>
+              <a:rPr lang="ru-RU" dirty="0"/>
+              <a:t>Класс, который отвечает за отправку заявки в друзья</a:t>
+            </a:r>
+          </a:p>
+        </p:txBody>
+      </p:sp>
+      <p:sp>
+        <p:nvSpPr>
+          <p:cNvPr id="35" name="TextBox 34">
+            <a:extLst>
+              <a:ext uri="{FF2B5EF4-FFF2-40B4-BE49-F238E27FC236}">
+                <a16:creationId xmlns:a16="http://schemas.microsoft.com/office/drawing/2014/main" id="{4B96456C-0DAE-4BED-87AA-1C71DA7E955C}"/>
+              </a:ext>
+            </a:extLst>
+          </p:cNvPr>
+          <p:cNvSpPr txBox="1"/>
+          <p:nvPr/>
+        </p:nvSpPr>
+        <p:spPr>
+          <a:xfrm>
+            <a:off x="9996705" y="2640283"/>
+            <a:ext cx="2228295" cy="1200329"/>
+          </a:xfrm>
+          <a:prstGeom prst="rect">
+            <a:avLst/>
+          </a:prstGeom>
+          <a:noFill/>
+        </p:spPr>
+        <p:txBody>
+          <a:bodyPr wrap="square" rtlCol="0">
+            <a:spAutoFit/>
+          </a:bodyPr>
+          <a:lstStyle/>
+          <a:p>
+            <a:r>
+              <a:rPr lang="ru-RU" dirty="0"/>
+              <a:t>Класс, который отвечает за принятие заявки в друзья</a:t>
+            </a:r>
+          </a:p>
+        </p:txBody>
+      </p:sp>
+      <p:sp>
+        <p:nvSpPr>
+          <p:cNvPr id="37" name="TextBox 36">
+            <a:extLst>
+              <a:ext uri="{FF2B5EF4-FFF2-40B4-BE49-F238E27FC236}">
+                <a16:creationId xmlns:a16="http://schemas.microsoft.com/office/drawing/2014/main" id="{0C34F50D-EAED-40F0-9032-87F5B6367A96}"/>
+              </a:ext>
+            </a:extLst>
+          </p:cNvPr>
+          <p:cNvSpPr txBox="1"/>
+          <p:nvPr/>
+        </p:nvSpPr>
+        <p:spPr>
+          <a:xfrm>
+            <a:off x="10090662" y="4440495"/>
+            <a:ext cx="1867559" cy="1200329"/>
+          </a:xfrm>
+          <a:prstGeom prst="rect">
+            <a:avLst/>
+          </a:prstGeom>
+          <a:noFill/>
+        </p:spPr>
+        <p:txBody>
+          <a:bodyPr wrap="square">
+            <a:spAutoFit/>
+          </a:bodyPr>
+          <a:lstStyle/>
+          <a:p>
+            <a:r>
+              <a:rPr lang="ru-RU" dirty="0"/>
+              <a:t>Класс, который отвечает за отклонение заявки в друзья</a:t>
+            </a:r>
+          </a:p>
+        </p:txBody>
+      </p:sp>
+    </p:spTree>
+    <p:extLst>
+      <p:ext uri="{BB962C8B-B14F-4D97-AF65-F5344CB8AC3E}">
+        <p14:creationId xmlns:p14="http://schemas.microsoft.com/office/powerpoint/2010/main" val="1197126889"/>
+      </p:ext>
+    </p:extLst>
+  </p:cSld>
+  <p:clrMapOvr>
+    <a:masterClrMapping/>
+  </p:clrMapOvr>
+</p:sld>
+</file>
+
+<file path=ppt/slides/slide16.xml><?xml version="1.0" encoding="utf-8"?>
+<p:sld xmlns:a="http://schemas.openxmlformats.org/drawingml/2006/main" xmlns:r="http://schemas.openxmlformats.org/officeDocument/2006/relationships" xmlns:p="http://schemas.openxmlformats.org/presentationml/2006/main">
+  <p:cSld>
+    <p:spTree>
+      <p:nvGrpSpPr>
+        <p:cNvPr id="1" name=""/>
+        <p:cNvGrpSpPr/>
+        <p:nvPr/>
+      </p:nvGrpSpPr>
+      <p:grpSpPr>
+        <a:xfrm>
+          <a:off x="0" y="0"/>
+          <a:ext cx="0" cy="0"/>
+          <a:chOff x="0" y="0"/>
+          <a:chExt cx="0" cy="0"/>
+        </a:xfrm>
+      </p:grpSpPr>
+      <p:pic>
+        <p:nvPicPr>
+          <p:cNvPr id="3" name="Рисунок 2">
+            <a:extLst>
+              <a:ext uri="{FF2B5EF4-FFF2-40B4-BE49-F238E27FC236}">
+                <a16:creationId xmlns:a16="http://schemas.microsoft.com/office/drawing/2014/main" id="{EEE29C7B-6051-4412-A1BC-D50E7F3460DE}"/>
+              </a:ext>
+            </a:extLst>
+          </p:cNvPr>
+          <p:cNvPicPr>
+            <a:picLocks noChangeAspect="1"/>
+          </p:cNvPicPr>
+          <p:nvPr/>
+        </p:nvPicPr>
+        <p:blipFill>
+          <a:blip r:embed="rId2"/>
+          <a:stretch>
+            <a:fillRect/>
+          </a:stretch>
+        </p:blipFill>
+        <p:spPr>
+          <a:xfrm>
+            <a:off x="0" y="1"/>
+            <a:ext cx="2369259" cy="923278"/>
+          </a:xfrm>
+          <a:prstGeom prst="rect">
+            <a:avLst/>
+          </a:prstGeom>
+        </p:spPr>
+      </p:pic>
+      <p:sp>
+        <p:nvSpPr>
+          <p:cNvPr id="10" name="TextBox 9">
+            <a:extLst>
+              <a:ext uri="{FF2B5EF4-FFF2-40B4-BE49-F238E27FC236}">
+                <a16:creationId xmlns:a16="http://schemas.microsoft.com/office/drawing/2014/main" id="{E63D623B-C254-488A-A545-664D4B991FB8}"/>
+              </a:ext>
+            </a:extLst>
+          </p:cNvPr>
+          <p:cNvSpPr txBox="1"/>
+          <p:nvPr/>
+        </p:nvSpPr>
+        <p:spPr>
+          <a:xfrm>
+            <a:off x="11439617" y="6287155"/>
+            <a:ext cx="752383" cy="338554"/>
+          </a:xfrm>
+          <a:prstGeom prst="rect">
+            <a:avLst/>
+          </a:prstGeom>
+          <a:noFill/>
+        </p:spPr>
+        <p:txBody>
+          <a:bodyPr wrap="square">
+            <a:spAutoFit/>
+          </a:bodyPr>
+          <a:lstStyle/>
+          <a:p>
+            <a:r>
+              <a:rPr lang="en-US" sz="1600" dirty="0">
+                <a:effectLst/>
+                <a:latin typeface="Arial" panose="020B0604020202020204" pitchFamily="34" charset="0"/>
+                <a:cs typeface="Arial" panose="020B0604020202020204" pitchFamily="34" charset="0"/>
+              </a:rPr>
+              <a:t>1</a:t>
+            </a:r>
+            <a:r>
+              <a:rPr lang="ru-RU" sz="1600" dirty="0">
+                <a:effectLst/>
+                <a:latin typeface="Arial" panose="020B0604020202020204" pitchFamily="34" charset="0"/>
+                <a:cs typeface="Arial" panose="020B0604020202020204" pitchFamily="34" charset="0"/>
+              </a:rPr>
+              <a:t>5/1</a:t>
+            </a:r>
+            <a:r>
+              <a:rPr lang="en-US" sz="1600" dirty="0">
+                <a:effectLst/>
+                <a:latin typeface="Arial" panose="020B0604020202020204" pitchFamily="34" charset="0"/>
+                <a:cs typeface="Arial" panose="020B0604020202020204" pitchFamily="34" charset="0"/>
+              </a:rPr>
+              <a:t>5</a:t>
+            </a:r>
+            <a:endParaRPr lang="ru-RU" sz="1600" dirty="0">
+              <a:latin typeface="Arial" panose="020B0604020202020204" pitchFamily="34" charset="0"/>
+              <a:cs typeface="Arial" panose="020B0604020202020204" pitchFamily="34" charset="0"/>
+            </a:endParaRPr>
+          </a:p>
+        </p:txBody>
+      </p:sp>
+      <p:pic>
+        <p:nvPicPr>
+          <p:cNvPr id="7" name="Рисунок 6">
+            <a:extLst>
+              <a:ext uri="{FF2B5EF4-FFF2-40B4-BE49-F238E27FC236}">
+                <a16:creationId xmlns:a16="http://schemas.microsoft.com/office/drawing/2014/main" id="{BD9D514F-6B53-4045-8D12-4AFFF2F64659}"/>
+              </a:ext>
+            </a:extLst>
+          </p:cNvPr>
+          <p:cNvPicPr>
+            <a:picLocks noChangeAspect="1"/>
+          </p:cNvPicPr>
+          <p:nvPr/>
+        </p:nvPicPr>
+        <p:blipFill rotWithShape="1">
+          <a:blip r:embed="rId3"/>
+          <a:srcRect t="13170" b="11414"/>
+          <a:stretch/>
+        </p:blipFill>
+        <p:spPr>
+          <a:xfrm>
+            <a:off x="0" y="854475"/>
+            <a:ext cx="12192000" cy="5149049"/>
           </a:xfrm>
           <a:prstGeom prst="rect">
             <a:avLst/>
@@ -3783,7 +5584,7 @@
     </p:spTree>
     <p:extLst>
       <p:ext uri="{BB962C8B-B14F-4D97-AF65-F5344CB8AC3E}">
-        <p14:creationId xmlns:p14="http://schemas.microsoft.com/office/powerpoint/2010/main" val="1370862535"/>
+        <p14:creationId xmlns:p14="http://schemas.microsoft.com/office/powerpoint/2010/main" val="3982498886"/>
       </p:ext>
     </p:extLst>
   </p:cSld>
@@ -3812,10 +5613,10 @@
       </p:grpSpPr>
       <p:pic>
         <p:nvPicPr>
-          <p:cNvPr id="5" name="Рисунок 4">
-            <a:extLst>
-              <a:ext uri="{FF2B5EF4-FFF2-40B4-BE49-F238E27FC236}">
-                <a16:creationId xmlns:a16="http://schemas.microsoft.com/office/drawing/2014/main" id="{ABCBA9C1-523B-4E74-92E7-69A7AA8A0F57}"/>
+          <p:cNvPr id="3" name="Рисунок 2">
+            <a:extLst>
+              <a:ext uri="{FF2B5EF4-FFF2-40B4-BE49-F238E27FC236}">
+                <a16:creationId xmlns:a16="http://schemas.microsoft.com/office/drawing/2014/main" id="{EEE29C7B-6051-4412-A1BC-D50E7F3460DE}"/>
               </a:ext>
             </a:extLst>
           </p:cNvPr>
@@ -3832,14 +5633,181 @@
         </p:blipFill>
         <p:spPr>
           <a:xfrm>
-            <a:off x="-1" y="885"/>
-            <a:ext cx="12277817" cy="6856229"/>
+            <a:off x="0" y="1"/>
+            <a:ext cx="2369259" cy="923278"/>
           </a:xfrm>
           <a:prstGeom prst="rect">
             <a:avLst/>
           </a:prstGeom>
         </p:spPr>
       </p:pic>
+      <p:sp>
+        <p:nvSpPr>
+          <p:cNvPr id="6" name="TextBox 5">
+            <a:extLst>
+              <a:ext uri="{FF2B5EF4-FFF2-40B4-BE49-F238E27FC236}">
+                <a16:creationId xmlns:a16="http://schemas.microsoft.com/office/drawing/2014/main" id="{740CFCC9-37DB-4A93-BB90-E1C6C623AC4A}"/>
+              </a:ext>
+            </a:extLst>
+          </p:cNvPr>
+          <p:cNvSpPr txBox="1"/>
+          <p:nvPr/>
+        </p:nvSpPr>
+        <p:spPr>
+          <a:xfrm>
+            <a:off x="5715000" y="107697"/>
+            <a:ext cx="1493668" cy="646331"/>
+          </a:xfrm>
+          <a:prstGeom prst="rect">
+            <a:avLst/>
+          </a:prstGeom>
+          <a:noFill/>
+        </p:spPr>
+        <p:txBody>
+          <a:bodyPr wrap="square">
+            <a:spAutoFit/>
+          </a:bodyPr>
+          <a:lstStyle/>
+          <a:p>
+            <a:r>
+              <a:rPr lang="ru-RU" sz="3600" dirty="0">
+                <a:effectLst/>
+                <a:cs typeface="Arial" panose="020B0604020202020204" pitchFamily="34" charset="0"/>
+              </a:rPr>
+              <a:t>Цель</a:t>
+            </a:r>
+            <a:endParaRPr lang="ru-RU" sz="3600" dirty="0">
+              <a:cs typeface="Arial" panose="020B0604020202020204" pitchFamily="34" charset="0"/>
+            </a:endParaRPr>
+          </a:p>
+        </p:txBody>
+      </p:sp>
+      <p:pic>
+        <p:nvPicPr>
+          <p:cNvPr id="8" name="Рисунок 7">
+            <a:extLst>
+              <a:ext uri="{FF2B5EF4-FFF2-40B4-BE49-F238E27FC236}">
+                <a16:creationId xmlns:a16="http://schemas.microsoft.com/office/drawing/2014/main" id="{D6512223-1F38-4020-A13C-588782950E16}"/>
+              </a:ext>
+            </a:extLst>
+          </p:cNvPr>
+          <p:cNvPicPr>
+            <a:picLocks noChangeAspect="1"/>
+          </p:cNvPicPr>
+          <p:nvPr/>
+        </p:nvPicPr>
+        <p:blipFill>
+          <a:blip r:embed="rId3"/>
+          <a:stretch>
+            <a:fillRect/>
+          </a:stretch>
+        </p:blipFill>
+        <p:spPr>
+          <a:xfrm>
+            <a:off x="8054339" y="2393685"/>
+            <a:ext cx="2714275" cy="2311303"/>
+          </a:xfrm>
+          <a:prstGeom prst="rect">
+            <a:avLst/>
+          </a:prstGeom>
+        </p:spPr>
+      </p:pic>
+      <p:sp>
+        <p:nvSpPr>
+          <p:cNvPr id="10" name="TextBox 9">
+            <a:extLst>
+              <a:ext uri="{FF2B5EF4-FFF2-40B4-BE49-F238E27FC236}">
+                <a16:creationId xmlns:a16="http://schemas.microsoft.com/office/drawing/2014/main" id="{E63D623B-C254-488A-A545-664D4B991FB8}"/>
+              </a:ext>
+            </a:extLst>
+          </p:cNvPr>
+          <p:cNvSpPr txBox="1"/>
+          <p:nvPr/>
+        </p:nvSpPr>
+        <p:spPr>
+          <a:xfrm>
+            <a:off x="11439617" y="6287155"/>
+            <a:ext cx="752383" cy="338554"/>
+          </a:xfrm>
+          <a:prstGeom prst="rect">
+            <a:avLst/>
+          </a:prstGeom>
+          <a:noFill/>
+        </p:spPr>
+        <p:txBody>
+          <a:bodyPr wrap="square">
+            <a:spAutoFit/>
+          </a:bodyPr>
+          <a:lstStyle/>
+          <a:p>
+            <a:r>
+              <a:rPr lang="ru-RU" sz="1600" dirty="0">
+                <a:effectLst/>
+                <a:latin typeface="Arial" panose="020B0604020202020204" pitchFamily="34" charset="0"/>
+                <a:cs typeface="Arial" panose="020B0604020202020204" pitchFamily="34" charset="0"/>
+              </a:rPr>
+              <a:t>1/1</a:t>
+            </a:r>
+            <a:r>
+              <a:rPr lang="en-US" sz="1600" dirty="0">
+                <a:effectLst/>
+                <a:latin typeface="Arial" panose="020B0604020202020204" pitchFamily="34" charset="0"/>
+                <a:cs typeface="Arial" panose="020B0604020202020204" pitchFamily="34" charset="0"/>
+              </a:rPr>
+              <a:t>5</a:t>
+            </a:r>
+            <a:endParaRPr lang="ru-RU" sz="1600" dirty="0">
+              <a:latin typeface="Arial" panose="020B0604020202020204" pitchFamily="34" charset="0"/>
+              <a:cs typeface="Arial" panose="020B0604020202020204" pitchFamily="34" charset="0"/>
+            </a:endParaRPr>
+          </a:p>
+        </p:txBody>
+      </p:sp>
+      <p:sp>
+        <p:nvSpPr>
+          <p:cNvPr id="12" name="TextBox 11">
+            <a:extLst>
+              <a:ext uri="{FF2B5EF4-FFF2-40B4-BE49-F238E27FC236}">
+                <a16:creationId xmlns:a16="http://schemas.microsoft.com/office/drawing/2014/main" id="{5CA60CA6-994E-4308-B270-F92E0AF1ED3E}"/>
+              </a:ext>
+            </a:extLst>
+          </p:cNvPr>
+          <p:cNvSpPr txBox="1"/>
+          <p:nvPr/>
+        </p:nvSpPr>
+        <p:spPr>
+          <a:xfrm>
+            <a:off x="1037136" y="2282077"/>
+            <a:ext cx="6201052" cy="3046988"/>
+          </a:xfrm>
+          <a:prstGeom prst="rect">
+            <a:avLst/>
+          </a:prstGeom>
+          <a:noFill/>
+        </p:spPr>
+        <p:txBody>
+          <a:bodyPr wrap="square">
+            <a:spAutoFit/>
+          </a:bodyPr>
+          <a:lstStyle/>
+          <a:p>
+            <a:pPr algn="ctr"/>
+            <a:r>
+              <a:rPr lang="ru-RU" sz="3200" dirty="0">
+                <a:effectLst/>
+                <a:cs typeface="Arial" panose="020B0604020202020204" pitchFamily="34" charset="0"/>
+              </a:rPr>
+              <a:t>Создать социальную сеть для общения пользователей с возможностью публикации постов, обмена сообщениями и управления друзьями.</a:t>
+            </a:r>
+            <a:br>
+              <a:rPr lang="ru-RU" sz="3200" dirty="0">
+                <a:effectLst/>
+              </a:rPr>
+            </a:br>
+            <a:endParaRPr lang="ru-RU" sz="3200" dirty="0"/>
+          </a:p>
+        </p:txBody>
+      </p:sp>
     </p:spTree>
     <p:extLst>
       <p:ext uri="{BB962C8B-B14F-4D97-AF65-F5344CB8AC3E}">
@@ -3875,7 +5843,7 @@
           <p:cNvPr id="3" name="Рисунок 2">
             <a:extLst>
               <a:ext uri="{FF2B5EF4-FFF2-40B4-BE49-F238E27FC236}">
-                <a16:creationId xmlns:a16="http://schemas.microsoft.com/office/drawing/2014/main" id="{B44AC500-5D8A-4CEB-A52D-818C8C159FB3}"/>
+                <a16:creationId xmlns:a16="http://schemas.microsoft.com/office/drawing/2014/main" id="{EEE29C7B-6051-4412-A1BC-D50E7F3460DE}"/>
               </a:ext>
             </a:extLst>
           </p:cNvPr>
@@ -3892,8 +5860,259 @@
         </p:blipFill>
         <p:spPr>
           <a:xfrm>
-            <a:off x="0" y="14031"/>
-            <a:ext cx="12192000" cy="6829938"/>
+            <a:off x="0" y="1"/>
+            <a:ext cx="2369259" cy="923278"/>
+          </a:xfrm>
+          <a:prstGeom prst="rect">
+            <a:avLst/>
+          </a:prstGeom>
+        </p:spPr>
+      </p:pic>
+      <p:sp>
+        <p:nvSpPr>
+          <p:cNvPr id="6" name="TextBox 5">
+            <a:extLst>
+              <a:ext uri="{FF2B5EF4-FFF2-40B4-BE49-F238E27FC236}">
+                <a16:creationId xmlns:a16="http://schemas.microsoft.com/office/drawing/2014/main" id="{740CFCC9-37DB-4A93-BB90-E1C6C623AC4A}"/>
+              </a:ext>
+            </a:extLst>
+          </p:cNvPr>
+          <p:cNvSpPr txBox="1"/>
+          <p:nvPr/>
+        </p:nvSpPr>
+        <p:spPr>
+          <a:xfrm>
+            <a:off x="3752295" y="138474"/>
+            <a:ext cx="4687409" cy="646331"/>
+          </a:xfrm>
+          <a:prstGeom prst="rect">
+            <a:avLst/>
+          </a:prstGeom>
+          <a:noFill/>
+        </p:spPr>
+        <p:txBody>
+          <a:bodyPr wrap="square">
+            <a:spAutoFit/>
+          </a:bodyPr>
+          <a:lstStyle/>
+          <a:p>
+            <a:pPr algn="ctr"/>
+            <a:r>
+              <a:rPr lang="ru-RU" sz="3600" dirty="0">
+                <a:effectLst/>
+                <a:cs typeface="Arial" panose="020B0604020202020204" pitchFamily="34" charset="0"/>
+              </a:rPr>
+              <a:t>Задачи проекта</a:t>
+            </a:r>
+            <a:endParaRPr lang="ru-RU" sz="3600" dirty="0">
+              <a:cs typeface="Arial" panose="020B0604020202020204" pitchFamily="34" charset="0"/>
+            </a:endParaRPr>
+          </a:p>
+        </p:txBody>
+      </p:sp>
+      <p:sp>
+        <p:nvSpPr>
+          <p:cNvPr id="10" name="TextBox 9">
+            <a:extLst>
+              <a:ext uri="{FF2B5EF4-FFF2-40B4-BE49-F238E27FC236}">
+                <a16:creationId xmlns:a16="http://schemas.microsoft.com/office/drawing/2014/main" id="{E63D623B-C254-488A-A545-664D4B991FB8}"/>
+              </a:ext>
+            </a:extLst>
+          </p:cNvPr>
+          <p:cNvSpPr txBox="1"/>
+          <p:nvPr/>
+        </p:nvSpPr>
+        <p:spPr>
+          <a:xfrm>
+            <a:off x="11439617" y="6287155"/>
+            <a:ext cx="752383" cy="338554"/>
+          </a:xfrm>
+          <a:prstGeom prst="rect">
+            <a:avLst/>
+          </a:prstGeom>
+          <a:noFill/>
+        </p:spPr>
+        <p:txBody>
+          <a:bodyPr wrap="square">
+            <a:spAutoFit/>
+          </a:bodyPr>
+          <a:lstStyle/>
+          <a:p>
+            <a:r>
+              <a:rPr lang="en-US" sz="1600" dirty="0">
+                <a:latin typeface="Arial" panose="020B0604020202020204" pitchFamily="34" charset="0"/>
+                <a:cs typeface="Arial" panose="020B0604020202020204" pitchFamily="34" charset="0"/>
+              </a:rPr>
+              <a:t>2</a:t>
+            </a:r>
+            <a:r>
+              <a:rPr lang="ru-RU" sz="1600" dirty="0">
+                <a:effectLst/>
+                <a:latin typeface="Arial" panose="020B0604020202020204" pitchFamily="34" charset="0"/>
+                <a:cs typeface="Arial" panose="020B0604020202020204" pitchFamily="34" charset="0"/>
+              </a:rPr>
+              <a:t>/1</a:t>
+            </a:r>
+            <a:r>
+              <a:rPr lang="en-US" sz="1600" dirty="0">
+                <a:effectLst/>
+                <a:latin typeface="Arial" panose="020B0604020202020204" pitchFamily="34" charset="0"/>
+                <a:cs typeface="Arial" panose="020B0604020202020204" pitchFamily="34" charset="0"/>
+              </a:rPr>
+              <a:t>5</a:t>
+            </a:r>
+            <a:endParaRPr lang="ru-RU" sz="1600" dirty="0">
+              <a:latin typeface="Arial" panose="020B0604020202020204" pitchFamily="34" charset="0"/>
+              <a:cs typeface="Arial" panose="020B0604020202020204" pitchFamily="34" charset="0"/>
+            </a:endParaRPr>
+          </a:p>
+        </p:txBody>
+      </p:sp>
+      <p:sp>
+        <p:nvSpPr>
+          <p:cNvPr id="9" name="TextBox 8">
+            <a:extLst>
+              <a:ext uri="{FF2B5EF4-FFF2-40B4-BE49-F238E27FC236}">
+                <a16:creationId xmlns:a16="http://schemas.microsoft.com/office/drawing/2014/main" id="{5552B2C9-4EB2-4CC1-AD3C-4BA4F0699FCD}"/>
+              </a:ext>
+            </a:extLst>
+          </p:cNvPr>
+          <p:cNvSpPr txBox="1"/>
+          <p:nvPr/>
+        </p:nvSpPr>
+        <p:spPr>
+          <a:xfrm>
+            <a:off x="1109260" y="1582340"/>
+            <a:ext cx="6094520" cy="3693319"/>
+          </a:xfrm>
+          <a:prstGeom prst="rect">
+            <a:avLst/>
+          </a:prstGeom>
+          <a:noFill/>
+        </p:spPr>
+        <p:txBody>
+          <a:bodyPr wrap="square">
+            <a:spAutoFit/>
+          </a:bodyPr>
+          <a:lstStyle/>
+          <a:p>
+            <a:pPr marL="342900" indent="-342900">
+              <a:buFont typeface="+mj-lt"/>
+              <a:buAutoNum type="arabicPeriod"/>
+            </a:pPr>
+            <a:r>
+              <a:rPr lang="ru-RU" sz="2400" dirty="0">
+                <a:effectLst/>
+                <a:latin typeface="Arial" panose="020B0604020202020204" pitchFamily="34" charset="0"/>
+                <a:cs typeface="Arial" panose="020B0604020202020204" pitchFamily="34" charset="0"/>
+              </a:rPr>
+              <a:t>Реализовать систему регистрации и авторизации пользователей</a:t>
+            </a:r>
+            <a:endParaRPr lang="en-US" sz="2400" dirty="0">
+              <a:latin typeface="Arial" panose="020B0604020202020204" pitchFamily="34" charset="0"/>
+              <a:cs typeface="Arial" panose="020B0604020202020204" pitchFamily="34" charset="0"/>
+            </a:endParaRPr>
+          </a:p>
+          <a:p>
+            <a:pPr marL="342900" indent="-342900">
+              <a:buFont typeface="+mj-lt"/>
+              <a:buAutoNum type="arabicPeriod"/>
+            </a:pPr>
+            <a:r>
+              <a:rPr lang="ru-RU" sz="2400" dirty="0">
+                <a:effectLst/>
+                <a:latin typeface="Arial" panose="020B0604020202020204" pitchFamily="34" charset="0"/>
+                <a:cs typeface="Arial" panose="020B0604020202020204" pitchFamily="34" charset="0"/>
+              </a:rPr>
+              <a:t>Разработать функционал публикации постов с возможностью комментирования и оценки (лайки)</a:t>
+            </a:r>
+            <a:endParaRPr lang="en-US" sz="2400" dirty="0">
+              <a:latin typeface="Arial" panose="020B0604020202020204" pitchFamily="34" charset="0"/>
+              <a:cs typeface="Arial" panose="020B0604020202020204" pitchFamily="34" charset="0"/>
+            </a:endParaRPr>
+          </a:p>
+          <a:p>
+            <a:pPr marL="342900" indent="-342900">
+              <a:buFont typeface="+mj-lt"/>
+              <a:buAutoNum type="arabicPeriod"/>
+            </a:pPr>
+            <a:r>
+              <a:rPr lang="ru-RU" sz="2400" dirty="0">
+                <a:effectLst/>
+                <a:latin typeface="Arial" panose="020B0604020202020204" pitchFamily="34" charset="0"/>
+                <a:cs typeface="Arial" panose="020B0604020202020204" pitchFamily="34" charset="0"/>
+              </a:rPr>
+              <a:t>Внедрить механизм добавления в друзья</a:t>
+            </a:r>
+            <a:endParaRPr lang="en-US" sz="2400" dirty="0">
+              <a:latin typeface="Arial" panose="020B0604020202020204" pitchFamily="34" charset="0"/>
+              <a:cs typeface="Arial" panose="020B0604020202020204" pitchFamily="34" charset="0"/>
+            </a:endParaRPr>
+          </a:p>
+          <a:p>
+            <a:pPr marL="342900" indent="-342900">
+              <a:buFont typeface="+mj-lt"/>
+              <a:buAutoNum type="arabicPeriod"/>
+            </a:pPr>
+            <a:r>
+              <a:rPr lang="ru-RU" sz="2400" dirty="0">
+                <a:effectLst/>
+                <a:latin typeface="Arial" panose="020B0604020202020204" pitchFamily="34" charset="0"/>
+                <a:cs typeface="Arial" panose="020B0604020202020204" pitchFamily="34" charset="0"/>
+              </a:rPr>
+              <a:t>Создать систему личных сообщений</a:t>
+            </a:r>
+            <a:endParaRPr lang="en-US" sz="2400" dirty="0">
+              <a:latin typeface="Arial" panose="020B0604020202020204" pitchFamily="34" charset="0"/>
+              <a:cs typeface="Arial" panose="020B0604020202020204" pitchFamily="34" charset="0"/>
+            </a:endParaRPr>
+          </a:p>
+          <a:p>
+            <a:pPr marL="342900" indent="-342900">
+              <a:buFont typeface="+mj-lt"/>
+              <a:buAutoNum type="arabicPeriod"/>
+            </a:pPr>
+            <a:r>
+              <a:rPr lang="ru-RU" sz="2400" dirty="0">
+                <a:effectLst/>
+                <a:latin typeface="Arial" panose="020B0604020202020204" pitchFamily="34" charset="0"/>
+                <a:cs typeface="Arial" panose="020B0604020202020204" pitchFamily="34" charset="0"/>
+              </a:rPr>
+              <a:t>Реализовать ленту активности</a:t>
+            </a:r>
+            <a:br>
+              <a:rPr lang="ru-RU" dirty="0">
+                <a:effectLst/>
+              </a:rPr>
+            </a:br>
+            <a:endParaRPr lang="ru-RU" dirty="0"/>
+          </a:p>
+        </p:txBody>
+      </p:sp>
+      <p:pic>
+        <p:nvPicPr>
+          <p:cNvPr id="5" name="Рисунок 4">
+            <a:extLst>
+              <a:ext uri="{FF2B5EF4-FFF2-40B4-BE49-F238E27FC236}">
+                <a16:creationId xmlns:a16="http://schemas.microsoft.com/office/drawing/2014/main" id="{5D882A4B-F55C-42F1-BAB0-A01743303C25}"/>
+              </a:ext>
+            </a:extLst>
+          </p:cNvPr>
+          <p:cNvPicPr>
+            <a:picLocks noChangeAspect="1"/>
+          </p:cNvPicPr>
+          <p:nvPr/>
+        </p:nvPicPr>
+        <p:blipFill>
+          <a:blip r:embed="rId3"/>
+          <a:stretch>
+            <a:fillRect/>
+          </a:stretch>
+        </p:blipFill>
+        <p:spPr>
+          <a:xfrm>
+            <a:off x="7534182" y="2185814"/>
+            <a:ext cx="3548558" cy="2486372"/>
           </a:xfrm>
           <a:prstGeom prst="rect">
             <a:avLst/>
@@ -3903,7 +6122,7 @@
     </p:spTree>
     <p:extLst>
       <p:ext uri="{BB962C8B-B14F-4D97-AF65-F5344CB8AC3E}">
-        <p14:creationId xmlns:p14="http://schemas.microsoft.com/office/powerpoint/2010/main" val="448785933"/>
+        <p14:creationId xmlns:p14="http://schemas.microsoft.com/office/powerpoint/2010/main" val="177826104"/>
       </p:ext>
     </p:extLst>
   </p:cSld>
@@ -3932,10 +6151,10 @@
       </p:grpSpPr>
       <p:pic>
         <p:nvPicPr>
-          <p:cNvPr id="4" name="Рисунок 3">
-            <a:extLst>
-              <a:ext uri="{FF2B5EF4-FFF2-40B4-BE49-F238E27FC236}">
-                <a16:creationId xmlns:a16="http://schemas.microsoft.com/office/drawing/2014/main" id="{21FA2532-3952-4B09-B379-95110046C8A4}"/>
+          <p:cNvPr id="3" name="Рисунок 2">
+            <a:extLst>
+              <a:ext uri="{FF2B5EF4-FFF2-40B4-BE49-F238E27FC236}">
+                <a16:creationId xmlns:a16="http://schemas.microsoft.com/office/drawing/2014/main" id="{EEE29C7B-6051-4412-A1BC-D50E7F3460DE}"/>
               </a:ext>
             </a:extLst>
           </p:cNvPr>
@@ -3952,8 +6171,450 @@
         </p:blipFill>
         <p:spPr>
           <a:xfrm>
-            <a:off x="2399" y="0"/>
-            <a:ext cx="12187201" cy="6858000"/>
+            <a:off x="0" y="1"/>
+            <a:ext cx="2369259" cy="923278"/>
+          </a:xfrm>
+          <a:prstGeom prst="rect">
+            <a:avLst/>
+          </a:prstGeom>
+        </p:spPr>
+      </p:pic>
+      <p:sp>
+        <p:nvSpPr>
+          <p:cNvPr id="6" name="TextBox 5">
+            <a:extLst>
+              <a:ext uri="{FF2B5EF4-FFF2-40B4-BE49-F238E27FC236}">
+                <a16:creationId xmlns:a16="http://schemas.microsoft.com/office/drawing/2014/main" id="{740CFCC9-37DB-4A93-BB90-E1C6C623AC4A}"/>
+              </a:ext>
+            </a:extLst>
+          </p:cNvPr>
+          <p:cNvSpPr txBox="1"/>
+          <p:nvPr/>
+        </p:nvSpPr>
+        <p:spPr>
+          <a:xfrm>
+            <a:off x="2115105" y="75564"/>
+            <a:ext cx="8736705" cy="646331"/>
+          </a:xfrm>
+          <a:prstGeom prst="rect">
+            <a:avLst/>
+          </a:prstGeom>
+          <a:noFill/>
+        </p:spPr>
+        <p:txBody>
+          <a:bodyPr wrap="square">
+            <a:spAutoFit/>
+          </a:bodyPr>
+          <a:lstStyle/>
+          <a:p>
+            <a:pPr algn="ctr"/>
+            <a:r>
+              <a:rPr lang="ru-RU" sz="3600" dirty="0">
+                <a:effectLst/>
+              </a:rPr>
+              <a:t>Используемые технологии</a:t>
+            </a:r>
+            <a:endParaRPr lang="ru-RU" sz="3600" dirty="0">
+              <a:cs typeface="Arial" panose="020B0604020202020204" pitchFamily="34" charset="0"/>
+            </a:endParaRPr>
+          </a:p>
+        </p:txBody>
+      </p:sp>
+      <p:sp>
+        <p:nvSpPr>
+          <p:cNvPr id="10" name="TextBox 9">
+            <a:extLst>
+              <a:ext uri="{FF2B5EF4-FFF2-40B4-BE49-F238E27FC236}">
+                <a16:creationId xmlns:a16="http://schemas.microsoft.com/office/drawing/2014/main" id="{E63D623B-C254-488A-A545-664D4B991FB8}"/>
+              </a:ext>
+            </a:extLst>
+          </p:cNvPr>
+          <p:cNvSpPr txBox="1"/>
+          <p:nvPr/>
+        </p:nvSpPr>
+        <p:spPr>
+          <a:xfrm>
+            <a:off x="11439617" y="6287155"/>
+            <a:ext cx="752383" cy="338554"/>
+          </a:xfrm>
+          <a:prstGeom prst="rect">
+            <a:avLst/>
+          </a:prstGeom>
+          <a:noFill/>
+        </p:spPr>
+        <p:txBody>
+          <a:bodyPr wrap="square">
+            <a:spAutoFit/>
+          </a:bodyPr>
+          <a:lstStyle/>
+          <a:p>
+            <a:r>
+              <a:rPr lang="en-US" sz="1600" dirty="0">
+                <a:effectLst/>
+                <a:latin typeface="Arial" panose="020B0604020202020204" pitchFamily="34" charset="0"/>
+                <a:cs typeface="Arial" panose="020B0604020202020204" pitchFamily="34" charset="0"/>
+              </a:rPr>
+              <a:t>3</a:t>
+            </a:r>
+            <a:r>
+              <a:rPr lang="ru-RU" sz="1600" dirty="0">
+                <a:effectLst/>
+                <a:latin typeface="Arial" panose="020B0604020202020204" pitchFamily="34" charset="0"/>
+                <a:cs typeface="Arial" panose="020B0604020202020204" pitchFamily="34" charset="0"/>
+              </a:rPr>
+              <a:t>/1</a:t>
+            </a:r>
+            <a:r>
+              <a:rPr lang="en-US" sz="1600" dirty="0">
+                <a:effectLst/>
+                <a:latin typeface="Arial" panose="020B0604020202020204" pitchFamily="34" charset="0"/>
+                <a:cs typeface="Arial" panose="020B0604020202020204" pitchFamily="34" charset="0"/>
+              </a:rPr>
+              <a:t>5</a:t>
+            </a:r>
+            <a:endParaRPr lang="ru-RU" sz="1600" dirty="0">
+              <a:latin typeface="Arial" panose="020B0604020202020204" pitchFamily="34" charset="0"/>
+              <a:cs typeface="Arial" panose="020B0604020202020204" pitchFamily="34" charset="0"/>
+            </a:endParaRPr>
+          </a:p>
+        </p:txBody>
+      </p:sp>
+      <p:sp>
+        <p:nvSpPr>
+          <p:cNvPr id="7" name="TextBox 6">
+            <a:extLst>
+              <a:ext uri="{FF2B5EF4-FFF2-40B4-BE49-F238E27FC236}">
+                <a16:creationId xmlns:a16="http://schemas.microsoft.com/office/drawing/2014/main" id="{E8FEE7DE-113F-4575-B377-80ADD8ACDB01}"/>
+              </a:ext>
+            </a:extLst>
+          </p:cNvPr>
+          <p:cNvSpPr txBox="1"/>
+          <p:nvPr/>
+        </p:nvSpPr>
+        <p:spPr>
+          <a:xfrm>
+            <a:off x="2115105" y="1166841"/>
+            <a:ext cx="6094520" cy="4524315"/>
+          </a:xfrm>
+          <a:prstGeom prst="rect">
+            <a:avLst/>
+          </a:prstGeom>
+          <a:noFill/>
+        </p:spPr>
+        <p:txBody>
+          <a:bodyPr wrap="square">
+            <a:spAutoFit/>
+          </a:bodyPr>
+          <a:lstStyle/>
+          <a:p>
+            <a:r>
+              <a:rPr lang="en-US" sz="2400" dirty="0">
+                <a:effectLst/>
+                <a:latin typeface="Arial" panose="020B0604020202020204" pitchFamily="34" charset="0"/>
+                <a:cs typeface="Arial" panose="020B0604020202020204" pitchFamily="34" charset="0"/>
+              </a:rPr>
+              <a:t>Backend:</a:t>
+            </a:r>
+            <a:br>
+              <a:rPr lang="en-US" sz="2400" dirty="0">
+                <a:effectLst/>
+                <a:latin typeface="Arial" panose="020B0604020202020204" pitchFamily="34" charset="0"/>
+                <a:cs typeface="Arial" panose="020B0604020202020204" pitchFamily="34" charset="0"/>
+              </a:rPr>
+            </a:br>
+            <a:r>
+              <a:rPr lang="en-US" sz="2400" dirty="0">
+                <a:effectLst/>
+                <a:latin typeface="Arial" panose="020B0604020202020204" pitchFamily="34" charset="0"/>
+                <a:cs typeface="Arial" panose="020B0604020202020204" pitchFamily="34" charset="0"/>
+              </a:rPr>
+              <a:t>–  Flask 3.1.0</a:t>
+            </a:r>
+            <a:br>
+              <a:rPr lang="en-US" sz="2400" dirty="0">
+                <a:effectLst/>
+                <a:latin typeface="Arial" panose="020B0604020202020204" pitchFamily="34" charset="0"/>
+                <a:cs typeface="Arial" panose="020B0604020202020204" pitchFamily="34" charset="0"/>
+              </a:rPr>
+            </a:br>
+            <a:r>
+              <a:rPr lang="en-US" sz="2400" dirty="0">
+                <a:effectLst/>
+                <a:latin typeface="Arial" panose="020B0604020202020204" pitchFamily="34" charset="0"/>
+                <a:cs typeface="Arial" panose="020B0604020202020204" pitchFamily="34" charset="0"/>
+              </a:rPr>
+              <a:t>–  </a:t>
+            </a:r>
+            <a:r>
+              <a:rPr lang="en-US" sz="2400" dirty="0" err="1">
+                <a:effectLst/>
+                <a:latin typeface="Arial" panose="020B0604020202020204" pitchFamily="34" charset="0"/>
+                <a:cs typeface="Arial" panose="020B0604020202020204" pitchFamily="34" charset="0"/>
+              </a:rPr>
+              <a:t>SQLAlchemy</a:t>
+            </a:r>
+            <a:r>
+              <a:rPr lang="en-US" sz="2400" dirty="0">
+                <a:effectLst/>
+                <a:latin typeface="Arial" panose="020B0604020202020204" pitchFamily="34" charset="0"/>
+                <a:cs typeface="Arial" panose="020B0604020202020204" pitchFamily="34" charset="0"/>
+              </a:rPr>
+              <a:t> 2.0.40</a:t>
+            </a:r>
+            <a:br>
+              <a:rPr lang="en-US" sz="2400" dirty="0">
+                <a:effectLst/>
+                <a:latin typeface="Arial" panose="020B0604020202020204" pitchFamily="34" charset="0"/>
+                <a:cs typeface="Arial" panose="020B0604020202020204" pitchFamily="34" charset="0"/>
+              </a:rPr>
+            </a:br>
+            <a:r>
+              <a:rPr lang="en-US" sz="2400" dirty="0">
+                <a:effectLst/>
+                <a:latin typeface="Arial" panose="020B0604020202020204" pitchFamily="34" charset="0"/>
+                <a:cs typeface="Arial" panose="020B0604020202020204" pitchFamily="34" charset="0"/>
+              </a:rPr>
+              <a:t>–  pip 24.3.1</a:t>
+            </a:r>
+            <a:br>
+              <a:rPr lang="en-US" sz="2400" dirty="0">
+                <a:effectLst/>
+                <a:latin typeface="Arial" panose="020B0604020202020204" pitchFamily="34" charset="0"/>
+                <a:cs typeface="Arial" panose="020B0604020202020204" pitchFamily="34" charset="0"/>
+              </a:rPr>
+            </a:br>
+            <a:r>
+              <a:rPr lang="en-US" sz="2400" dirty="0">
+                <a:effectLst/>
+                <a:latin typeface="Arial" panose="020B0604020202020204" pitchFamily="34" charset="0"/>
+                <a:cs typeface="Arial" panose="020B0604020202020204" pitchFamily="34" charset="0"/>
+              </a:rPr>
+              <a:t>–  </a:t>
+            </a:r>
+            <a:r>
+              <a:rPr lang="en-US" sz="2400" dirty="0" err="1">
+                <a:effectLst/>
+                <a:latin typeface="Arial" panose="020B0604020202020204" pitchFamily="34" charset="0"/>
+                <a:cs typeface="Arial" panose="020B0604020202020204" pitchFamily="34" charset="0"/>
+              </a:rPr>
+              <a:t>WTForms</a:t>
+            </a:r>
+            <a:r>
+              <a:rPr lang="en-US" sz="2400" dirty="0">
+                <a:effectLst/>
+                <a:latin typeface="Arial" panose="020B0604020202020204" pitchFamily="34" charset="0"/>
+                <a:cs typeface="Arial" panose="020B0604020202020204" pitchFamily="34" charset="0"/>
+              </a:rPr>
+              <a:t> 3.2.1</a:t>
+            </a:r>
+            <a:br>
+              <a:rPr lang="en-US" sz="2400" dirty="0">
+                <a:effectLst/>
+                <a:latin typeface="Arial" panose="020B0604020202020204" pitchFamily="34" charset="0"/>
+                <a:cs typeface="Arial" panose="020B0604020202020204" pitchFamily="34" charset="0"/>
+              </a:rPr>
+            </a:br>
+            <a:r>
+              <a:rPr lang="en-US" sz="2400" dirty="0">
+                <a:effectLst/>
+                <a:latin typeface="Arial" panose="020B0604020202020204" pitchFamily="34" charset="0"/>
+                <a:cs typeface="Arial" panose="020B0604020202020204" pitchFamily="34" charset="0"/>
+              </a:rPr>
+              <a:t>– Flask-Login 0.6.3</a:t>
+            </a:r>
+            <a:br>
+              <a:rPr lang="en-US" sz="2400" dirty="0">
+                <a:effectLst/>
+                <a:latin typeface="Arial" panose="020B0604020202020204" pitchFamily="34" charset="0"/>
+                <a:cs typeface="Arial" panose="020B0604020202020204" pitchFamily="34" charset="0"/>
+              </a:rPr>
+            </a:br>
+            <a:r>
+              <a:rPr lang="en-US" sz="2400" dirty="0">
+                <a:effectLst/>
+                <a:latin typeface="Arial" panose="020B0604020202020204" pitchFamily="34" charset="0"/>
+                <a:cs typeface="Arial" panose="020B0604020202020204" pitchFamily="34" charset="0"/>
+              </a:rPr>
+              <a:t>– </a:t>
+            </a:r>
+            <a:r>
+              <a:rPr lang="en-US" sz="2400" dirty="0" err="1">
+                <a:effectLst/>
+                <a:latin typeface="Arial" panose="020B0604020202020204" pitchFamily="34" charset="0"/>
+                <a:cs typeface="Arial" panose="020B0604020202020204" pitchFamily="34" charset="0"/>
+              </a:rPr>
+              <a:t>Flask_socketio</a:t>
+            </a:r>
+            <a:r>
+              <a:rPr lang="en-US" sz="2400" dirty="0">
+                <a:effectLst/>
+                <a:latin typeface="Arial" panose="020B0604020202020204" pitchFamily="34" charset="0"/>
+                <a:cs typeface="Arial" panose="020B0604020202020204" pitchFamily="34" charset="0"/>
+              </a:rPr>
+              <a:t> 5.5.1</a:t>
+            </a:r>
+            <a:br>
+              <a:rPr lang="en-US" sz="2400" dirty="0">
+                <a:effectLst/>
+                <a:latin typeface="Arial" panose="020B0604020202020204" pitchFamily="34" charset="0"/>
+                <a:cs typeface="Arial" panose="020B0604020202020204" pitchFamily="34" charset="0"/>
+              </a:rPr>
+            </a:br>
+            <a:r>
+              <a:rPr lang="en-US" sz="2400" dirty="0">
+                <a:effectLst/>
+                <a:latin typeface="Arial" panose="020B0604020202020204" pitchFamily="34" charset="0"/>
+                <a:cs typeface="Arial" panose="020B0604020202020204" pitchFamily="34" charset="0"/>
+              </a:rPr>
+              <a:t>– </a:t>
+            </a:r>
+            <a:r>
+              <a:rPr lang="en-US" sz="2400" dirty="0" err="1">
+                <a:effectLst/>
+                <a:latin typeface="Arial" panose="020B0604020202020204" pitchFamily="34" charset="0"/>
+                <a:cs typeface="Arial" panose="020B0604020202020204" pitchFamily="34" charset="0"/>
+              </a:rPr>
+              <a:t>Flask_restful</a:t>
+            </a:r>
+            <a:r>
+              <a:rPr lang="en-US" sz="2400" dirty="0">
+                <a:effectLst/>
+                <a:latin typeface="Arial" panose="020B0604020202020204" pitchFamily="34" charset="0"/>
+                <a:cs typeface="Arial" panose="020B0604020202020204" pitchFamily="34" charset="0"/>
+              </a:rPr>
+              <a:t> 0.3.10</a:t>
+            </a:r>
+            <a:br>
+              <a:rPr lang="en-US" sz="2400" dirty="0">
+                <a:effectLst/>
+                <a:latin typeface="Arial" panose="020B0604020202020204" pitchFamily="34" charset="0"/>
+                <a:cs typeface="Arial" panose="020B0604020202020204" pitchFamily="34" charset="0"/>
+              </a:rPr>
+            </a:br>
+            <a:r>
+              <a:rPr lang="en-US" sz="2400" dirty="0">
+                <a:effectLst/>
+                <a:latin typeface="Arial" panose="020B0604020202020204" pitchFamily="34" charset="0"/>
+                <a:cs typeface="Arial" panose="020B0604020202020204" pitchFamily="34" charset="0"/>
+              </a:rPr>
+              <a:t>– </a:t>
+            </a:r>
+            <a:r>
+              <a:rPr lang="en-US" sz="2400" dirty="0" err="1">
+                <a:effectLst/>
+                <a:latin typeface="Arial" panose="020B0604020202020204" pitchFamily="34" charset="0"/>
+                <a:cs typeface="Arial" panose="020B0604020202020204" pitchFamily="34" charset="0"/>
+              </a:rPr>
+              <a:t>Flask_wtf</a:t>
+            </a:r>
+            <a:r>
+              <a:rPr lang="en-US" sz="2400" dirty="0">
+                <a:effectLst/>
+                <a:latin typeface="Arial" panose="020B0604020202020204" pitchFamily="34" charset="0"/>
+                <a:cs typeface="Arial" panose="020B0604020202020204" pitchFamily="34" charset="0"/>
+              </a:rPr>
+              <a:t> 1.2.2</a:t>
+            </a:r>
+            <a:br>
+              <a:rPr lang="en-US" sz="2400" dirty="0">
+                <a:effectLst/>
+                <a:latin typeface="Arial" panose="020B0604020202020204" pitchFamily="34" charset="0"/>
+                <a:cs typeface="Arial" panose="020B0604020202020204" pitchFamily="34" charset="0"/>
+              </a:rPr>
+            </a:br>
+            <a:r>
+              <a:rPr lang="en-US" sz="2400" dirty="0">
+                <a:effectLst/>
+                <a:latin typeface="Arial" panose="020B0604020202020204" pitchFamily="34" charset="0"/>
+                <a:cs typeface="Arial" panose="020B0604020202020204" pitchFamily="34" charset="0"/>
+              </a:rPr>
+              <a:t>– </a:t>
+            </a:r>
+            <a:r>
+              <a:rPr lang="en-US" sz="2400" dirty="0" err="1">
+                <a:effectLst/>
+                <a:latin typeface="Arial" panose="020B0604020202020204" pitchFamily="34" charset="0"/>
+                <a:cs typeface="Arial" panose="020B0604020202020204" pitchFamily="34" charset="0"/>
+              </a:rPr>
+              <a:t>Sqlalchemy_serializer</a:t>
+            </a:r>
+            <a:r>
+              <a:rPr lang="en-US" sz="2400" dirty="0">
+                <a:effectLst/>
+                <a:latin typeface="Arial" panose="020B0604020202020204" pitchFamily="34" charset="0"/>
+                <a:cs typeface="Arial" panose="020B0604020202020204" pitchFamily="34" charset="0"/>
+              </a:rPr>
+              <a:t> 1.4.22</a:t>
+            </a:r>
+            <a:br>
+              <a:rPr lang="en-US" sz="2400" dirty="0">
+                <a:effectLst/>
+                <a:latin typeface="Arial" panose="020B0604020202020204" pitchFamily="34" charset="0"/>
+                <a:cs typeface="Arial" panose="020B0604020202020204" pitchFamily="34" charset="0"/>
+              </a:rPr>
+            </a:br>
+            <a:r>
+              <a:rPr lang="en-US" sz="2400" dirty="0">
+                <a:effectLst/>
+                <a:latin typeface="Arial" panose="020B0604020202020204" pitchFamily="34" charset="0"/>
+                <a:cs typeface="Arial" panose="020B0604020202020204" pitchFamily="34" charset="0"/>
+              </a:rPr>
+              <a:t>Frontend:</a:t>
+            </a:r>
+            <a:br>
+              <a:rPr lang="en-US" sz="2400" dirty="0">
+                <a:effectLst/>
+                <a:latin typeface="Arial" panose="020B0604020202020204" pitchFamily="34" charset="0"/>
+                <a:cs typeface="Arial" panose="020B0604020202020204" pitchFamily="34" charset="0"/>
+              </a:rPr>
+            </a:br>
+            <a:r>
+              <a:rPr lang="en-US" sz="2400" dirty="0">
+                <a:effectLst/>
+                <a:latin typeface="Arial" panose="020B0604020202020204" pitchFamily="34" charset="0"/>
+                <a:cs typeface="Arial" panose="020B0604020202020204" pitchFamily="34" charset="0"/>
+              </a:rPr>
+              <a:t>–  HTML/CSS/</a:t>
+            </a:r>
+            <a:r>
+              <a:rPr lang="en-US" sz="2400" dirty="0" err="1">
+                <a:effectLst/>
+                <a:latin typeface="Arial" panose="020B0604020202020204" pitchFamily="34" charset="0"/>
+                <a:cs typeface="Arial" panose="020B0604020202020204" pitchFamily="34" charset="0"/>
+              </a:rPr>
+              <a:t>JavaScrip</a:t>
+            </a:r>
+            <a:endParaRPr lang="ru-RU" sz="2400" dirty="0">
+              <a:latin typeface="Arial" panose="020B0604020202020204" pitchFamily="34" charset="0"/>
+              <a:cs typeface="Arial" panose="020B0604020202020204" pitchFamily="34" charset="0"/>
+            </a:endParaRPr>
+          </a:p>
+        </p:txBody>
+      </p:sp>
+      <p:pic>
+        <p:nvPicPr>
+          <p:cNvPr id="5" name="Рисунок 4">
+            <a:extLst>
+              <a:ext uri="{FF2B5EF4-FFF2-40B4-BE49-F238E27FC236}">
+                <a16:creationId xmlns:a16="http://schemas.microsoft.com/office/drawing/2014/main" id="{B789793F-3CE3-4CD5-BC64-2C4CD010C292}"/>
+              </a:ext>
+            </a:extLst>
+          </p:cNvPr>
+          <p:cNvPicPr>
+            <a:picLocks noChangeAspect="1"/>
+          </p:cNvPicPr>
+          <p:nvPr/>
+        </p:nvPicPr>
+        <p:blipFill>
+          <a:blip r:embed="rId3"/>
+          <a:stretch>
+            <a:fillRect/>
+          </a:stretch>
+        </p:blipFill>
+        <p:spPr>
+          <a:xfrm>
+            <a:off x="7208668" y="1883797"/>
+            <a:ext cx="3676951" cy="3090405"/>
           </a:xfrm>
           <a:prstGeom prst="rect">
             <a:avLst/>
@@ -3963,7 +6624,7 @@
     </p:spTree>
     <p:extLst>
       <p:ext uri="{BB962C8B-B14F-4D97-AF65-F5344CB8AC3E}">
-        <p14:creationId xmlns:p14="http://schemas.microsoft.com/office/powerpoint/2010/main" val="2274562388"/>
+        <p14:creationId xmlns:p14="http://schemas.microsoft.com/office/powerpoint/2010/main" val="1372024145"/>
       </p:ext>
     </p:extLst>
   </p:cSld>
@@ -3995,7 +6656,7 @@
           <p:cNvPr id="3" name="Рисунок 2">
             <a:extLst>
               <a:ext uri="{FF2B5EF4-FFF2-40B4-BE49-F238E27FC236}">
-                <a16:creationId xmlns:a16="http://schemas.microsoft.com/office/drawing/2014/main" id="{F68B664A-9D70-47C2-ACD2-1353A9A46AE0}"/>
+                <a16:creationId xmlns:a16="http://schemas.microsoft.com/office/drawing/2014/main" id="{EEE29C7B-6051-4412-A1BC-D50E7F3460DE}"/>
               </a:ext>
             </a:extLst>
           </p:cNvPr>
@@ -4012,8 +6673,139 @@
         </p:blipFill>
         <p:spPr>
           <a:xfrm>
-            <a:off x="0" y="1371"/>
-            <a:ext cx="12192000" cy="6855257"/>
+            <a:off x="0" y="1"/>
+            <a:ext cx="2369259" cy="923278"/>
+          </a:xfrm>
+          <a:prstGeom prst="rect">
+            <a:avLst/>
+          </a:prstGeom>
+        </p:spPr>
+      </p:pic>
+      <p:sp>
+        <p:nvSpPr>
+          <p:cNvPr id="6" name="TextBox 5">
+            <a:extLst>
+              <a:ext uri="{FF2B5EF4-FFF2-40B4-BE49-F238E27FC236}">
+                <a16:creationId xmlns:a16="http://schemas.microsoft.com/office/drawing/2014/main" id="{740CFCC9-37DB-4A93-BB90-E1C6C623AC4A}"/>
+              </a:ext>
+            </a:extLst>
+          </p:cNvPr>
+          <p:cNvSpPr txBox="1"/>
+          <p:nvPr/>
+        </p:nvSpPr>
+        <p:spPr>
+          <a:xfrm>
+            <a:off x="4728300" y="138474"/>
+            <a:ext cx="2735400" cy="646331"/>
+          </a:xfrm>
+          <a:prstGeom prst="rect">
+            <a:avLst/>
+          </a:prstGeom>
+          <a:noFill/>
+        </p:spPr>
+        <p:txBody>
+          <a:bodyPr wrap="square">
+            <a:spAutoFit/>
+          </a:bodyPr>
+          <a:lstStyle/>
+          <a:p>
+            <a:pPr algn="ctr"/>
+            <a:r>
+              <a:rPr lang="ru-RU" sz="3600" dirty="0">
+                <a:effectLst/>
+              </a:rPr>
+              <a:t>Авторизация</a:t>
+            </a:r>
+            <a:endParaRPr lang="ru-RU" sz="3600" dirty="0">
+              <a:latin typeface="Arial" panose="020B0604020202020204" pitchFamily="34" charset="0"/>
+              <a:cs typeface="Arial" panose="020B0604020202020204" pitchFamily="34" charset="0"/>
+            </a:endParaRPr>
+          </a:p>
+        </p:txBody>
+      </p:sp>
+      <p:sp>
+        <p:nvSpPr>
+          <p:cNvPr id="10" name="TextBox 9">
+            <a:extLst>
+              <a:ext uri="{FF2B5EF4-FFF2-40B4-BE49-F238E27FC236}">
+                <a16:creationId xmlns:a16="http://schemas.microsoft.com/office/drawing/2014/main" id="{E63D623B-C254-488A-A545-664D4B991FB8}"/>
+              </a:ext>
+            </a:extLst>
+          </p:cNvPr>
+          <p:cNvSpPr txBox="1"/>
+          <p:nvPr/>
+        </p:nvSpPr>
+        <p:spPr>
+          <a:xfrm>
+            <a:off x="11439617" y="6287155"/>
+            <a:ext cx="752383" cy="338554"/>
+          </a:xfrm>
+          <a:prstGeom prst="rect">
+            <a:avLst/>
+          </a:prstGeom>
+          <a:noFill/>
+        </p:spPr>
+        <p:txBody>
+          <a:bodyPr wrap="square">
+            <a:spAutoFit/>
+          </a:bodyPr>
+          <a:lstStyle/>
+          <a:p>
+            <a:r>
+              <a:rPr lang="en-US" sz="1600" dirty="0">
+                <a:effectLst/>
+                <a:latin typeface="Arial" panose="020B0604020202020204" pitchFamily="34" charset="0"/>
+                <a:cs typeface="Arial" panose="020B0604020202020204" pitchFamily="34" charset="0"/>
+              </a:rPr>
+              <a:t>4</a:t>
+            </a:r>
+            <a:r>
+              <a:rPr lang="ru-RU" sz="1600" dirty="0">
+                <a:effectLst/>
+                <a:latin typeface="Arial" panose="020B0604020202020204" pitchFamily="34" charset="0"/>
+                <a:cs typeface="Arial" panose="020B0604020202020204" pitchFamily="34" charset="0"/>
+              </a:rPr>
+              <a:t>/1</a:t>
+            </a:r>
+            <a:r>
+              <a:rPr lang="en-US" sz="1600" dirty="0">
+                <a:effectLst/>
+                <a:latin typeface="Arial" panose="020B0604020202020204" pitchFamily="34" charset="0"/>
+                <a:cs typeface="Arial" panose="020B0604020202020204" pitchFamily="34" charset="0"/>
+              </a:rPr>
+              <a:t>5</a:t>
+            </a:r>
+            <a:endParaRPr lang="ru-RU" sz="1600" dirty="0">
+              <a:latin typeface="Arial" panose="020B0604020202020204" pitchFamily="34" charset="0"/>
+              <a:cs typeface="Arial" panose="020B0604020202020204" pitchFamily="34" charset="0"/>
+            </a:endParaRPr>
+          </a:p>
+        </p:txBody>
+      </p:sp>
+      <p:pic>
+        <p:nvPicPr>
+          <p:cNvPr id="4" name="Рисунок 3">
+            <a:extLst>
+              <a:ext uri="{FF2B5EF4-FFF2-40B4-BE49-F238E27FC236}">
+                <a16:creationId xmlns:a16="http://schemas.microsoft.com/office/drawing/2014/main" id="{8158FAB9-7DD0-4B79-A813-FEA9805F1C7B}"/>
+              </a:ext>
+            </a:extLst>
+          </p:cNvPr>
+          <p:cNvPicPr>
+            <a:picLocks noChangeAspect="1"/>
+          </p:cNvPicPr>
+          <p:nvPr/>
+        </p:nvPicPr>
+        <p:blipFill>
+          <a:blip r:embed="rId3"/>
+          <a:stretch>
+            <a:fillRect/>
+          </a:stretch>
+        </p:blipFill>
+        <p:spPr>
+          <a:xfrm>
+            <a:off x="3522505" y="923279"/>
+            <a:ext cx="4807940" cy="5363876"/>
           </a:xfrm>
           <a:prstGeom prst="rect">
             <a:avLst/>
@@ -4023,7 +6815,7 @@
     </p:spTree>
     <p:extLst>
       <p:ext uri="{BB962C8B-B14F-4D97-AF65-F5344CB8AC3E}">
-        <p14:creationId xmlns:p14="http://schemas.microsoft.com/office/powerpoint/2010/main" val="2222220323"/>
+        <p14:creationId xmlns:p14="http://schemas.microsoft.com/office/powerpoint/2010/main" val="3537708102"/>
       </p:ext>
     </p:extLst>
   </p:cSld>
@@ -4052,10 +6844,10 @@
       </p:grpSpPr>
       <p:pic>
         <p:nvPicPr>
-          <p:cNvPr id="4" name="Рисунок 3">
-            <a:extLst>
-              <a:ext uri="{FF2B5EF4-FFF2-40B4-BE49-F238E27FC236}">
-                <a16:creationId xmlns:a16="http://schemas.microsoft.com/office/drawing/2014/main" id="{A5C19123-E9CB-476C-A60E-8825BA4B3660}"/>
+          <p:cNvPr id="3" name="Рисунок 2">
+            <a:extLst>
+              <a:ext uri="{FF2B5EF4-FFF2-40B4-BE49-F238E27FC236}">
+                <a16:creationId xmlns:a16="http://schemas.microsoft.com/office/drawing/2014/main" id="{EEE29C7B-6051-4412-A1BC-D50E7F3460DE}"/>
               </a:ext>
             </a:extLst>
           </p:cNvPr>
@@ -4072,8 +6864,216 @@
         </p:blipFill>
         <p:spPr>
           <a:xfrm>
-            <a:off x="0" y="5760"/>
-            <a:ext cx="12192000" cy="6846479"/>
+            <a:off x="0" y="1"/>
+            <a:ext cx="2369259" cy="923278"/>
+          </a:xfrm>
+          <a:prstGeom prst="rect">
+            <a:avLst/>
+          </a:prstGeom>
+        </p:spPr>
+      </p:pic>
+      <p:sp>
+        <p:nvSpPr>
+          <p:cNvPr id="6" name="TextBox 5">
+            <a:extLst>
+              <a:ext uri="{FF2B5EF4-FFF2-40B4-BE49-F238E27FC236}">
+                <a16:creationId xmlns:a16="http://schemas.microsoft.com/office/drawing/2014/main" id="{740CFCC9-37DB-4A93-BB90-E1C6C623AC4A}"/>
+              </a:ext>
+            </a:extLst>
+          </p:cNvPr>
+          <p:cNvSpPr txBox="1"/>
+          <p:nvPr/>
+        </p:nvSpPr>
+        <p:spPr>
+          <a:xfrm>
+            <a:off x="5715000" y="107697"/>
+            <a:ext cx="1493668" cy="646331"/>
+          </a:xfrm>
+          <a:prstGeom prst="rect">
+            <a:avLst/>
+          </a:prstGeom>
+          <a:noFill/>
+        </p:spPr>
+        <p:txBody>
+          <a:bodyPr wrap="square">
+            <a:spAutoFit/>
+          </a:bodyPr>
+          <a:lstStyle/>
+          <a:p>
+            <a:r>
+              <a:rPr lang="ru-RU" sz="3600" dirty="0">
+                <a:effectLst/>
+              </a:rPr>
+              <a:t>Лента</a:t>
+            </a:r>
+            <a:endParaRPr lang="ru-RU" sz="3600" dirty="0">
+              <a:latin typeface="Arial" panose="020B0604020202020204" pitchFamily="34" charset="0"/>
+              <a:cs typeface="Arial" panose="020B0604020202020204" pitchFamily="34" charset="0"/>
+            </a:endParaRPr>
+          </a:p>
+        </p:txBody>
+      </p:sp>
+      <p:sp>
+        <p:nvSpPr>
+          <p:cNvPr id="10" name="TextBox 9">
+            <a:extLst>
+              <a:ext uri="{FF2B5EF4-FFF2-40B4-BE49-F238E27FC236}">
+                <a16:creationId xmlns:a16="http://schemas.microsoft.com/office/drawing/2014/main" id="{E63D623B-C254-488A-A545-664D4B991FB8}"/>
+              </a:ext>
+            </a:extLst>
+          </p:cNvPr>
+          <p:cNvSpPr txBox="1"/>
+          <p:nvPr/>
+        </p:nvSpPr>
+        <p:spPr>
+          <a:xfrm>
+            <a:off x="11439617" y="6287155"/>
+            <a:ext cx="752383" cy="338554"/>
+          </a:xfrm>
+          <a:prstGeom prst="rect">
+            <a:avLst/>
+          </a:prstGeom>
+          <a:noFill/>
+        </p:spPr>
+        <p:txBody>
+          <a:bodyPr wrap="square">
+            <a:spAutoFit/>
+          </a:bodyPr>
+          <a:lstStyle/>
+          <a:p>
+            <a:r>
+              <a:rPr lang="en-US" sz="1600" dirty="0">
+                <a:effectLst/>
+                <a:latin typeface="Arial" panose="020B0604020202020204" pitchFamily="34" charset="0"/>
+                <a:cs typeface="Arial" panose="020B0604020202020204" pitchFamily="34" charset="0"/>
+              </a:rPr>
+              <a:t>5</a:t>
+            </a:r>
+            <a:r>
+              <a:rPr lang="ru-RU" sz="1600" dirty="0">
+                <a:effectLst/>
+                <a:latin typeface="Arial" panose="020B0604020202020204" pitchFamily="34" charset="0"/>
+                <a:cs typeface="Arial" panose="020B0604020202020204" pitchFamily="34" charset="0"/>
+              </a:rPr>
+              <a:t>/1</a:t>
+            </a:r>
+            <a:r>
+              <a:rPr lang="en-US" sz="1600" dirty="0">
+                <a:effectLst/>
+                <a:latin typeface="Arial" panose="020B0604020202020204" pitchFamily="34" charset="0"/>
+                <a:cs typeface="Arial" panose="020B0604020202020204" pitchFamily="34" charset="0"/>
+              </a:rPr>
+              <a:t>5</a:t>
+            </a:r>
+            <a:endParaRPr lang="ru-RU" sz="1600" dirty="0">
+              <a:latin typeface="Arial" panose="020B0604020202020204" pitchFamily="34" charset="0"/>
+              <a:cs typeface="Arial" panose="020B0604020202020204" pitchFamily="34" charset="0"/>
+            </a:endParaRPr>
+          </a:p>
+        </p:txBody>
+      </p:sp>
+      <p:sp>
+        <p:nvSpPr>
+          <p:cNvPr id="7" name="TextBox 6">
+            <a:extLst>
+              <a:ext uri="{FF2B5EF4-FFF2-40B4-BE49-F238E27FC236}">
+                <a16:creationId xmlns:a16="http://schemas.microsoft.com/office/drawing/2014/main" id="{BBA2D8E5-5C89-4C19-A0C0-5A6715607BAB}"/>
+              </a:ext>
+            </a:extLst>
+          </p:cNvPr>
+          <p:cNvSpPr txBox="1"/>
+          <p:nvPr/>
+        </p:nvSpPr>
+        <p:spPr>
+          <a:xfrm>
+            <a:off x="7941755" y="1410628"/>
+            <a:ext cx="3506680" cy="3046988"/>
+          </a:xfrm>
+          <a:prstGeom prst="rect">
+            <a:avLst/>
+          </a:prstGeom>
+          <a:noFill/>
+        </p:spPr>
+        <p:txBody>
+          <a:bodyPr wrap="square">
+            <a:spAutoFit/>
+          </a:bodyPr>
+          <a:lstStyle/>
+          <a:p>
+            <a:r>
+              <a:rPr lang="en-US" sz="2400" dirty="0">
+                <a:effectLst/>
+              </a:rPr>
+              <a:t>- </a:t>
+            </a:r>
+            <a:r>
+              <a:rPr lang="ru-RU" sz="2400" dirty="0">
+                <a:effectLst/>
+              </a:rPr>
+              <a:t>Создать пост: описание, картинки, категория</a:t>
+            </a:r>
+            <a:br>
+              <a:rPr lang="ru-RU" sz="2400" dirty="0">
+                <a:effectLst/>
+              </a:rPr>
+            </a:br>
+            <a:r>
+              <a:rPr lang="en-US" sz="2400" dirty="0">
+                <a:effectLst/>
+              </a:rPr>
+              <a:t>- </a:t>
+            </a:r>
+            <a:r>
+              <a:rPr lang="ru-RU" sz="2400" dirty="0">
+                <a:effectLst/>
+              </a:rPr>
+              <a:t>Сортировка: дата / рекомендации / фильтры, топ активных пользователей</a:t>
+            </a:r>
+            <a:br>
+              <a:rPr lang="ru-RU" sz="2400" dirty="0">
+                <a:effectLst/>
+              </a:rPr>
+            </a:br>
+            <a:r>
+              <a:rPr lang="en-US" sz="2400" dirty="0">
+                <a:effectLst/>
+              </a:rPr>
+              <a:t>- </a:t>
+            </a:r>
+            <a:r>
+              <a:rPr lang="ru-RU" sz="2400" dirty="0">
+                <a:effectLst/>
+              </a:rPr>
+              <a:t>Лайки, комментарии, редактирование</a:t>
+            </a:r>
+            <a:endParaRPr lang="ru-RU" sz="2400" dirty="0"/>
+          </a:p>
+        </p:txBody>
+      </p:sp>
+      <p:pic>
+        <p:nvPicPr>
+          <p:cNvPr id="5" name="Рисунок 4">
+            <a:extLst>
+              <a:ext uri="{FF2B5EF4-FFF2-40B4-BE49-F238E27FC236}">
+                <a16:creationId xmlns:a16="http://schemas.microsoft.com/office/drawing/2014/main" id="{B142FF72-25B1-49EB-8E67-7A5C06971EF6}"/>
+              </a:ext>
+            </a:extLst>
+          </p:cNvPr>
+          <p:cNvPicPr>
+            <a:picLocks noChangeAspect="1"/>
+          </p:cNvPicPr>
+          <p:nvPr/>
+        </p:nvPicPr>
+        <p:blipFill>
+          <a:blip r:embed="rId3"/>
+          <a:stretch>
+            <a:fillRect/>
+          </a:stretch>
+        </p:blipFill>
+        <p:spPr>
+          <a:xfrm>
+            <a:off x="743565" y="935401"/>
+            <a:ext cx="6465103" cy="4987197"/>
           </a:xfrm>
           <a:prstGeom prst="rect">
             <a:avLst/>
@@ -4083,7 +7083,7 @@
     </p:spTree>
     <p:extLst>
       <p:ext uri="{BB962C8B-B14F-4D97-AF65-F5344CB8AC3E}">
-        <p14:creationId xmlns:p14="http://schemas.microsoft.com/office/powerpoint/2010/main" val="3626009027"/>
+        <p14:creationId xmlns:p14="http://schemas.microsoft.com/office/powerpoint/2010/main" val="1680147472"/>
       </p:ext>
     </p:extLst>
   </p:cSld>
@@ -4112,10 +7112,10 @@
       </p:grpSpPr>
       <p:pic>
         <p:nvPicPr>
-          <p:cNvPr id="4" name="Рисунок 3">
-            <a:extLst>
-              <a:ext uri="{FF2B5EF4-FFF2-40B4-BE49-F238E27FC236}">
-                <a16:creationId xmlns:a16="http://schemas.microsoft.com/office/drawing/2014/main" id="{C0CFA0D7-1842-43A6-BA89-7664B2E0793A}"/>
+          <p:cNvPr id="3" name="Рисунок 2">
+            <a:extLst>
+              <a:ext uri="{FF2B5EF4-FFF2-40B4-BE49-F238E27FC236}">
+                <a16:creationId xmlns:a16="http://schemas.microsoft.com/office/drawing/2014/main" id="{EEE29C7B-6051-4412-A1BC-D50E7F3460DE}"/>
               </a:ext>
             </a:extLst>
           </p:cNvPr>
@@ -4132,18 +7132,192 @@
         </p:blipFill>
         <p:spPr>
           <a:xfrm>
-            <a:off x="0" y="8223"/>
-            <a:ext cx="12192000" cy="6841554"/>
+            <a:off x="0" y="1"/>
+            <a:ext cx="2369259" cy="923278"/>
           </a:xfrm>
           <a:prstGeom prst="rect">
             <a:avLst/>
           </a:prstGeom>
         </p:spPr>
       </p:pic>
+      <p:sp>
+        <p:nvSpPr>
+          <p:cNvPr id="6" name="TextBox 5">
+            <a:extLst>
+              <a:ext uri="{FF2B5EF4-FFF2-40B4-BE49-F238E27FC236}">
+                <a16:creationId xmlns:a16="http://schemas.microsoft.com/office/drawing/2014/main" id="{740CFCC9-37DB-4A93-BB90-E1C6C623AC4A}"/>
+              </a:ext>
+            </a:extLst>
+          </p:cNvPr>
+          <p:cNvSpPr txBox="1"/>
+          <p:nvPr/>
+        </p:nvSpPr>
+        <p:spPr>
+          <a:xfrm>
+            <a:off x="4163627" y="107697"/>
+            <a:ext cx="3568823" cy="646331"/>
+          </a:xfrm>
+          <a:prstGeom prst="rect">
+            <a:avLst/>
+          </a:prstGeom>
+          <a:noFill/>
+        </p:spPr>
+        <p:txBody>
+          <a:bodyPr wrap="square">
+            <a:spAutoFit/>
+          </a:bodyPr>
+          <a:lstStyle/>
+          <a:p>
+            <a:r>
+              <a:rPr lang="ru-RU" sz="3600" dirty="0">
+                <a:effectLst/>
+              </a:rPr>
+              <a:t>Личная страница</a:t>
+            </a:r>
+            <a:endParaRPr lang="ru-RU" sz="3600" dirty="0">
+              <a:latin typeface="Arial" panose="020B0604020202020204" pitchFamily="34" charset="0"/>
+              <a:cs typeface="Arial" panose="020B0604020202020204" pitchFamily="34" charset="0"/>
+            </a:endParaRPr>
+          </a:p>
+        </p:txBody>
+      </p:sp>
+      <p:sp>
+        <p:nvSpPr>
+          <p:cNvPr id="10" name="TextBox 9">
+            <a:extLst>
+              <a:ext uri="{FF2B5EF4-FFF2-40B4-BE49-F238E27FC236}">
+                <a16:creationId xmlns:a16="http://schemas.microsoft.com/office/drawing/2014/main" id="{E63D623B-C254-488A-A545-664D4B991FB8}"/>
+              </a:ext>
+            </a:extLst>
+          </p:cNvPr>
+          <p:cNvSpPr txBox="1"/>
+          <p:nvPr/>
+        </p:nvSpPr>
+        <p:spPr>
+          <a:xfrm>
+            <a:off x="11439617" y="6287155"/>
+            <a:ext cx="752383" cy="338554"/>
+          </a:xfrm>
+          <a:prstGeom prst="rect">
+            <a:avLst/>
+          </a:prstGeom>
+          <a:noFill/>
+        </p:spPr>
+        <p:txBody>
+          <a:bodyPr wrap="square">
+            <a:spAutoFit/>
+          </a:bodyPr>
+          <a:lstStyle/>
+          <a:p>
+            <a:r>
+              <a:rPr lang="en-US" sz="1600" dirty="0">
+                <a:effectLst/>
+                <a:latin typeface="Arial" panose="020B0604020202020204" pitchFamily="34" charset="0"/>
+                <a:cs typeface="Arial" panose="020B0604020202020204" pitchFamily="34" charset="0"/>
+              </a:rPr>
+              <a:t>6</a:t>
+            </a:r>
+            <a:r>
+              <a:rPr lang="ru-RU" sz="1600" dirty="0">
+                <a:effectLst/>
+                <a:latin typeface="Arial" panose="020B0604020202020204" pitchFamily="34" charset="0"/>
+                <a:cs typeface="Arial" panose="020B0604020202020204" pitchFamily="34" charset="0"/>
+              </a:rPr>
+              <a:t>/1</a:t>
+            </a:r>
+            <a:r>
+              <a:rPr lang="en-US" sz="1600" dirty="0">
+                <a:effectLst/>
+                <a:latin typeface="Arial" panose="020B0604020202020204" pitchFamily="34" charset="0"/>
+                <a:cs typeface="Arial" panose="020B0604020202020204" pitchFamily="34" charset="0"/>
+              </a:rPr>
+              <a:t>5</a:t>
+            </a:r>
+            <a:endParaRPr lang="ru-RU" sz="1600" dirty="0">
+              <a:latin typeface="Arial" panose="020B0604020202020204" pitchFamily="34" charset="0"/>
+              <a:cs typeface="Arial" panose="020B0604020202020204" pitchFamily="34" charset="0"/>
+            </a:endParaRPr>
+          </a:p>
+        </p:txBody>
+      </p:sp>
+      <p:pic>
+        <p:nvPicPr>
+          <p:cNvPr id="4" name="Рисунок 3">
+            <a:extLst>
+              <a:ext uri="{FF2B5EF4-FFF2-40B4-BE49-F238E27FC236}">
+                <a16:creationId xmlns:a16="http://schemas.microsoft.com/office/drawing/2014/main" id="{AD9410D0-F717-412F-BEAB-AC460DEEE78D}"/>
+              </a:ext>
+            </a:extLst>
+          </p:cNvPr>
+          <p:cNvPicPr>
+            <a:picLocks noChangeAspect="1"/>
+          </p:cNvPicPr>
+          <p:nvPr/>
+        </p:nvPicPr>
+        <p:blipFill>
+          <a:blip r:embed="rId3"/>
+          <a:stretch>
+            <a:fillRect/>
+          </a:stretch>
+        </p:blipFill>
+        <p:spPr>
+          <a:xfrm>
+            <a:off x="985130" y="923279"/>
+            <a:ext cx="5602101" cy="5027840"/>
+          </a:xfrm>
+          <a:prstGeom prst="rect">
+            <a:avLst/>
+          </a:prstGeom>
+        </p:spPr>
+      </p:pic>
+      <p:sp>
+        <p:nvSpPr>
+          <p:cNvPr id="8" name="TextBox 7">
+            <a:extLst>
+              <a:ext uri="{FF2B5EF4-FFF2-40B4-BE49-F238E27FC236}">
+                <a16:creationId xmlns:a16="http://schemas.microsoft.com/office/drawing/2014/main" id="{C802A35D-7D70-49E9-8D0E-E3756A350700}"/>
+              </a:ext>
+            </a:extLst>
+          </p:cNvPr>
+          <p:cNvSpPr txBox="1"/>
+          <p:nvPr/>
+        </p:nvSpPr>
+        <p:spPr>
+          <a:xfrm>
+            <a:off x="8114190" y="1914903"/>
+            <a:ext cx="2867487" cy="2308324"/>
+          </a:xfrm>
+          <a:prstGeom prst="rect">
+            <a:avLst/>
+          </a:prstGeom>
+          <a:noFill/>
+        </p:spPr>
+        <p:txBody>
+          <a:bodyPr wrap="square">
+            <a:spAutoFit/>
+          </a:bodyPr>
+          <a:lstStyle/>
+          <a:p>
+            <a:r>
+              <a:rPr lang="ru-RU" sz="3600" dirty="0" err="1">
+                <a:effectLst/>
+              </a:rPr>
+              <a:t>Аватарка</a:t>
+            </a:r>
+            <a:r>
+              <a:rPr lang="ru-RU" sz="3600" dirty="0">
+                <a:effectLst/>
+              </a:rPr>
+              <a:t>, фон, имя, собственные посты </a:t>
+            </a:r>
+            <a:endParaRPr lang="ru-RU" sz="3600" dirty="0"/>
+          </a:p>
+        </p:txBody>
+      </p:sp>
     </p:spTree>
     <p:extLst>
       <p:ext uri="{BB962C8B-B14F-4D97-AF65-F5344CB8AC3E}">
-        <p14:creationId xmlns:p14="http://schemas.microsoft.com/office/powerpoint/2010/main" val="3695372012"/>
+        <p14:creationId xmlns:p14="http://schemas.microsoft.com/office/powerpoint/2010/main" val="1300126735"/>
       </p:ext>
     </p:extLst>
   </p:cSld>
@@ -4175,7 +7349,7 @@
           <p:cNvPr id="3" name="Рисунок 2">
             <a:extLst>
               <a:ext uri="{FF2B5EF4-FFF2-40B4-BE49-F238E27FC236}">
-                <a16:creationId xmlns:a16="http://schemas.microsoft.com/office/drawing/2014/main" id="{7AFEB40C-4661-4753-8A68-9F42C95DF207}"/>
+                <a16:creationId xmlns:a16="http://schemas.microsoft.com/office/drawing/2014/main" id="{EEE29C7B-6051-4412-A1BC-D50E7F3460DE}"/>
               </a:ext>
             </a:extLst>
           </p:cNvPr>
@@ -4192,18 +7366,183 @@
         </p:blipFill>
         <p:spPr>
           <a:xfrm>
-            <a:off x="0" y="11214"/>
-            <a:ext cx="12192000" cy="6835572"/>
+            <a:off x="0" y="1"/>
+            <a:ext cx="2369259" cy="923278"/>
           </a:xfrm>
           <a:prstGeom prst="rect">
             <a:avLst/>
           </a:prstGeom>
         </p:spPr>
       </p:pic>
+      <p:sp>
+        <p:nvSpPr>
+          <p:cNvPr id="10" name="TextBox 9">
+            <a:extLst>
+              <a:ext uri="{FF2B5EF4-FFF2-40B4-BE49-F238E27FC236}">
+                <a16:creationId xmlns:a16="http://schemas.microsoft.com/office/drawing/2014/main" id="{E63D623B-C254-488A-A545-664D4B991FB8}"/>
+              </a:ext>
+            </a:extLst>
+          </p:cNvPr>
+          <p:cNvSpPr txBox="1"/>
+          <p:nvPr/>
+        </p:nvSpPr>
+        <p:spPr>
+          <a:xfrm>
+            <a:off x="11439617" y="6287155"/>
+            <a:ext cx="752383" cy="338554"/>
+          </a:xfrm>
+          <a:prstGeom prst="rect">
+            <a:avLst/>
+          </a:prstGeom>
+          <a:noFill/>
+        </p:spPr>
+        <p:txBody>
+          <a:bodyPr wrap="square">
+            <a:spAutoFit/>
+          </a:bodyPr>
+          <a:lstStyle/>
+          <a:p>
+            <a:r>
+              <a:rPr lang="en-US" sz="1600" dirty="0">
+                <a:effectLst/>
+                <a:latin typeface="Arial" panose="020B0604020202020204" pitchFamily="34" charset="0"/>
+                <a:cs typeface="Arial" panose="020B0604020202020204" pitchFamily="34" charset="0"/>
+              </a:rPr>
+              <a:t>7</a:t>
+            </a:r>
+            <a:r>
+              <a:rPr lang="ru-RU" sz="1600" dirty="0">
+                <a:effectLst/>
+                <a:latin typeface="Arial" panose="020B0604020202020204" pitchFamily="34" charset="0"/>
+                <a:cs typeface="Arial" panose="020B0604020202020204" pitchFamily="34" charset="0"/>
+              </a:rPr>
+              <a:t>/1</a:t>
+            </a:r>
+            <a:r>
+              <a:rPr lang="en-US" sz="1600" dirty="0">
+                <a:effectLst/>
+                <a:latin typeface="Arial" panose="020B0604020202020204" pitchFamily="34" charset="0"/>
+                <a:cs typeface="Arial" panose="020B0604020202020204" pitchFamily="34" charset="0"/>
+              </a:rPr>
+              <a:t>5</a:t>
+            </a:r>
+            <a:endParaRPr lang="ru-RU" sz="1600" dirty="0">
+              <a:latin typeface="Arial" panose="020B0604020202020204" pitchFamily="34" charset="0"/>
+              <a:cs typeface="Arial" panose="020B0604020202020204" pitchFamily="34" charset="0"/>
+            </a:endParaRPr>
+          </a:p>
+        </p:txBody>
+      </p:sp>
+      <p:pic>
+        <p:nvPicPr>
+          <p:cNvPr id="4" name="Рисунок 3">
+            <a:extLst>
+              <a:ext uri="{FF2B5EF4-FFF2-40B4-BE49-F238E27FC236}">
+                <a16:creationId xmlns:a16="http://schemas.microsoft.com/office/drawing/2014/main" id="{2EC42E9E-6387-4DBF-B300-240CE72C756A}"/>
+              </a:ext>
+            </a:extLst>
+          </p:cNvPr>
+          <p:cNvPicPr>
+            <a:picLocks noChangeAspect="1"/>
+          </p:cNvPicPr>
+          <p:nvPr/>
+        </p:nvPicPr>
+        <p:blipFill>
+          <a:blip r:embed="rId3"/>
+          <a:stretch>
+            <a:fillRect/>
+          </a:stretch>
+        </p:blipFill>
+        <p:spPr>
+          <a:xfrm>
+            <a:off x="5085048" y="754028"/>
+            <a:ext cx="6730760" cy="5303265"/>
+          </a:xfrm>
+          <a:prstGeom prst="rect">
+            <a:avLst/>
+          </a:prstGeom>
+        </p:spPr>
+      </p:pic>
+      <p:sp>
+        <p:nvSpPr>
+          <p:cNvPr id="8" name="TextBox 7">
+            <a:extLst>
+              <a:ext uri="{FF2B5EF4-FFF2-40B4-BE49-F238E27FC236}">
+                <a16:creationId xmlns:a16="http://schemas.microsoft.com/office/drawing/2014/main" id="{8E29BB7F-F2AF-48B9-B8BD-7BCE1FAA9244}"/>
+              </a:ext>
+            </a:extLst>
+          </p:cNvPr>
+          <p:cNvSpPr txBox="1"/>
+          <p:nvPr/>
+        </p:nvSpPr>
+        <p:spPr>
+          <a:xfrm>
+            <a:off x="935484" y="1932657"/>
+            <a:ext cx="4044888" cy="584775"/>
+          </a:xfrm>
+          <a:prstGeom prst="rect">
+            <a:avLst/>
+          </a:prstGeom>
+          <a:noFill/>
+        </p:spPr>
+        <p:txBody>
+          <a:bodyPr wrap="square">
+            <a:spAutoFit/>
+          </a:bodyPr>
+          <a:lstStyle/>
+          <a:p>
+            <a:r>
+              <a:rPr lang="ru-RU" sz="3200" dirty="0">
+                <a:effectLst/>
+              </a:rPr>
+              <a:t>Страница «Друзья» </a:t>
+            </a:r>
+            <a:endParaRPr lang="ru-RU" sz="3200" dirty="0"/>
+          </a:p>
+        </p:txBody>
+      </p:sp>
+      <p:sp>
+        <p:nvSpPr>
+          <p:cNvPr id="11" name="TextBox 10">
+            <a:extLst>
+              <a:ext uri="{FF2B5EF4-FFF2-40B4-BE49-F238E27FC236}">
+                <a16:creationId xmlns:a16="http://schemas.microsoft.com/office/drawing/2014/main" id="{9203D9EF-4BFB-49E5-8BC1-A0D4F73F29B3}"/>
+              </a:ext>
+            </a:extLst>
+          </p:cNvPr>
+          <p:cNvSpPr txBox="1"/>
+          <p:nvPr/>
+        </p:nvSpPr>
+        <p:spPr>
+          <a:xfrm>
+            <a:off x="935484" y="4897799"/>
+            <a:ext cx="3318029" cy="584775"/>
+          </a:xfrm>
+          <a:prstGeom prst="rect">
+            <a:avLst/>
+          </a:prstGeom>
+          <a:noFill/>
+        </p:spPr>
+        <p:txBody>
+          <a:bodyPr wrap="square">
+            <a:spAutoFit/>
+          </a:bodyPr>
+          <a:lstStyle/>
+          <a:p>
+            <a:r>
+              <a:rPr lang="ru-RU" sz="3200" dirty="0">
+                <a:effectLst/>
+              </a:rPr>
+              <a:t>Заявка в друзья</a:t>
+            </a:r>
+            <a:endParaRPr lang="ru-RU" sz="3200" dirty="0"/>
+          </a:p>
+        </p:txBody>
+      </p:sp>
     </p:spTree>
     <p:extLst>
       <p:ext uri="{BB962C8B-B14F-4D97-AF65-F5344CB8AC3E}">
-        <p14:creationId xmlns:p14="http://schemas.microsoft.com/office/powerpoint/2010/main" val="3008496137"/>
+        <p14:creationId xmlns:p14="http://schemas.microsoft.com/office/powerpoint/2010/main" val="2143785971"/>
       </p:ext>
     </p:extLst>
   </p:cSld>
@@ -4232,10 +7571,10 @@
       </p:grpSpPr>
       <p:pic>
         <p:nvPicPr>
-          <p:cNvPr id="4" name="Рисунок 3">
-            <a:extLst>
-              <a:ext uri="{FF2B5EF4-FFF2-40B4-BE49-F238E27FC236}">
-                <a16:creationId xmlns:a16="http://schemas.microsoft.com/office/drawing/2014/main" id="{5C4D4D05-5CF3-4B22-9A02-A0A7EC6014C6}"/>
+          <p:cNvPr id="3" name="Рисунок 2">
+            <a:extLst>
+              <a:ext uri="{FF2B5EF4-FFF2-40B4-BE49-F238E27FC236}">
+                <a16:creationId xmlns:a16="http://schemas.microsoft.com/office/drawing/2014/main" id="{EEE29C7B-6051-4412-A1BC-D50E7F3460DE}"/>
               </a:ext>
             </a:extLst>
           </p:cNvPr>
@@ -4252,8 +7591,138 @@
         </p:blipFill>
         <p:spPr>
           <a:xfrm>
-            <a:off x="0" y="11480"/>
-            <a:ext cx="12192000" cy="6835039"/>
+            <a:off x="0" y="1"/>
+            <a:ext cx="2369259" cy="923278"/>
+          </a:xfrm>
+          <a:prstGeom prst="rect">
+            <a:avLst/>
+          </a:prstGeom>
+        </p:spPr>
+      </p:pic>
+      <p:sp>
+        <p:nvSpPr>
+          <p:cNvPr id="6" name="TextBox 5">
+            <a:extLst>
+              <a:ext uri="{FF2B5EF4-FFF2-40B4-BE49-F238E27FC236}">
+                <a16:creationId xmlns:a16="http://schemas.microsoft.com/office/drawing/2014/main" id="{740CFCC9-37DB-4A93-BB90-E1C6C623AC4A}"/>
+              </a:ext>
+            </a:extLst>
+          </p:cNvPr>
+          <p:cNvSpPr txBox="1"/>
+          <p:nvPr/>
+        </p:nvSpPr>
+        <p:spPr>
+          <a:xfrm>
+            <a:off x="3952043" y="116574"/>
+            <a:ext cx="4287913" cy="646331"/>
+          </a:xfrm>
+          <a:prstGeom prst="rect">
+            <a:avLst/>
+          </a:prstGeom>
+          <a:noFill/>
+        </p:spPr>
+        <p:txBody>
+          <a:bodyPr wrap="square">
+            <a:spAutoFit/>
+          </a:bodyPr>
+          <a:lstStyle/>
+          <a:p>
+            <a:r>
+              <a:rPr lang="ru-RU" sz="3600" dirty="0">
+                <a:effectLst/>
+              </a:rPr>
+              <a:t>Настройки профиля</a:t>
+            </a:r>
+            <a:endParaRPr lang="ru-RU" sz="3600" dirty="0">
+              <a:latin typeface="Arial" panose="020B0604020202020204" pitchFamily="34" charset="0"/>
+              <a:cs typeface="Arial" panose="020B0604020202020204" pitchFamily="34" charset="0"/>
+            </a:endParaRPr>
+          </a:p>
+        </p:txBody>
+      </p:sp>
+      <p:sp>
+        <p:nvSpPr>
+          <p:cNvPr id="10" name="TextBox 9">
+            <a:extLst>
+              <a:ext uri="{FF2B5EF4-FFF2-40B4-BE49-F238E27FC236}">
+                <a16:creationId xmlns:a16="http://schemas.microsoft.com/office/drawing/2014/main" id="{E63D623B-C254-488A-A545-664D4B991FB8}"/>
+              </a:ext>
+            </a:extLst>
+          </p:cNvPr>
+          <p:cNvSpPr txBox="1"/>
+          <p:nvPr/>
+        </p:nvSpPr>
+        <p:spPr>
+          <a:xfrm>
+            <a:off x="11439617" y="6287155"/>
+            <a:ext cx="752383" cy="338554"/>
+          </a:xfrm>
+          <a:prstGeom prst="rect">
+            <a:avLst/>
+          </a:prstGeom>
+          <a:noFill/>
+        </p:spPr>
+        <p:txBody>
+          <a:bodyPr wrap="square">
+            <a:spAutoFit/>
+          </a:bodyPr>
+          <a:lstStyle/>
+          <a:p>
+            <a:r>
+              <a:rPr lang="en-US" sz="1600" dirty="0">
+                <a:effectLst/>
+                <a:latin typeface="Arial" panose="020B0604020202020204" pitchFamily="34" charset="0"/>
+                <a:cs typeface="Arial" panose="020B0604020202020204" pitchFamily="34" charset="0"/>
+              </a:rPr>
+              <a:t>8</a:t>
+            </a:r>
+            <a:r>
+              <a:rPr lang="ru-RU" sz="1600" dirty="0">
+                <a:effectLst/>
+                <a:latin typeface="Arial" panose="020B0604020202020204" pitchFamily="34" charset="0"/>
+                <a:cs typeface="Arial" panose="020B0604020202020204" pitchFamily="34" charset="0"/>
+              </a:rPr>
+              <a:t>/1</a:t>
+            </a:r>
+            <a:r>
+              <a:rPr lang="en-US" sz="1600" dirty="0">
+                <a:effectLst/>
+                <a:latin typeface="Arial" panose="020B0604020202020204" pitchFamily="34" charset="0"/>
+                <a:cs typeface="Arial" panose="020B0604020202020204" pitchFamily="34" charset="0"/>
+              </a:rPr>
+              <a:t>5</a:t>
+            </a:r>
+            <a:endParaRPr lang="ru-RU" sz="1600" dirty="0">
+              <a:latin typeface="Arial" panose="020B0604020202020204" pitchFamily="34" charset="0"/>
+              <a:cs typeface="Arial" panose="020B0604020202020204" pitchFamily="34" charset="0"/>
+            </a:endParaRPr>
+          </a:p>
+        </p:txBody>
+      </p:sp>
+      <p:pic>
+        <p:nvPicPr>
+          <p:cNvPr id="4" name="Рисунок 3">
+            <a:extLst>
+              <a:ext uri="{FF2B5EF4-FFF2-40B4-BE49-F238E27FC236}">
+                <a16:creationId xmlns:a16="http://schemas.microsoft.com/office/drawing/2014/main" id="{92DB8F0A-8BE9-46D2-AAFC-95F286BC3CAB}"/>
+              </a:ext>
+            </a:extLst>
+          </p:cNvPr>
+          <p:cNvPicPr>
+            <a:picLocks noChangeAspect="1"/>
+          </p:cNvPicPr>
+          <p:nvPr/>
+        </p:nvPicPr>
+        <p:blipFill>
+          <a:blip r:embed="rId3"/>
+          <a:stretch>
+            <a:fillRect/>
+          </a:stretch>
+        </p:blipFill>
+        <p:spPr>
+          <a:xfrm>
+            <a:off x="303141" y="1028365"/>
+            <a:ext cx="11888859" cy="4801270"/>
           </a:xfrm>
           <a:prstGeom prst="rect">
             <a:avLst/>
@@ -4263,7 +7732,7 @@
     </p:spTree>
     <p:extLst>
       <p:ext uri="{BB962C8B-B14F-4D97-AF65-F5344CB8AC3E}">
-        <p14:creationId xmlns:p14="http://schemas.microsoft.com/office/powerpoint/2010/main" val="2354446794"/>
+        <p14:creationId xmlns:p14="http://schemas.microsoft.com/office/powerpoint/2010/main" val="953489602"/>
       </p:ext>
     </p:extLst>
   </p:cSld>
